--- a/Resource/Document/Scale.pptx
+++ b/Resource/Document/Scale.pptx
@@ -2,12 +2,13 @@
 <file path=ppt/presentation.xml><?xml version="1.0" encoding="utf-8"?>
 <p:presentation xmlns:a="http://schemas.openxmlformats.org/drawingml/2006/main" xmlns:r="http://schemas.openxmlformats.org/officeDocument/2006/relationships" xmlns:p="http://schemas.openxmlformats.org/presentationml/2006/main" saveSubsetFonts="1" autoCompressPictures="0">
   <p:sldMasterIdLst>
-    <p:sldMasterId id="2147483672" r:id="rId1"/>
+    <p:sldMasterId id="2147483684" r:id="rId1"/>
   </p:sldMasterIdLst>
   <p:sldIdLst>
     <p:sldId id="256" r:id="rId2"/>
+    <p:sldId id="257" r:id="rId3"/>
   </p:sldIdLst>
-  <p:sldSz cx="6480175" cy="10799763"/>
+  <p:sldSz cx="6858000" cy="9906000" type="A4"/>
   <p:notesSz cx="6858000" cy="9144000"/>
   <p:defaultTextStyle>
     <a:defPPr>
@@ -104,6 +105,11 @@
       </a:defRPr>
     </a:lvl9pPr>
   </p:defaultTextStyle>
+  <p:extLst>
+    <p:ext uri="{EFAFB233-063F-42B5-8137-9DF3F51BA10A}">
+      <p15:sldGuideLst xmlns:p15="http://schemas.microsoft.com/office/powerpoint/2012/main"/>
+    </p:ext>
+  </p:extLst>
 </p:presentation>
 </file>
 
@@ -136,15 +142,15 @@
         </p:nvSpPr>
         <p:spPr>
           <a:xfrm>
-            <a:off x="486013" y="1767462"/>
-            <a:ext cx="5508149" cy="3759917"/>
+            <a:off x="514350" y="1621191"/>
+            <a:ext cx="5829300" cy="3448756"/>
           </a:xfrm>
         </p:spPr>
         <p:txBody>
           <a:bodyPr anchor="b"/>
           <a:lstStyle>
             <a:lvl1pPr algn="ctr">
-              <a:defRPr sz="4252"/>
+              <a:defRPr sz="4500"/>
             </a:lvl1pPr>
           </a:lstStyle>
           <a:p>
@@ -168,8 +174,8 @@
         </p:nvSpPr>
         <p:spPr>
           <a:xfrm>
-            <a:off x="810022" y="5672376"/>
-            <a:ext cx="4860131" cy="2607442"/>
+            <a:off x="857250" y="5202944"/>
+            <a:ext cx="5143500" cy="2391656"/>
           </a:xfrm>
         </p:spPr>
         <p:txBody>
@@ -177,39 +183,39 @@
           <a:lstStyle>
             <a:lvl1pPr marL="0" indent="0" algn="ctr">
               <a:buNone/>
-              <a:defRPr sz="1701"/>
+              <a:defRPr sz="1800"/>
             </a:lvl1pPr>
-            <a:lvl2pPr marL="324018" indent="0" algn="ctr">
-              <a:buNone/>
-              <a:defRPr sz="1417"/>
+            <a:lvl2pPr marL="342900" indent="0" algn="ctr">
+              <a:buNone/>
+              <a:defRPr sz="1500"/>
             </a:lvl2pPr>
-            <a:lvl3pPr marL="648035" indent="0" algn="ctr">
-              <a:buNone/>
-              <a:defRPr sz="1276"/>
+            <a:lvl3pPr marL="685800" indent="0" algn="ctr">
+              <a:buNone/>
+              <a:defRPr sz="1350"/>
             </a:lvl3pPr>
-            <a:lvl4pPr marL="972053" indent="0" algn="ctr">
-              <a:buNone/>
-              <a:defRPr sz="1134"/>
+            <a:lvl4pPr marL="1028700" indent="0" algn="ctr">
+              <a:buNone/>
+              <a:defRPr sz="1200"/>
             </a:lvl4pPr>
-            <a:lvl5pPr marL="1296071" indent="0" algn="ctr">
-              <a:buNone/>
-              <a:defRPr sz="1134"/>
+            <a:lvl5pPr marL="1371600" indent="0" algn="ctr">
+              <a:buNone/>
+              <a:defRPr sz="1200"/>
             </a:lvl5pPr>
-            <a:lvl6pPr marL="1620088" indent="0" algn="ctr">
-              <a:buNone/>
-              <a:defRPr sz="1134"/>
+            <a:lvl6pPr marL="1714500" indent="0" algn="ctr">
+              <a:buNone/>
+              <a:defRPr sz="1200"/>
             </a:lvl6pPr>
-            <a:lvl7pPr marL="1944106" indent="0" algn="ctr">
-              <a:buNone/>
-              <a:defRPr sz="1134"/>
+            <a:lvl7pPr marL="2057400" indent="0" algn="ctr">
+              <a:buNone/>
+              <a:defRPr sz="1200"/>
             </a:lvl7pPr>
-            <a:lvl8pPr marL="2268123" indent="0" algn="ctr">
-              <a:buNone/>
-              <a:defRPr sz="1134"/>
+            <a:lvl8pPr marL="2400300" indent="0" algn="ctr">
+              <a:buNone/>
+              <a:defRPr sz="1200"/>
             </a:lvl8pPr>
-            <a:lvl9pPr marL="2592141" indent="0" algn="ctr">
-              <a:buNone/>
-              <a:defRPr sz="1134"/>
+            <a:lvl9pPr marL="2743200" indent="0" algn="ctr">
+              <a:buNone/>
+              <a:defRPr sz="1200"/>
             </a:lvl9pPr>
           </a:lstStyle>
           <a:p>
@@ -238,7 +244,7 @@
           <a:p>
             <a:fld id="{B617430B-4D99-334F-A211-8803C0767C82}" type="datetimeFigureOut">
               <a:rPr lang="en-US" smtClean="0"/>
-              <a:t>12/6/22</a:t>
+              <a:t>12/14/22</a:t>
             </a:fld>
             <a:endParaRPr lang="en-US"/>
           </a:p>
@@ -289,7 +295,7 @@
     </p:spTree>
     <p:extLst>
       <p:ext uri="{BB962C8B-B14F-4D97-AF65-F5344CB8AC3E}">
-        <p14:creationId xmlns:p14="http://schemas.microsoft.com/office/powerpoint/2010/main" val="230588706"/>
+        <p14:creationId xmlns:p14="http://schemas.microsoft.com/office/powerpoint/2010/main" val="3439401870"/>
       </p:ext>
     </p:extLst>
   </p:cSld>
@@ -408,7 +414,7 @@
           <a:p>
             <a:fld id="{B617430B-4D99-334F-A211-8803C0767C82}" type="datetimeFigureOut">
               <a:rPr lang="en-US" smtClean="0"/>
-              <a:t>12/6/22</a:t>
+              <a:t>12/14/22</a:t>
             </a:fld>
             <a:endParaRPr lang="en-US"/>
           </a:p>
@@ -459,7 +465,7 @@
     </p:spTree>
     <p:extLst>
       <p:ext uri="{BB962C8B-B14F-4D97-AF65-F5344CB8AC3E}">
-        <p14:creationId xmlns:p14="http://schemas.microsoft.com/office/powerpoint/2010/main" val="1322543992"/>
+        <p14:creationId xmlns:p14="http://schemas.microsoft.com/office/powerpoint/2010/main" val="3766459343"/>
       </p:ext>
     </p:extLst>
   </p:cSld>
@@ -498,8 +504,8 @@
         </p:nvSpPr>
         <p:spPr>
           <a:xfrm>
-            <a:off x="4637375" y="574987"/>
-            <a:ext cx="1397288" cy="9152300"/>
+            <a:off x="4907757" y="527403"/>
+            <a:ext cx="1478756" cy="8394877"/>
           </a:xfrm>
         </p:spPr>
         <p:txBody>
@@ -526,8 +532,8 @@
         </p:nvSpPr>
         <p:spPr>
           <a:xfrm>
-            <a:off x="445512" y="574987"/>
-            <a:ext cx="4110861" cy="9152300"/>
+            <a:off x="471488" y="527403"/>
+            <a:ext cx="4350544" cy="8394877"/>
           </a:xfrm>
         </p:spPr>
         <p:txBody>
@@ -588,7 +594,7 @@
           <a:p>
             <a:fld id="{B617430B-4D99-334F-A211-8803C0767C82}" type="datetimeFigureOut">
               <a:rPr lang="en-US" smtClean="0"/>
-              <a:t>12/6/22</a:t>
+              <a:t>12/14/22</a:t>
             </a:fld>
             <a:endParaRPr lang="en-US"/>
           </a:p>
@@ -639,7 +645,7 @@
     </p:spTree>
     <p:extLst>
       <p:ext uri="{BB962C8B-B14F-4D97-AF65-F5344CB8AC3E}">
-        <p14:creationId xmlns:p14="http://schemas.microsoft.com/office/powerpoint/2010/main" val="717318075"/>
+        <p14:creationId xmlns:p14="http://schemas.microsoft.com/office/powerpoint/2010/main" val="1483738201"/>
       </p:ext>
     </p:extLst>
   </p:cSld>
@@ -758,7 +764,7 @@
           <a:p>
             <a:fld id="{B617430B-4D99-334F-A211-8803C0767C82}" type="datetimeFigureOut">
               <a:rPr lang="en-US" smtClean="0"/>
-              <a:t>12/6/22</a:t>
+              <a:t>12/14/22</a:t>
             </a:fld>
             <a:endParaRPr lang="en-US"/>
           </a:p>
@@ -809,7 +815,7 @@
     </p:spTree>
     <p:extLst>
       <p:ext uri="{BB962C8B-B14F-4D97-AF65-F5344CB8AC3E}">
-        <p14:creationId xmlns:p14="http://schemas.microsoft.com/office/powerpoint/2010/main" val="2651898414"/>
+        <p14:creationId xmlns:p14="http://schemas.microsoft.com/office/powerpoint/2010/main" val="1202848537"/>
       </p:ext>
     </p:extLst>
   </p:cSld>
@@ -848,15 +854,15 @@
         </p:nvSpPr>
         <p:spPr>
           <a:xfrm>
-            <a:off x="442137" y="2692444"/>
-            <a:ext cx="5589151" cy="4492401"/>
+            <a:off x="467916" y="2469624"/>
+            <a:ext cx="5915025" cy="4120620"/>
           </a:xfrm>
         </p:spPr>
         <p:txBody>
           <a:bodyPr anchor="b"/>
           <a:lstStyle>
             <a:lvl1pPr>
-              <a:defRPr sz="4252"/>
+              <a:defRPr sz="4500"/>
             </a:lvl1pPr>
           </a:lstStyle>
           <a:p>
@@ -880,8 +886,8 @@
         </p:nvSpPr>
         <p:spPr>
           <a:xfrm>
-            <a:off x="442137" y="7227345"/>
-            <a:ext cx="5589151" cy="2362447"/>
+            <a:off x="467916" y="6629226"/>
+            <a:ext cx="5915025" cy="2166937"/>
           </a:xfrm>
         </p:spPr>
         <p:txBody>
@@ -889,15 +895,15 @@
           <a:lstStyle>
             <a:lvl1pPr marL="0" indent="0">
               <a:buNone/>
-              <a:defRPr sz="1701">
+              <a:defRPr sz="1800">
                 <a:solidFill>
                   <a:schemeClr val="tx1"/>
                 </a:solidFill>
               </a:defRPr>
             </a:lvl1pPr>
-            <a:lvl2pPr marL="324018" indent="0">
-              <a:buNone/>
-              <a:defRPr sz="1417">
+            <a:lvl2pPr marL="342900" indent="0">
+              <a:buNone/>
+              <a:defRPr sz="1500">
                 <a:solidFill>
                   <a:schemeClr val="tx1">
                     <a:tint val="75000"/>
@@ -905,9 +911,9 @@
                 </a:solidFill>
               </a:defRPr>
             </a:lvl2pPr>
-            <a:lvl3pPr marL="648035" indent="0">
-              <a:buNone/>
-              <a:defRPr sz="1276">
+            <a:lvl3pPr marL="685800" indent="0">
+              <a:buNone/>
+              <a:defRPr sz="1350">
                 <a:solidFill>
                   <a:schemeClr val="tx1">
                     <a:tint val="75000"/>
@@ -915,9 +921,9 @@
                 </a:solidFill>
               </a:defRPr>
             </a:lvl3pPr>
-            <a:lvl4pPr marL="972053" indent="0">
-              <a:buNone/>
-              <a:defRPr sz="1134">
+            <a:lvl4pPr marL="1028700" indent="0">
+              <a:buNone/>
+              <a:defRPr sz="1200">
                 <a:solidFill>
                   <a:schemeClr val="tx1">
                     <a:tint val="75000"/>
@@ -925,9 +931,9 @@
                 </a:solidFill>
               </a:defRPr>
             </a:lvl4pPr>
-            <a:lvl5pPr marL="1296071" indent="0">
-              <a:buNone/>
-              <a:defRPr sz="1134">
+            <a:lvl5pPr marL="1371600" indent="0">
+              <a:buNone/>
+              <a:defRPr sz="1200">
                 <a:solidFill>
                   <a:schemeClr val="tx1">
                     <a:tint val="75000"/>
@@ -935,9 +941,9 @@
                 </a:solidFill>
               </a:defRPr>
             </a:lvl5pPr>
-            <a:lvl6pPr marL="1620088" indent="0">
-              <a:buNone/>
-              <a:defRPr sz="1134">
+            <a:lvl6pPr marL="1714500" indent="0">
+              <a:buNone/>
+              <a:defRPr sz="1200">
                 <a:solidFill>
                   <a:schemeClr val="tx1">
                     <a:tint val="75000"/>
@@ -945,9 +951,9 @@
                 </a:solidFill>
               </a:defRPr>
             </a:lvl6pPr>
-            <a:lvl7pPr marL="1944106" indent="0">
-              <a:buNone/>
-              <a:defRPr sz="1134">
+            <a:lvl7pPr marL="2057400" indent="0">
+              <a:buNone/>
+              <a:defRPr sz="1200">
                 <a:solidFill>
                   <a:schemeClr val="tx1">
                     <a:tint val="75000"/>
@@ -955,9 +961,9 @@
                 </a:solidFill>
               </a:defRPr>
             </a:lvl7pPr>
-            <a:lvl8pPr marL="2268123" indent="0">
-              <a:buNone/>
-              <a:defRPr sz="1134">
+            <a:lvl8pPr marL="2400300" indent="0">
+              <a:buNone/>
+              <a:defRPr sz="1200">
                 <a:solidFill>
                   <a:schemeClr val="tx1">
                     <a:tint val="75000"/>
@@ -965,9 +971,9 @@
                 </a:solidFill>
               </a:defRPr>
             </a:lvl8pPr>
-            <a:lvl9pPr marL="2592141" indent="0">
-              <a:buNone/>
-              <a:defRPr sz="1134">
+            <a:lvl9pPr marL="2743200" indent="0">
+              <a:buNone/>
+              <a:defRPr sz="1200">
                 <a:solidFill>
                   <a:schemeClr val="tx1">
                     <a:tint val="75000"/>
@@ -1002,7 +1008,7 @@
           <a:p>
             <a:fld id="{B617430B-4D99-334F-A211-8803C0767C82}" type="datetimeFigureOut">
               <a:rPr lang="en-US" smtClean="0"/>
-              <a:t>12/6/22</a:t>
+              <a:t>12/14/22</a:t>
             </a:fld>
             <a:endParaRPr lang="en-US"/>
           </a:p>
@@ -1053,7 +1059,7 @@
     </p:spTree>
     <p:extLst>
       <p:ext uri="{BB962C8B-B14F-4D97-AF65-F5344CB8AC3E}">
-        <p14:creationId xmlns:p14="http://schemas.microsoft.com/office/powerpoint/2010/main" val="4144484707"/>
+        <p14:creationId xmlns:p14="http://schemas.microsoft.com/office/powerpoint/2010/main" val="211983989"/>
       </p:ext>
     </p:extLst>
   </p:cSld>
@@ -1115,8 +1121,8 @@
         </p:nvSpPr>
         <p:spPr>
           <a:xfrm>
-            <a:off x="445512" y="2874937"/>
-            <a:ext cx="2754074" cy="6852350"/>
+            <a:off x="471488" y="2637014"/>
+            <a:ext cx="2914650" cy="6285266"/>
           </a:xfrm>
         </p:spPr>
         <p:txBody>
@@ -1172,8 +1178,8 @@
         </p:nvSpPr>
         <p:spPr>
           <a:xfrm>
-            <a:off x="3280589" y="2874937"/>
-            <a:ext cx="2754074" cy="6852350"/>
+            <a:off x="3471863" y="2637014"/>
+            <a:ext cx="2914650" cy="6285266"/>
           </a:xfrm>
         </p:spPr>
         <p:txBody>
@@ -1234,7 +1240,7 @@
           <a:p>
             <a:fld id="{B617430B-4D99-334F-A211-8803C0767C82}" type="datetimeFigureOut">
               <a:rPr lang="en-US" smtClean="0"/>
-              <a:t>12/6/22</a:t>
+              <a:t>12/14/22</a:t>
             </a:fld>
             <a:endParaRPr lang="en-US"/>
           </a:p>
@@ -1285,7 +1291,7 @@
     </p:spTree>
     <p:extLst>
       <p:ext uri="{BB962C8B-B14F-4D97-AF65-F5344CB8AC3E}">
-        <p14:creationId xmlns:p14="http://schemas.microsoft.com/office/powerpoint/2010/main" val="182556218"/>
+        <p14:creationId xmlns:p14="http://schemas.microsoft.com/office/powerpoint/2010/main" val="3584750316"/>
       </p:ext>
     </p:extLst>
   </p:cSld>
@@ -1324,8 +1330,8 @@
         </p:nvSpPr>
         <p:spPr>
           <a:xfrm>
-            <a:off x="446356" y="574990"/>
-            <a:ext cx="5589151" cy="2087455"/>
+            <a:off x="472381" y="527405"/>
+            <a:ext cx="5915025" cy="1914702"/>
           </a:xfrm>
         </p:spPr>
         <p:txBody>
@@ -1352,8 +1358,8 @@
         </p:nvSpPr>
         <p:spPr>
           <a:xfrm>
-            <a:off x="446357" y="2647443"/>
-            <a:ext cx="2741417" cy="1297471"/>
+            <a:off x="472381" y="2428347"/>
+            <a:ext cx="2901255" cy="1190095"/>
           </a:xfrm>
         </p:spPr>
         <p:txBody>
@@ -1361,39 +1367,39 @@
           <a:lstStyle>
             <a:lvl1pPr marL="0" indent="0">
               <a:buNone/>
-              <a:defRPr sz="1701" b="1"/>
+              <a:defRPr sz="1800" b="1"/>
             </a:lvl1pPr>
-            <a:lvl2pPr marL="324018" indent="0">
-              <a:buNone/>
-              <a:defRPr sz="1417" b="1"/>
+            <a:lvl2pPr marL="342900" indent="0">
+              <a:buNone/>
+              <a:defRPr sz="1500" b="1"/>
             </a:lvl2pPr>
-            <a:lvl3pPr marL="648035" indent="0">
-              <a:buNone/>
-              <a:defRPr sz="1276" b="1"/>
+            <a:lvl3pPr marL="685800" indent="0">
+              <a:buNone/>
+              <a:defRPr sz="1350" b="1"/>
             </a:lvl3pPr>
-            <a:lvl4pPr marL="972053" indent="0">
-              <a:buNone/>
-              <a:defRPr sz="1134" b="1"/>
+            <a:lvl4pPr marL="1028700" indent="0">
+              <a:buNone/>
+              <a:defRPr sz="1200" b="1"/>
             </a:lvl4pPr>
-            <a:lvl5pPr marL="1296071" indent="0">
-              <a:buNone/>
-              <a:defRPr sz="1134" b="1"/>
+            <a:lvl5pPr marL="1371600" indent="0">
+              <a:buNone/>
+              <a:defRPr sz="1200" b="1"/>
             </a:lvl5pPr>
-            <a:lvl6pPr marL="1620088" indent="0">
-              <a:buNone/>
-              <a:defRPr sz="1134" b="1"/>
+            <a:lvl6pPr marL="1714500" indent="0">
+              <a:buNone/>
+              <a:defRPr sz="1200" b="1"/>
             </a:lvl6pPr>
-            <a:lvl7pPr marL="1944106" indent="0">
-              <a:buNone/>
-              <a:defRPr sz="1134" b="1"/>
+            <a:lvl7pPr marL="2057400" indent="0">
+              <a:buNone/>
+              <a:defRPr sz="1200" b="1"/>
             </a:lvl7pPr>
-            <a:lvl8pPr marL="2268123" indent="0">
-              <a:buNone/>
-              <a:defRPr sz="1134" b="1"/>
+            <a:lvl8pPr marL="2400300" indent="0">
+              <a:buNone/>
+              <a:defRPr sz="1200" b="1"/>
             </a:lvl8pPr>
-            <a:lvl9pPr marL="2592141" indent="0">
-              <a:buNone/>
-              <a:defRPr sz="1134" b="1"/>
+            <a:lvl9pPr marL="2743200" indent="0">
+              <a:buNone/>
+              <a:defRPr sz="1200" b="1"/>
             </a:lvl9pPr>
           </a:lstStyle>
           <a:p>
@@ -1417,8 +1423,8 @@
         </p:nvSpPr>
         <p:spPr>
           <a:xfrm>
-            <a:off x="446357" y="3944914"/>
-            <a:ext cx="2741417" cy="5802373"/>
+            <a:off x="472381" y="3618442"/>
+            <a:ext cx="2901255" cy="5322183"/>
           </a:xfrm>
         </p:spPr>
         <p:txBody>
@@ -1474,8 +1480,8 @@
         </p:nvSpPr>
         <p:spPr>
           <a:xfrm>
-            <a:off x="3280589" y="2647443"/>
-            <a:ext cx="2754918" cy="1297471"/>
+            <a:off x="3471863" y="2428347"/>
+            <a:ext cx="2915543" cy="1190095"/>
           </a:xfrm>
         </p:spPr>
         <p:txBody>
@@ -1483,39 +1489,39 @@
           <a:lstStyle>
             <a:lvl1pPr marL="0" indent="0">
               <a:buNone/>
-              <a:defRPr sz="1701" b="1"/>
+              <a:defRPr sz="1800" b="1"/>
             </a:lvl1pPr>
-            <a:lvl2pPr marL="324018" indent="0">
-              <a:buNone/>
-              <a:defRPr sz="1417" b="1"/>
+            <a:lvl2pPr marL="342900" indent="0">
+              <a:buNone/>
+              <a:defRPr sz="1500" b="1"/>
             </a:lvl2pPr>
-            <a:lvl3pPr marL="648035" indent="0">
-              <a:buNone/>
-              <a:defRPr sz="1276" b="1"/>
+            <a:lvl3pPr marL="685800" indent="0">
+              <a:buNone/>
+              <a:defRPr sz="1350" b="1"/>
             </a:lvl3pPr>
-            <a:lvl4pPr marL="972053" indent="0">
-              <a:buNone/>
-              <a:defRPr sz="1134" b="1"/>
+            <a:lvl4pPr marL="1028700" indent="0">
+              <a:buNone/>
+              <a:defRPr sz="1200" b="1"/>
             </a:lvl4pPr>
-            <a:lvl5pPr marL="1296071" indent="0">
-              <a:buNone/>
-              <a:defRPr sz="1134" b="1"/>
+            <a:lvl5pPr marL="1371600" indent="0">
+              <a:buNone/>
+              <a:defRPr sz="1200" b="1"/>
             </a:lvl5pPr>
-            <a:lvl6pPr marL="1620088" indent="0">
-              <a:buNone/>
-              <a:defRPr sz="1134" b="1"/>
+            <a:lvl6pPr marL="1714500" indent="0">
+              <a:buNone/>
+              <a:defRPr sz="1200" b="1"/>
             </a:lvl6pPr>
-            <a:lvl7pPr marL="1944106" indent="0">
-              <a:buNone/>
-              <a:defRPr sz="1134" b="1"/>
+            <a:lvl7pPr marL="2057400" indent="0">
+              <a:buNone/>
+              <a:defRPr sz="1200" b="1"/>
             </a:lvl7pPr>
-            <a:lvl8pPr marL="2268123" indent="0">
-              <a:buNone/>
-              <a:defRPr sz="1134" b="1"/>
+            <a:lvl8pPr marL="2400300" indent="0">
+              <a:buNone/>
+              <a:defRPr sz="1200" b="1"/>
             </a:lvl8pPr>
-            <a:lvl9pPr marL="2592141" indent="0">
-              <a:buNone/>
-              <a:defRPr sz="1134" b="1"/>
+            <a:lvl9pPr marL="2743200" indent="0">
+              <a:buNone/>
+              <a:defRPr sz="1200" b="1"/>
             </a:lvl9pPr>
           </a:lstStyle>
           <a:p>
@@ -1539,8 +1545,8 @@
         </p:nvSpPr>
         <p:spPr>
           <a:xfrm>
-            <a:off x="3280589" y="3944914"/>
-            <a:ext cx="2754918" cy="5802373"/>
+            <a:off x="3471863" y="3618442"/>
+            <a:ext cx="2915543" cy="5322183"/>
           </a:xfrm>
         </p:spPr>
         <p:txBody>
@@ -1601,7 +1607,7 @@
           <a:p>
             <a:fld id="{B617430B-4D99-334F-A211-8803C0767C82}" type="datetimeFigureOut">
               <a:rPr lang="en-US" smtClean="0"/>
-              <a:t>12/6/22</a:t>
+              <a:t>12/14/22</a:t>
             </a:fld>
             <a:endParaRPr lang="en-US"/>
           </a:p>
@@ -1652,7 +1658,7 @@
     </p:spTree>
     <p:extLst>
       <p:ext uri="{BB962C8B-B14F-4D97-AF65-F5344CB8AC3E}">
-        <p14:creationId xmlns:p14="http://schemas.microsoft.com/office/powerpoint/2010/main" val="2018729749"/>
+        <p14:creationId xmlns:p14="http://schemas.microsoft.com/office/powerpoint/2010/main" val="3325898600"/>
       </p:ext>
     </p:extLst>
   </p:cSld>
@@ -1719,7 +1725,7 @@
           <a:p>
             <a:fld id="{B617430B-4D99-334F-A211-8803C0767C82}" type="datetimeFigureOut">
               <a:rPr lang="en-US" smtClean="0"/>
-              <a:t>12/6/22</a:t>
+              <a:t>12/14/22</a:t>
             </a:fld>
             <a:endParaRPr lang="en-US"/>
           </a:p>
@@ -1770,7 +1776,7 @@
     </p:spTree>
     <p:extLst>
       <p:ext uri="{BB962C8B-B14F-4D97-AF65-F5344CB8AC3E}">
-        <p14:creationId xmlns:p14="http://schemas.microsoft.com/office/powerpoint/2010/main" val="2699293008"/>
+        <p14:creationId xmlns:p14="http://schemas.microsoft.com/office/powerpoint/2010/main" val="220025341"/>
       </p:ext>
     </p:extLst>
   </p:cSld>
@@ -1814,7 +1820,7 @@
           <a:p>
             <a:fld id="{B617430B-4D99-334F-A211-8803C0767C82}" type="datetimeFigureOut">
               <a:rPr lang="en-US" smtClean="0"/>
-              <a:t>12/6/22</a:t>
+              <a:t>12/14/22</a:t>
             </a:fld>
             <a:endParaRPr lang="en-US"/>
           </a:p>
@@ -1865,7 +1871,7 @@
     </p:spTree>
     <p:extLst>
       <p:ext uri="{BB962C8B-B14F-4D97-AF65-F5344CB8AC3E}">
-        <p14:creationId xmlns:p14="http://schemas.microsoft.com/office/powerpoint/2010/main" val="2457388217"/>
+        <p14:creationId xmlns:p14="http://schemas.microsoft.com/office/powerpoint/2010/main" val="2326980727"/>
       </p:ext>
     </p:extLst>
   </p:cSld>
@@ -1904,15 +1910,15 @@
         </p:nvSpPr>
         <p:spPr>
           <a:xfrm>
-            <a:off x="446356" y="719984"/>
-            <a:ext cx="2090025" cy="2519945"/>
+            <a:off x="472381" y="660400"/>
+            <a:ext cx="2211884" cy="2311400"/>
           </a:xfrm>
         </p:spPr>
         <p:txBody>
           <a:bodyPr anchor="b"/>
           <a:lstStyle>
             <a:lvl1pPr>
-              <a:defRPr sz="2268"/>
+              <a:defRPr sz="2400"/>
             </a:lvl1pPr>
           </a:lstStyle>
           <a:p>
@@ -1936,39 +1942,39 @@
         </p:nvSpPr>
         <p:spPr>
           <a:xfrm>
-            <a:off x="2754918" y="1554968"/>
-            <a:ext cx="3280589" cy="7674832"/>
+            <a:off x="2915543" y="1426283"/>
+            <a:ext cx="3471863" cy="7039681"/>
           </a:xfrm>
         </p:spPr>
         <p:txBody>
           <a:bodyPr/>
           <a:lstStyle>
             <a:lvl1pPr>
-              <a:defRPr sz="2268"/>
+              <a:defRPr sz="2400"/>
             </a:lvl1pPr>
             <a:lvl2pPr>
-              <a:defRPr sz="1984"/>
+              <a:defRPr sz="2100"/>
             </a:lvl2pPr>
             <a:lvl3pPr>
-              <a:defRPr sz="1701"/>
+              <a:defRPr sz="1800"/>
             </a:lvl3pPr>
             <a:lvl4pPr>
-              <a:defRPr sz="1417"/>
+              <a:defRPr sz="1500"/>
             </a:lvl4pPr>
             <a:lvl5pPr>
-              <a:defRPr sz="1417"/>
+              <a:defRPr sz="1500"/>
             </a:lvl5pPr>
             <a:lvl6pPr>
-              <a:defRPr sz="1417"/>
+              <a:defRPr sz="1500"/>
             </a:lvl6pPr>
             <a:lvl7pPr>
-              <a:defRPr sz="1417"/>
+              <a:defRPr sz="1500"/>
             </a:lvl7pPr>
             <a:lvl8pPr>
-              <a:defRPr sz="1417"/>
+              <a:defRPr sz="1500"/>
             </a:lvl8pPr>
             <a:lvl9pPr>
-              <a:defRPr sz="1417"/>
+              <a:defRPr sz="1500"/>
             </a:lvl9pPr>
           </a:lstStyle>
           <a:p>
@@ -2021,8 +2027,8 @@
         </p:nvSpPr>
         <p:spPr>
           <a:xfrm>
-            <a:off x="446356" y="3239929"/>
-            <a:ext cx="2090025" cy="6002369"/>
+            <a:off x="472381" y="2971800"/>
+            <a:ext cx="2211884" cy="5505627"/>
           </a:xfrm>
         </p:spPr>
         <p:txBody>
@@ -2030,39 +2036,39 @@
           <a:lstStyle>
             <a:lvl1pPr marL="0" indent="0">
               <a:buNone/>
-              <a:defRPr sz="1134"/>
+              <a:defRPr sz="1200"/>
             </a:lvl1pPr>
-            <a:lvl2pPr marL="324018" indent="0">
-              <a:buNone/>
-              <a:defRPr sz="992"/>
+            <a:lvl2pPr marL="342900" indent="0">
+              <a:buNone/>
+              <a:defRPr sz="1050"/>
             </a:lvl2pPr>
-            <a:lvl3pPr marL="648035" indent="0">
-              <a:buNone/>
-              <a:defRPr sz="850"/>
+            <a:lvl3pPr marL="685800" indent="0">
+              <a:buNone/>
+              <a:defRPr sz="900"/>
             </a:lvl3pPr>
-            <a:lvl4pPr marL="972053" indent="0">
-              <a:buNone/>
-              <a:defRPr sz="709"/>
+            <a:lvl4pPr marL="1028700" indent="0">
+              <a:buNone/>
+              <a:defRPr sz="750"/>
             </a:lvl4pPr>
-            <a:lvl5pPr marL="1296071" indent="0">
-              <a:buNone/>
-              <a:defRPr sz="709"/>
+            <a:lvl5pPr marL="1371600" indent="0">
+              <a:buNone/>
+              <a:defRPr sz="750"/>
             </a:lvl5pPr>
-            <a:lvl6pPr marL="1620088" indent="0">
-              <a:buNone/>
-              <a:defRPr sz="709"/>
+            <a:lvl6pPr marL="1714500" indent="0">
+              <a:buNone/>
+              <a:defRPr sz="750"/>
             </a:lvl6pPr>
-            <a:lvl7pPr marL="1944106" indent="0">
-              <a:buNone/>
-              <a:defRPr sz="709"/>
+            <a:lvl7pPr marL="2057400" indent="0">
+              <a:buNone/>
+              <a:defRPr sz="750"/>
             </a:lvl7pPr>
-            <a:lvl8pPr marL="2268123" indent="0">
-              <a:buNone/>
-              <a:defRPr sz="709"/>
+            <a:lvl8pPr marL="2400300" indent="0">
+              <a:buNone/>
+              <a:defRPr sz="750"/>
             </a:lvl8pPr>
-            <a:lvl9pPr marL="2592141" indent="0">
-              <a:buNone/>
-              <a:defRPr sz="709"/>
+            <a:lvl9pPr marL="2743200" indent="0">
+              <a:buNone/>
+              <a:defRPr sz="750"/>
             </a:lvl9pPr>
           </a:lstStyle>
           <a:p>
@@ -2091,7 +2097,7 @@
           <a:p>
             <a:fld id="{B617430B-4D99-334F-A211-8803C0767C82}" type="datetimeFigureOut">
               <a:rPr lang="en-US" smtClean="0"/>
-              <a:t>12/6/22</a:t>
+              <a:t>12/14/22</a:t>
             </a:fld>
             <a:endParaRPr lang="en-US"/>
           </a:p>
@@ -2142,7 +2148,7 @@
     </p:spTree>
     <p:extLst>
       <p:ext uri="{BB962C8B-B14F-4D97-AF65-F5344CB8AC3E}">
-        <p14:creationId xmlns:p14="http://schemas.microsoft.com/office/powerpoint/2010/main" val="2428195151"/>
+        <p14:creationId xmlns:p14="http://schemas.microsoft.com/office/powerpoint/2010/main" val="1555598352"/>
       </p:ext>
     </p:extLst>
   </p:cSld>
@@ -2181,15 +2187,15 @@
         </p:nvSpPr>
         <p:spPr>
           <a:xfrm>
-            <a:off x="446356" y="719984"/>
-            <a:ext cx="2090025" cy="2519945"/>
+            <a:off x="472381" y="660400"/>
+            <a:ext cx="2211884" cy="2311400"/>
           </a:xfrm>
         </p:spPr>
         <p:txBody>
           <a:bodyPr anchor="b"/>
           <a:lstStyle>
             <a:lvl1pPr>
-              <a:defRPr sz="2268"/>
+              <a:defRPr sz="2400"/>
             </a:lvl1pPr>
           </a:lstStyle>
           <a:p>
@@ -2213,8 +2219,8 @@
         </p:nvSpPr>
         <p:spPr>
           <a:xfrm>
-            <a:off x="2754918" y="1554968"/>
-            <a:ext cx="3280589" cy="7674832"/>
+            <a:off x="2915543" y="1426283"/>
+            <a:ext cx="3471863" cy="7039681"/>
           </a:xfrm>
         </p:spPr>
         <p:txBody>
@@ -2222,39 +2228,39 @@
           <a:lstStyle>
             <a:lvl1pPr marL="0" indent="0">
               <a:buNone/>
-              <a:defRPr sz="2268"/>
+              <a:defRPr sz="2400"/>
             </a:lvl1pPr>
-            <a:lvl2pPr marL="324018" indent="0">
-              <a:buNone/>
-              <a:defRPr sz="1984"/>
+            <a:lvl2pPr marL="342900" indent="0">
+              <a:buNone/>
+              <a:defRPr sz="2100"/>
             </a:lvl2pPr>
-            <a:lvl3pPr marL="648035" indent="0">
-              <a:buNone/>
-              <a:defRPr sz="1701"/>
+            <a:lvl3pPr marL="685800" indent="0">
+              <a:buNone/>
+              <a:defRPr sz="1800"/>
             </a:lvl3pPr>
-            <a:lvl4pPr marL="972053" indent="0">
-              <a:buNone/>
-              <a:defRPr sz="1417"/>
+            <a:lvl4pPr marL="1028700" indent="0">
+              <a:buNone/>
+              <a:defRPr sz="1500"/>
             </a:lvl4pPr>
-            <a:lvl5pPr marL="1296071" indent="0">
-              <a:buNone/>
-              <a:defRPr sz="1417"/>
+            <a:lvl5pPr marL="1371600" indent="0">
+              <a:buNone/>
+              <a:defRPr sz="1500"/>
             </a:lvl5pPr>
-            <a:lvl6pPr marL="1620088" indent="0">
-              <a:buNone/>
-              <a:defRPr sz="1417"/>
+            <a:lvl6pPr marL="1714500" indent="0">
+              <a:buNone/>
+              <a:defRPr sz="1500"/>
             </a:lvl6pPr>
-            <a:lvl7pPr marL="1944106" indent="0">
-              <a:buNone/>
-              <a:defRPr sz="1417"/>
+            <a:lvl7pPr marL="2057400" indent="0">
+              <a:buNone/>
+              <a:defRPr sz="1500"/>
             </a:lvl7pPr>
-            <a:lvl8pPr marL="2268123" indent="0">
-              <a:buNone/>
-              <a:defRPr sz="1417"/>
+            <a:lvl8pPr marL="2400300" indent="0">
+              <a:buNone/>
+              <a:defRPr sz="1500"/>
             </a:lvl8pPr>
-            <a:lvl9pPr marL="2592141" indent="0">
-              <a:buNone/>
-              <a:defRPr sz="1417"/>
+            <a:lvl9pPr marL="2743200" indent="0">
+              <a:buNone/>
+              <a:defRPr sz="1500"/>
             </a:lvl9pPr>
           </a:lstStyle>
           <a:p>
@@ -2278,8 +2284,8 @@
         </p:nvSpPr>
         <p:spPr>
           <a:xfrm>
-            <a:off x="446356" y="3239929"/>
-            <a:ext cx="2090025" cy="6002369"/>
+            <a:off x="472381" y="2971800"/>
+            <a:ext cx="2211884" cy="5505627"/>
           </a:xfrm>
         </p:spPr>
         <p:txBody>
@@ -2287,39 +2293,39 @@
           <a:lstStyle>
             <a:lvl1pPr marL="0" indent="0">
               <a:buNone/>
-              <a:defRPr sz="1134"/>
+              <a:defRPr sz="1200"/>
             </a:lvl1pPr>
-            <a:lvl2pPr marL="324018" indent="0">
-              <a:buNone/>
-              <a:defRPr sz="992"/>
+            <a:lvl2pPr marL="342900" indent="0">
+              <a:buNone/>
+              <a:defRPr sz="1050"/>
             </a:lvl2pPr>
-            <a:lvl3pPr marL="648035" indent="0">
-              <a:buNone/>
-              <a:defRPr sz="850"/>
+            <a:lvl3pPr marL="685800" indent="0">
+              <a:buNone/>
+              <a:defRPr sz="900"/>
             </a:lvl3pPr>
-            <a:lvl4pPr marL="972053" indent="0">
-              <a:buNone/>
-              <a:defRPr sz="709"/>
+            <a:lvl4pPr marL="1028700" indent="0">
+              <a:buNone/>
+              <a:defRPr sz="750"/>
             </a:lvl4pPr>
-            <a:lvl5pPr marL="1296071" indent="0">
-              <a:buNone/>
-              <a:defRPr sz="709"/>
+            <a:lvl5pPr marL="1371600" indent="0">
+              <a:buNone/>
+              <a:defRPr sz="750"/>
             </a:lvl5pPr>
-            <a:lvl6pPr marL="1620088" indent="0">
-              <a:buNone/>
-              <a:defRPr sz="709"/>
+            <a:lvl6pPr marL="1714500" indent="0">
+              <a:buNone/>
+              <a:defRPr sz="750"/>
             </a:lvl6pPr>
-            <a:lvl7pPr marL="1944106" indent="0">
-              <a:buNone/>
-              <a:defRPr sz="709"/>
+            <a:lvl7pPr marL="2057400" indent="0">
+              <a:buNone/>
+              <a:defRPr sz="750"/>
             </a:lvl7pPr>
-            <a:lvl8pPr marL="2268123" indent="0">
-              <a:buNone/>
-              <a:defRPr sz="709"/>
+            <a:lvl8pPr marL="2400300" indent="0">
+              <a:buNone/>
+              <a:defRPr sz="750"/>
             </a:lvl8pPr>
-            <a:lvl9pPr marL="2592141" indent="0">
-              <a:buNone/>
-              <a:defRPr sz="709"/>
+            <a:lvl9pPr marL="2743200" indent="0">
+              <a:buNone/>
+              <a:defRPr sz="750"/>
             </a:lvl9pPr>
           </a:lstStyle>
           <a:p>
@@ -2348,7 +2354,7 @@
           <a:p>
             <a:fld id="{B617430B-4D99-334F-A211-8803C0767C82}" type="datetimeFigureOut">
               <a:rPr lang="en-US" smtClean="0"/>
-              <a:t>12/6/22</a:t>
+              <a:t>12/14/22</a:t>
             </a:fld>
             <a:endParaRPr lang="en-US"/>
           </a:p>
@@ -2399,7 +2405,7 @@
     </p:spTree>
     <p:extLst>
       <p:ext uri="{BB962C8B-B14F-4D97-AF65-F5344CB8AC3E}">
-        <p14:creationId xmlns:p14="http://schemas.microsoft.com/office/powerpoint/2010/main" val="1933669118"/>
+        <p14:creationId xmlns:p14="http://schemas.microsoft.com/office/powerpoint/2010/main" val="310463325"/>
       </p:ext>
     </p:extLst>
   </p:cSld>
@@ -2443,8 +2449,8 @@
         </p:nvSpPr>
         <p:spPr>
           <a:xfrm>
-            <a:off x="445512" y="574990"/>
-            <a:ext cx="5589151" cy="2087455"/>
+            <a:off x="471488" y="527405"/>
+            <a:ext cx="5915025" cy="1914702"/>
           </a:xfrm>
           <a:prstGeom prst="rect">
             <a:avLst/>
@@ -2476,8 +2482,8 @@
         </p:nvSpPr>
         <p:spPr>
           <a:xfrm>
-            <a:off x="445512" y="2874937"/>
-            <a:ext cx="5589151" cy="6852350"/>
+            <a:off x="471488" y="2637014"/>
+            <a:ext cx="5915025" cy="6285266"/>
           </a:xfrm>
           <a:prstGeom prst="rect">
             <a:avLst/>
@@ -2538,8 +2544,8 @@
         </p:nvSpPr>
         <p:spPr>
           <a:xfrm>
-            <a:off x="445512" y="10009783"/>
-            <a:ext cx="1458039" cy="574987"/>
+            <a:off x="471488" y="9181397"/>
+            <a:ext cx="1543050" cy="527403"/>
           </a:xfrm>
           <a:prstGeom prst="rect">
             <a:avLst/>
@@ -2549,7 +2555,7 @@
           <a:bodyPr vert="horz" lIns="91440" tIns="45720" rIns="91440" bIns="45720" rtlCol="0" anchor="ctr"/>
           <a:lstStyle>
             <a:lvl1pPr algn="l">
-              <a:defRPr sz="850">
+              <a:defRPr sz="900">
                 <a:solidFill>
                   <a:schemeClr val="tx1">
                     <a:tint val="75000"/>
@@ -2561,7 +2567,7 @@
           <a:p>
             <a:fld id="{B617430B-4D99-334F-A211-8803C0767C82}" type="datetimeFigureOut">
               <a:rPr lang="en-US" smtClean="0"/>
-              <a:t>12/6/22</a:t>
+              <a:t>12/14/22</a:t>
             </a:fld>
             <a:endParaRPr lang="en-US"/>
           </a:p>
@@ -2579,8 +2585,8 @@
         </p:nvSpPr>
         <p:spPr>
           <a:xfrm>
-            <a:off x="2146558" y="10009783"/>
-            <a:ext cx="2187059" cy="574987"/>
+            <a:off x="2271713" y="9181397"/>
+            <a:ext cx="2314575" cy="527403"/>
           </a:xfrm>
           <a:prstGeom prst="rect">
             <a:avLst/>
@@ -2590,7 +2596,7 @@
           <a:bodyPr vert="horz" lIns="91440" tIns="45720" rIns="91440" bIns="45720" rtlCol="0" anchor="ctr"/>
           <a:lstStyle>
             <a:lvl1pPr algn="ctr">
-              <a:defRPr sz="850">
+              <a:defRPr sz="900">
                 <a:solidFill>
                   <a:schemeClr val="tx1">
                     <a:tint val="75000"/>
@@ -2616,8 +2622,8 @@
         </p:nvSpPr>
         <p:spPr>
           <a:xfrm>
-            <a:off x="4576624" y="10009783"/>
-            <a:ext cx="1458039" cy="574987"/>
+            <a:off x="4843463" y="9181397"/>
+            <a:ext cx="1543050" cy="527403"/>
           </a:xfrm>
           <a:prstGeom prst="rect">
             <a:avLst/>
@@ -2627,7 +2633,7 @@
           <a:bodyPr vert="horz" lIns="91440" tIns="45720" rIns="91440" bIns="45720" rtlCol="0" anchor="ctr"/>
           <a:lstStyle>
             <a:lvl1pPr algn="r">
-              <a:defRPr sz="850">
+              <a:defRPr sz="900">
                 <a:solidFill>
                   <a:schemeClr val="tx1">
                     <a:tint val="75000"/>
@@ -2648,27 +2654,27 @@
     </p:spTree>
     <p:extLst>
       <p:ext uri="{BB962C8B-B14F-4D97-AF65-F5344CB8AC3E}">
-        <p14:creationId xmlns:p14="http://schemas.microsoft.com/office/powerpoint/2010/main" val="1070710720"/>
+        <p14:creationId xmlns:p14="http://schemas.microsoft.com/office/powerpoint/2010/main" val="4115760613"/>
       </p:ext>
     </p:extLst>
   </p:cSld>
   <p:clrMap bg1="lt1" tx1="dk1" bg2="lt2" tx2="dk2" accent1="accent1" accent2="accent2" accent3="accent3" accent4="accent4" accent5="accent5" accent6="accent6" hlink="hlink" folHlink="folHlink"/>
   <p:sldLayoutIdLst>
-    <p:sldLayoutId id="2147483673" r:id="rId1"/>
-    <p:sldLayoutId id="2147483674" r:id="rId2"/>
-    <p:sldLayoutId id="2147483675" r:id="rId3"/>
-    <p:sldLayoutId id="2147483676" r:id="rId4"/>
-    <p:sldLayoutId id="2147483677" r:id="rId5"/>
-    <p:sldLayoutId id="2147483678" r:id="rId6"/>
-    <p:sldLayoutId id="2147483679" r:id="rId7"/>
-    <p:sldLayoutId id="2147483680" r:id="rId8"/>
-    <p:sldLayoutId id="2147483681" r:id="rId9"/>
-    <p:sldLayoutId id="2147483682" r:id="rId10"/>
-    <p:sldLayoutId id="2147483683" r:id="rId11"/>
+    <p:sldLayoutId id="2147483685" r:id="rId1"/>
+    <p:sldLayoutId id="2147483686" r:id="rId2"/>
+    <p:sldLayoutId id="2147483687" r:id="rId3"/>
+    <p:sldLayoutId id="2147483688" r:id="rId4"/>
+    <p:sldLayoutId id="2147483689" r:id="rId5"/>
+    <p:sldLayoutId id="2147483690" r:id="rId6"/>
+    <p:sldLayoutId id="2147483691" r:id="rId7"/>
+    <p:sldLayoutId id="2147483692" r:id="rId8"/>
+    <p:sldLayoutId id="2147483693" r:id="rId9"/>
+    <p:sldLayoutId id="2147483694" r:id="rId10"/>
+    <p:sldLayoutId id="2147483695" r:id="rId11"/>
   </p:sldLayoutIdLst>
   <p:txStyles>
     <p:titleStyle>
-      <a:lvl1pPr algn="l" defTabSz="648035" rtl="0" eaLnBrk="1" latinLnBrk="0" hangingPunct="1">
+      <a:lvl1pPr algn="l" defTabSz="685800" rtl="0" eaLnBrk="1" latinLnBrk="0" hangingPunct="1">
         <a:lnSpc>
           <a:spcPct val="90000"/>
         </a:lnSpc>
@@ -2676,7 +2682,7 @@
           <a:spcPct val="0"/>
         </a:spcBef>
         <a:buNone/>
-        <a:defRPr sz="3118" kern="1200">
+        <a:defRPr sz="3300" kern="1200">
           <a:solidFill>
             <a:schemeClr val="tx1"/>
           </a:solidFill>
@@ -2687,16 +2693,16 @@
       </a:lvl1pPr>
     </p:titleStyle>
     <p:bodyStyle>
-      <a:lvl1pPr marL="162009" indent="-162009" algn="l" defTabSz="648035" rtl="0" eaLnBrk="1" latinLnBrk="0" hangingPunct="1">
+      <a:lvl1pPr marL="171450" indent="-171450" algn="l" defTabSz="685800" rtl="0" eaLnBrk="1" latinLnBrk="0" hangingPunct="1">
         <a:lnSpc>
           <a:spcPct val="90000"/>
         </a:lnSpc>
         <a:spcBef>
-          <a:spcPts val="709"/>
+          <a:spcPts val="750"/>
         </a:spcBef>
         <a:buFont typeface="Arial" panose="020B0604020202020204" pitchFamily="34" charset="0"/>
         <a:buChar char="•"/>
-        <a:defRPr sz="1984" kern="1200">
+        <a:defRPr sz="2100" kern="1200">
           <a:solidFill>
             <a:schemeClr val="tx1"/>
           </a:solidFill>
@@ -2705,16 +2711,16 @@
           <a:cs typeface="+mn-cs"/>
         </a:defRPr>
       </a:lvl1pPr>
-      <a:lvl2pPr marL="486026" indent="-162009" algn="l" defTabSz="648035" rtl="0" eaLnBrk="1" latinLnBrk="0" hangingPunct="1">
+      <a:lvl2pPr marL="514350" indent="-171450" algn="l" defTabSz="685800" rtl="0" eaLnBrk="1" latinLnBrk="0" hangingPunct="1">
         <a:lnSpc>
           <a:spcPct val="90000"/>
         </a:lnSpc>
         <a:spcBef>
-          <a:spcPts val="354"/>
+          <a:spcPts val="375"/>
         </a:spcBef>
         <a:buFont typeface="Arial" panose="020B0604020202020204" pitchFamily="34" charset="0"/>
         <a:buChar char="•"/>
-        <a:defRPr sz="1701" kern="1200">
+        <a:defRPr sz="1800" kern="1200">
           <a:solidFill>
             <a:schemeClr val="tx1"/>
           </a:solidFill>
@@ -2723,16 +2729,16 @@
           <a:cs typeface="+mn-cs"/>
         </a:defRPr>
       </a:lvl2pPr>
-      <a:lvl3pPr marL="810044" indent="-162009" algn="l" defTabSz="648035" rtl="0" eaLnBrk="1" latinLnBrk="0" hangingPunct="1">
+      <a:lvl3pPr marL="857250" indent="-171450" algn="l" defTabSz="685800" rtl="0" eaLnBrk="1" latinLnBrk="0" hangingPunct="1">
         <a:lnSpc>
           <a:spcPct val="90000"/>
         </a:lnSpc>
         <a:spcBef>
-          <a:spcPts val="354"/>
+          <a:spcPts val="375"/>
         </a:spcBef>
         <a:buFont typeface="Arial" panose="020B0604020202020204" pitchFamily="34" charset="0"/>
         <a:buChar char="•"/>
-        <a:defRPr sz="1417" kern="1200">
+        <a:defRPr sz="1500" kern="1200">
           <a:solidFill>
             <a:schemeClr val="tx1"/>
           </a:solidFill>
@@ -2741,16 +2747,16 @@
           <a:cs typeface="+mn-cs"/>
         </a:defRPr>
       </a:lvl3pPr>
-      <a:lvl4pPr marL="1134062" indent="-162009" algn="l" defTabSz="648035" rtl="0" eaLnBrk="1" latinLnBrk="0" hangingPunct="1">
+      <a:lvl4pPr marL="1200150" indent="-171450" algn="l" defTabSz="685800" rtl="0" eaLnBrk="1" latinLnBrk="0" hangingPunct="1">
         <a:lnSpc>
           <a:spcPct val="90000"/>
         </a:lnSpc>
         <a:spcBef>
-          <a:spcPts val="354"/>
+          <a:spcPts val="375"/>
         </a:spcBef>
         <a:buFont typeface="Arial" panose="020B0604020202020204" pitchFamily="34" charset="0"/>
         <a:buChar char="•"/>
-        <a:defRPr sz="1276" kern="1200">
+        <a:defRPr sz="1350" kern="1200">
           <a:solidFill>
             <a:schemeClr val="tx1"/>
           </a:solidFill>
@@ -2759,16 +2765,16 @@
           <a:cs typeface="+mn-cs"/>
         </a:defRPr>
       </a:lvl4pPr>
-      <a:lvl5pPr marL="1458079" indent="-162009" algn="l" defTabSz="648035" rtl="0" eaLnBrk="1" latinLnBrk="0" hangingPunct="1">
+      <a:lvl5pPr marL="1543050" indent="-171450" algn="l" defTabSz="685800" rtl="0" eaLnBrk="1" latinLnBrk="0" hangingPunct="1">
         <a:lnSpc>
           <a:spcPct val="90000"/>
         </a:lnSpc>
         <a:spcBef>
-          <a:spcPts val="354"/>
+          <a:spcPts val="375"/>
         </a:spcBef>
         <a:buFont typeface="Arial" panose="020B0604020202020204" pitchFamily="34" charset="0"/>
         <a:buChar char="•"/>
-        <a:defRPr sz="1276" kern="1200">
+        <a:defRPr sz="1350" kern="1200">
           <a:solidFill>
             <a:schemeClr val="tx1"/>
           </a:solidFill>
@@ -2777,16 +2783,16 @@
           <a:cs typeface="+mn-cs"/>
         </a:defRPr>
       </a:lvl5pPr>
-      <a:lvl6pPr marL="1782097" indent="-162009" algn="l" defTabSz="648035" rtl="0" eaLnBrk="1" latinLnBrk="0" hangingPunct="1">
+      <a:lvl6pPr marL="1885950" indent="-171450" algn="l" defTabSz="685800" rtl="0" eaLnBrk="1" latinLnBrk="0" hangingPunct="1">
         <a:lnSpc>
           <a:spcPct val="90000"/>
         </a:lnSpc>
         <a:spcBef>
-          <a:spcPts val="354"/>
+          <a:spcPts val="375"/>
         </a:spcBef>
         <a:buFont typeface="Arial" panose="020B0604020202020204" pitchFamily="34" charset="0"/>
         <a:buChar char="•"/>
-        <a:defRPr sz="1276" kern="1200">
+        <a:defRPr sz="1350" kern="1200">
           <a:solidFill>
             <a:schemeClr val="tx1"/>
           </a:solidFill>
@@ -2795,16 +2801,16 @@
           <a:cs typeface="+mn-cs"/>
         </a:defRPr>
       </a:lvl6pPr>
-      <a:lvl7pPr marL="2106115" indent="-162009" algn="l" defTabSz="648035" rtl="0" eaLnBrk="1" latinLnBrk="0" hangingPunct="1">
+      <a:lvl7pPr marL="2228850" indent="-171450" algn="l" defTabSz="685800" rtl="0" eaLnBrk="1" latinLnBrk="0" hangingPunct="1">
         <a:lnSpc>
           <a:spcPct val="90000"/>
         </a:lnSpc>
         <a:spcBef>
-          <a:spcPts val="354"/>
+          <a:spcPts val="375"/>
         </a:spcBef>
         <a:buFont typeface="Arial" panose="020B0604020202020204" pitchFamily="34" charset="0"/>
         <a:buChar char="•"/>
-        <a:defRPr sz="1276" kern="1200">
+        <a:defRPr sz="1350" kern="1200">
           <a:solidFill>
             <a:schemeClr val="tx1"/>
           </a:solidFill>
@@ -2813,16 +2819,16 @@
           <a:cs typeface="+mn-cs"/>
         </a:defRPr>
       </a:lvl7pPr>
-      <a:lvl8pPr marL="2430132" indent="-162009" algn="l" defTabSz="648035" rtl="0" eaLnBrk="1" latinLnBrk="0" hangingPunct="1">
+      <a:lvl8pPr marL="2571750" indent="-171450" algn="l" defTabSz="685800" rtl="0" eaLnBrk="1" latinLnBrk="0" hangingPunct="1">
         <a:lnSpc>
           <a:spcPct val="90000"/>
         </a:lnSpc>
         <a:spcBef>
-          <a:spcPts val="354"/>
+          <a:spcPts val="375"/>
         </a:spcBef>
         <a:buFont typeface="Arial" panose="020B0604020202020204" pitchFamily="34" charset="0"/>
         <a:buChar char="•"/>
-        <a:defRPr sz="1276" kern="1200">
+        <a:defRPr sz="1350" kern="1200">
           <a:solidFill>
             <a:schemeClr val="tx1"/>
           </a:solidFill>
@@ -2831,16 +2837,16 @@
           <a:cs typeface="+mn-cs"/>
         </a:defRPr>
       </a:lvl8pPr>
-      <a:lvl9pPr marL="2754150" indent="-162009" algn="l" defTabSz="648035" rtl="0" eaLnBrk="1" latinLnBrk="0" hangingPunct="1">
+      <a:lvl9pPr marL="2914650" indent="-171450" algn="l" defTabSz="685800" rtl="0" eaLnBrk="1" latinLnBrk="0" hangingPunct="1">
         <a:lnSpc>
           <a:spcPct val="90000"/>
         </a:lnSpc>
         <a:spcBef>
-          <a:spcPts val="354"/>
+          <a:spcPts val="375"/>
         </a:spcBef>
         <a:buFont typeface="Arial" panose="020B0604020202020204" pitchFamily="34" charset="0"/>
         <a:buChar char="•"/>
-        <a:defRPr sz="1276" kern="1200">
+        <a:defRPr sz="1350" kern="1200">
           <a:solidFill>
             <a:schemeClr val="tx1"/>
           </a:solidFill>
@@ -2854,8 +2860,8 @@
       <a:defPPr>
         <a:defRPr lang="en-US"/>
       </a:defPPr>
-      <a:lvl1pPr marL="0" algn="l" defTabSz="648035" rtl="0" eaLnBrk="1" latinLnBrk="0" hangingPunct="1">
-        <a:defRPr sz="1276" kern="1200">
+      <a:lvl1pPr marL="0" algn="l" defTabSz="685800" rtl="0" eaLnBrk="1" latinLnBrk="0" hangingPunct="1">
+        <a:defRPr sz="1350" kern="1200">
           <a:solidFill>
             <a:schemeClr val="tx1"/>
           </a:solidFill>
@@ -2864,8 +2870,8 @@
           <a:cs typeface="+mn-cs"/>
         </a:defRPr>
       </a:lvl1pPr>
-      <a:lvl2pPr marL="324018" algn="l" defTabSz="648035" rtl="0" eaLnBrk="1" latinLnBrk="0" hangingPunct="1">
-        <a:defRPr sz="1276" kern="1200">
+      <a:lvl2pPr marL="342900" algn="l" defTabSz="685800" rtl="0" eaLnBrk="1" latinLnBrk="0" hangingPunct="1">
+        <a:defRPr sz="1350" kern="1200">
           <a:solidFill>
             <a:schemeClr val="tx1"/>
           </a:solidFill>
@@ -2874,8 +2880,8 @@
           <a:cs typeface="+mn-cs"/>
         </a:defRPr>
       </a:lvl2pPr>
-      <a:lvl3pPr marL="648035" algn="l" defTabSz="648035" rtl="0" eaLnBrk="1" latinLnBrk="0" hangingPunct="1">
-        <a:defRPr sz="1276" kern="1200">
+      <a:lvl3pPr marL="685800" algn="l" defTabSz="685800" rtl="0" eaLnBrk="1" latinLnBrk="0" hangingPunct="1">
+        <a:defRPr sz="1350" kern="1200">
           <a:solidFill>
             <a:schemeClr val="tx1"/>
           </a:solidFill>
@@ -2884,8 +2890,8 @@
           <a:cs typeface="+mn-cs"/>
         </a:defRPr>
       </a:lvl3pPr>
-      <a:lvl4pPr marL="972053" algn="l" defTabSz="648035" rtl="0" eaLnBrk="1" latinLnBrk="0" hangingPunct="1">
-        <a:defRPr sz="1276" kern="1200">
+      <a:lvl4pPr marL="1028700" algn="l" defTabSz="685800" rtl="0" eaLnBrk="1" latinLnBrk="0" hangingPunct="1">
+        <a:defRPr sz="1350" kern="1200">
           <a:solidFill>
             <a:schemeClr val="tx1"/>
           </a:solidFill>
@@ -2894,8 +2900,8 @@
           <a:cs typeface="+mn-cs"/>
         </a:defRPr>
       </a:lvl4pPr>
-      <a:lvl5pPr marL="1296071" algn="l" defTabSz="648035" rtl="0" eaLnBrk="1" latinLnBrk="0" hangingPunct="1">
-        <a:defRPr sz="1276" kern="1200">
+      <a:lvl5pPr marL="1371600" algn="l" defTabSz="685800" rtl="0" eaLnBrk="1" latinLnBrk="0" hangingPunct="1">
+        <a:defRPr sz="1350" kern="1200">
           <a:solidFill>
             <a:schemeClr val="tx1"/>
           </a:solidFill>
@@ -2904,8 +2910,8 @@
           <a:cs typeface="+mn-cs"/>
         </a:defRPr>
       </a:lvl5pPr>
-      <a:lvl6pPr marL="1620088" algn="l" defTabSz="648035" rtl="0" eaLnBrk="1" latinLnBrk="0" hangingPunct="1">
-        <a:defRPr sz="1276" kern="1200">
+      <a:lvl6pPr marL="1714500" algn="l" defTabSz="685800" rtl="0" eaLnBrk="1" latinLnBrk="0" hangingPunct="1">
+        <a:defRPr sz="1350" kern="1200">
           <a:solidFill>
             <a:schemeClr val="tx1"/>
           </a:solidFill>
@@ -2914,8 +2920,8 @@
           <a:cs typeface="+mn-cs"/>
         </a:defRPr>
       </a:lvl6pPr>
-      <a:lvl7pPr marL="1944106" algn="l" defTabSz="648035" rtl="0" eaLnBrk="1" latinLnBrk="0" hangingPunct="1">
-        <a:defRPr sz="1276" kern="1200">
+      <a:lvl7pPr marL="2057400" algn="l" defTabSz="685800" rtl="0" eaLnBrk="1" latinLnBrk="0" hangingPunct="1">
+        <a:defRPr sz="1350" kern="1200">
           <a:solidFill>
             <a:schemeClr val="tx1"/>
           </a:solidFill>
@@ -2924,8 +2930,8 @@
           <a:cs typeface="+mn-cs"/>
         </a:defRPr>
       </a:lvl7pPr>
-      <a:lvl8pPr marL="2268123" algn="l" defTabSz="648035" rtl="0" eaLnBrk="1" latinLnBrk="0" hangingPunct="1">
-        <a:defRPr sz="1276" kern="1200">
+      <a:lvl8pPr marL="2400300" algn="l" defTabSz="685800" rtl="0" eaLnBrk="1" latinLnBrk="0" hangingPunct="1">
+        <a:defRPr sz="1350" kern="1200">
           <a:solidFill>
             <a:schemeClr val="tx1"/>
           </a:solidFill>
@@ -2934,8 +2940,8 @@
           <a:cs typeface="+mn-cs"/>
         </a:defRPr>
       </a:lvl8pPr>
-      <a:lvl9pPr marL="2592141" algn="l" defTabSz="648035" rtl="0" eaLnBrk="1" latinLnBrk="0" hangingPunct="1">
-        <a:defRPr sz="1276" kern="1200">
+      <a:lvl9pPr marL="2743200" algn="l" defTabSz="685800" rtl="0" eaLnBrk="1" latinLnBrk="0" hangingPunct="1">
+        <a:defRPr sz="1350" kern="1200">
           <a:solidFill>
             <a:schemeClr val="tx1"/>
           </a:solidFill>
@@ -2981,14 +2987,14 @@
           <p:nvPr>
             <p:extLst>
               <p:ext uri="{D42A27DB-BD31-4B8C-83A1-F6EECF244321}">
-                <p14:modId xmlns:p14="http://schemas.microsoft.com/office/powerpoint/2010/main" val="1430080519"/>
+                <p14:modId xmlns:p14="http://schemas.microsoft.com/office/powerpoint/2010/main" val="2658150595"/>
               </p:ext>
             </p:extLst>
           </p:nvPr>
         </p:nvGraphicFramePr>
         <p:xfrm>
-          <a:off x="182879" y="1116889"/>
-          <a:ext cx="6134790" cy="370840"/>
+          <a:off x="624799" y="348030"/>
+          <a:ext cx="5627090" cy="340150"/>
         </p:xfrm>
         <a:graphic>
           <a:graphicData uri="http://schemas.openxmlformats.org/drawingml/2006/table">
@@ -2997,70 +3003,70 @@
                 <a:tableStyleId>{5C22544A-7EE6-4342-B048-85BDC9FD1C3A}</a:tableStyleId>
               </a:tblPr>
               <a:tblGrid>
-                <a:gridCol w="613479">
+                <a:gridCol w="562709">
                   <a:extLst>
                     <a:ext uri="{9D8B030D-6E8A-4147-A177-3AD203B41FA5}">
                       <a16:colId xmlns:a16="http://schemas.microsoft.com/office/drawing/2014/main" val="884139243"/>
                     </a:ext>
                   </a:extLst>
                 </a:gridCol>
-                <a:gridCol w="613479">
+                <a:gridCol w="562709">
                   <a:extLst>
                     <a:ext uri="{9D8B030D-6E8A-4147-A177-3AD203B41FA5}">
                       <a16:colId xmlns:a16="http://schemas.microsoft.com/office/drawing/2014/main" val="289626378"/>
                     </a:ext>
                   </a:extLst>
                 </a:gridCol>
-                <a:gridCol w="613479">
+                <a:gridCol w="562709">
                   <a:extLst>
                     <a:ext uri="{9D8B030D-6E8A-4147-A177-3AD203B41FA5}">
                       <a16:colId xmlns:a16="http://schemas.microsoft.com/office/drawing/2014/main" val="2312666239"/>
                     </a:ext>
                   </a:extLst>
                 </a:gridCol>
-                <a:gridCol w="613479">
+                <a:gridCol w="562709">
                   <a:extLst>
                     <a:ext uri="{9D8B030D-6E8A-4147-A177-3AD203B41FA5}">
                       <a16:colId xmlns:a16="http://schemas.microsoft.com/office/drawing/2014/main" val="2017459447"/>
                     </a:ext>
                   </a:extLst>
                 </a:gridCol>
-                <a:gridCol w="613479">
+                <a:gridCol w="562709">
                   <a:extLst>
                     <a:ext uri="{9D8B030D-6E8A-4147-A177-3AD203B41FA5}">
                       <a16:colId xmlns:a16="http://schemas.microsoft.com/office/drawing/2014/main" val="1377533510"/>
                     </a:ext>
                   </a:extLst>
                 </a:gridCol>
-                <a:gridCol w="613479">
+                <a:gridCol w="562709">
                   <a:extLst>
                     <a:ext uri="{9D8B030D-6E8A-4147-A177-3AD203B41FA5}">
                       <a16:colId xmlns:a16="http://schemas.microsoft.com/office/drawing/2014/main" val="414672738"/>
                     </a:ext>
                   </a:extLst>
                 </a:gridCol>
-                <a:gridCol w="613479">
+                <a:gridCol w="562709">
                   <a:extLst>
                     <a:ext uri="{9D8B030D-6E8A-4147-A177-3AD203B41FA5}">
                       <a16:colId xmlns:a16="http://schemas.microsoft.com/office/drawing/2014/main" val="3551905731"/>
                     </a:ext>
                   </a:extLst>
                 </a:gridCol>
-                <a:gridCol w="613479">
+                <a:gridCol w="562709">
                   <a:extLst>
                     <a:ext uri="{9D8B030D-6E8A-4147-A177-3AD203B41FA5}">
                       <a16:colId xmlns:a16="http://schemas.microsoft.com/office/drawing/2014/main" val="3135500250"/>
                     </a:ext>
                   </a:extLst>
                 </a:gridCol>
-                <a:gridCol w="613479">
+                <a:gridCol w="562709">
                   <a:extLst>
                     <a:ext uri="{9D8B030D-6E8A-4147-A177-3AD203B41FA5}">
                       <a16:colId xmlns:a16="http://schemas.microsoft.com/office/drawing/2014/main" val="2526086325"/>
                     </a:ext>
                   </a:extLst>
                 </a:gridCol>
-                <a:gridCol w="613479">
+                <a:gridCol w="562709">
                   <a:extLst>
                     <a:ext uri="{9D8B030D-6E8A-4147-A177-3AD203B41FA5}">
                       <a16:colId xmlns:a16="http://schemas.microsoft.com/office/drawing/2014/main" val="1437496442"/>
@@ -3068,16 +3074,16 @@
                   </a:extLst>
                 </a:gridCol>
               </a:tblGrid>
-              <a:tr h="370840">
+              <a:tr h="340150">
                 <a:tc>
                   <a:txBody>
                     <a:bodyPr/>
                     <a:lstStyle/>
                     <a:p>
-                      <a:endParaRPr lang="en-US" dirty="0"/>
+                      <a:endParaRPr lang="en-US" sz="1200" dirty="0"/>
                     </a:p>
                   </a:txBody>
-                  <a:tcPr>
+                  <a:tcPr marL="83873" marR="83873" marT="41936" marB="41936">
                     <a:solidFill>
                       <a:schemeClr val="tx1">
                         <a:lumMod val="65000"/>
@@ -3091,10 +3097,10 @@
                     <a:bodyPr/>
                     <a:lstStyle/>
                     <a:p>
-                      <a:endParaRPr lang="en-US"/>
+                      <a:endParaRPr lang="en-US" sz="1200"/>
                     </a:p>
                   </a:txBody>
-                  <a:tcPr>
+                  <a:tcPr marL="83873" marR="83873" marT="41936" marB="41936">
                     <a:solidFill>
                       <a:schemeClr val="tx1">
                         <a:lumMod val="65000"/>
@@ -3108,10 +3114,10 @@
                     <a:bodyPr/>
                     <a:lstStyle/>
                     <a:p>
-                      <a:endParaRPr lang="en-US"/>
+                      <a:endParaRPr lang="en-US" sz="1200"/>
                     </a:p>
                   </a:txBody>
-                  <a:tcPr>
+                  <a:tcPr marL="83873" marR="83873" marT="41936" marB="41936">
                     <a:solidFill>
                       <a:schemeClr val="tx1">
                         <a:lumMod val="65000"/>
@@ -3125,10 +3131,10 @@
                     <a:bodyPr/>
                     <a:lstStyle/>
                     <a:p>
-                      <a:endParaRPr lang="en-US" dirty="0"/>
+                      <a:endParaRPr lang="en-US" sz="1200" dirty="0"/>
                     </a:p>
                   </a:txBody>
-                  <a:tcPr>
+                  <a:tcPr marL="83873" marR="83873" marT="41936" marB="41936">
                     <a:solidFill>
                       <a:schemeClr val="tx1">
                         <a:lumMod val="65000"/>
@@ -3142,10 +3148,10 @@
                     <a:bodyPr/>
                     <a:lstStyle/>
                     <a:p>
-                      <a:endParaRPr lang="en-US"/>
+                      <a:endParaRPr lang="en-US" sz="1200"/>
                     </a:p>
                   </a:txBody>
-                  <a:tcPr>
+                  <a:tcPr marL="83873" marR="83873" marT="41936" marB="41936">
                     <a:solidFill>
                       <a:schemeClr val="tx1">
                         <a:lumMod val="65000"/>
@@ -3159,10 +3165,10 @@
                     <a:bodyPr/>
                     <a:lstStyle/>
                     <a:p>
-                      <a:endParaRPr lang="en-US" dirty="0"/>
+                      <a:endParaRPr lang="en-US" sz="1200" dirty="0"/>
                     </a:p>
                   </a:txBody>
-                  <a:tcPr>
+                  <a:tcPr marL="83873" marR="83873" marT="41936" marB="41936">
                     <a:solidFill>
                       <a:schemeClr val="tx1">
                         <a:lumMod val="65000"/>
@@ -3176,10 +3182,10 @@
                     <a:bodyPr/>
                     <a:lstStyle/>
                     <a:p>
-                      <a:endParaRPr lang="en-US" dirty="0"/>
+                      <a:endParaRPr lang="en-US" sz="1200" dirty="0"/>
                     </a:p>
                   </a:txBody>
-                  <a:tcPr>
+                  <a:tcPr marL="83873" marR="83873" marT="41936" marB="41936">
                     <a:solidFill>
                       <a:schemeClr val="tx1">
                         <a:lumMod val="65000"/>
@@ -3193,10 +3199,10 @@
                     <a:bodyPr/>
                     <a:lstStyle/>
                     <a:p>
-                      <a:endParaRPr lang="en-US"/>
+                      <a:endParaRPr lang="en-US" sz="1200"/>
                     </a:p>
                   </a:txBody>
-                  <a:tcPr>
+                  <a:tcPr marL="83873" marR="83873" marT="41936" marB="41936">
                     <a:solidFill>
                       <a:schemeClr val="tx1">
                         <a:lumMod val="65000"/>
@@ -3210,10 +3216,10 @@
                     <a:bodyPr/>
                     <a:lstStyle/>
                     <a:p>
-                      <a:endParaRPr lang="en-US"/>
+                      <a:endParaRPr lang="en-US" sz="1200"/>
                     </a:p>
                   </a:txBody>
-                  <a:tcPr>
+                  <a:tcPr marL="83873" marR="83873" marT="41936" marB="41936">
                     <a:solidFill>
                       <a:schemeClr val="tx1">
                         <a:lumMod val="65000"/>
@@ -3227,10 +3233,10 @@
                     <a:bodyPr/>
                     <a:lstStyle/>
                     <a:p>
-                      <a:endParaRPr lang="en-US" dirty="0"/>
+                      <a:endParaRPr lang="en-US" sz="1200" dirty="0"/>
                     </a:p>
                   </a:txBody>
-                  <a:tcPr>
+                  <a:tcPr marL="83873" marR="83873" marT="41936" marB="41936">
                     <a:solidFill>
                       <a:schemeClr val="tx1">
                         <a:lumMod val="65000"/>
@@ -3263,8 +3269,8 @@
         </p:nvSpPr>
         <p:spPr>
           <a:xfrm>
-            <a:off x="182879" y="1507927"/>
-            <a:ext cx="6134790" cy="349134"/>
+            <a:off x="624799" y="706707"/>
+            <a:ext cx="5627089" cy="320241"/>
           </a:xfrm>
           <a:prstGeom prst="rect">
             <a:avLst/>
@@ -3310,7 +3316,7 @@
           <a:lstStyle/>
           <a:p>
             <a:pPr algn="ctr"/>
-            <a:endParaRPr lang="en-US" dirty="0"/>
+            <a:endParaRPr lang="en-US" sz="1651" dirty="0"/>
           </a:p>
         </p:txBody>
       </p:sp>
@@ -3328,8 +3334,8 @@
         </p:nvSpPr>
         <p:spPr>
           <a:xfrm>
-            <a:off x="182879" y="1877259"/>
-            <a:ext cx="964276" cy="369332"/>
+            <a:off x="624799" y="1045474"/>
+            <a:ext cx="884475" cy="346377"/>
           </a:xfrm>
           <a:prstGeom prst="rect">
             <a:avLst/>
@@ -3343,7 +3349,7 @@
           <a:lstStyle/>
           <a:p>
             <a:r>
-              <a:rPr lang="en-US" dirty="0"/>
+              <a:rPr lang="en-US" sz="1651" dirty="0"/>
               <a:t>15 °C</a:t>
             </a:r>
           </a:p>
@@ -3363,8 +3369,8 @@
         </p:nvSpPr>
         <p:spPr>
           <a:xfrm>
-            <a:off x="2992581" y="1877259"/>
-            <a:ext cx="964276" cy="369332"/>
+            <a:off x="3201977" y="1045474"/>
+            <a:ext cx="884475" cy="346377"/>
           </a:xfrm>
           <a:prstGeom prst="rect">
             <a:avLst/>
@@ -3378,7 +3384,7 @@
           <a:lstStyle/>
           <a:p>
             <a:r>
-              <a:rPr lang="en-US" dirty="0"/>
+              <a:rPr lang="en-US" sz="1651" dirty="0"/>
               <a:t>25 °C</a:t>
             </a:r>
           </a:p>
@@ -3398,8 +3404,8 @@
         </p:nvSpPr>
         <p:spPr>
           <a:xfrm>
-            <a:off x="5715408" y="1877259"/>
-            <a:ext cx="964276" cy="369332"/>
+            <a:off x="5699469" y="1045474"/>
+            <a:ext cx="884475" cy="346377"/>
           </a:xfrm>
           <a:prstGeom prst="rect">
             <a:avLst/>
@@ -3413,7 +3419,7 @@
           <a:lstStyle/>
           <a:p>
             <a:r>
-              <a:rPr lang="en-US" dirty="0"/>
+              <a:rPr lang="en-US" sz="1651" dirty="0"/>
               <a:t>35 °C</a:t>
             </a:r>
           </a:p>
@@ -3434,14 +3440,14 @@
           <p:nvPr>
             <p:extLst>
               <p:ext uri="{D42A27DB-BD31-4B8C-83A1-F6EECF244321}">
-                <p14:modId xmlns:p14="http://schemas.microsoft.com/office/powerpoint/2010/main" val="563551016"/>
+                <p14:modId xmlns:p14="http://schemas.microsoft.com/office/powerpoint/2010/main" val="1757600033"/>
               </p:ext>
             </p:extLst>
           </p:nvPr>
         </p:nvGraphicFramePr>
         <p:xfrm>
-          <a:off x="182879" y="5008843"/>
-          <a:ext cx="6134790" cy="370840"/>
+          <a:off x="624799" y="2085763"/>
+          <a:ext cx="5627090" cy="340150"/>
         </p:xfrm>
         <a:graphic>
           <a:graphicData uri="http://schemas.openxmlformats.org/drawingml/2006/table">
@@ -3450,70 +3456,70 @@
                 <a:tableStyleId>{5C22544A-7EE6-4342-B048-85BDC9FD1C3A}</a:tableStyleId>
               </a:tblPr>
               <a:tblGrid>
-                <a:gridCol w="613479">
+                <a:gridCol w="562709">
                   <a:extLst>
                     <a:ext uri="{9D8B030D-6E8A-4147-A177-3AD203B41FA5}">
                       <a16:colId xmlns:a16="http://schemas.microsoft.com/office/drawing/2014/main" val="884139243"/>
                     </a:ext>
                   </a:extLst>
                 </a:gridCol>
-                <a:gridCol w="613479">
+                <a:gridCol w="562709">
                   <a:extLst>
                     <a:ext uri="{9D8B030D-6E8A-4147-A177-3AD203B41FA5}">
                       <a16:colId xmlns:a16="http://schemas.microsoft.com/office/drawing/2014/main" val="289626378"/>
                     </a:ext>
                   </a:extLst>
                 </a:gridCol>
-                <a:gridCol w="613479">
+                <a:gridCol w="562709">
                   <a:extLst>
                     <a:ext uri="{9D8B030D-6E8A-4147-A177-3AD203B41FA5}">
                       <a16:colId xmlns:a16="http://schemas.microsoft.com/office/drawing/2014/main" val="2312666239"/>
                     </a:ext>
                   </a:extLst>
                 </a:gridCol>
-                <a:gridCol w="613479">
+                <a:gridCol w="562709">
                   <a:extLst>
                     <a:ext uri="{9D8B030D-6E8A-4147-A177-3AD203B41FA5}">
                       <a16:colId xmlns:a16="http://schemas.microsoft.com/office/drawing/2014/main" val="2017459447"/>
                     </a:ext>
                   </a:extLst>
                 </a:gridCol>
-                <a:gridCol w="613479">
+                <a:gridCol w="562709">
                   <a:extLst>
                     <a:ext uri="{9D8B030D-6E8A-4147-A177-3AD203B41FA5}">
                       <a16:colId xmlns:a16="http://schemas.microsoft.com/office/drawing/2014/main" val="1377533510"/>
                     </a:ext>
                   </a:extLst>
                 </a:gridCol>
-                <a:gridCol w="613479">
+                <a:gridCol w="562709">
                   <a:extLst>
                     <a:ext uri="{9D8B030D-6E8A-4147-A177-3AD203B41FA5}">
                       <a16:colId xmlns:a16="http://schemas.microsoft.com/office/drawing/2014/main" val="414672738"/>
                     </a:ext>
                   </a:extLst>
                 </a:gridCol>
-                <a:gridCol w="613479">
+                <a:gridCol w="562709">
                   <a:extLst>
                     <a:ext uri="{9D8B030D-6E8A-4147-A177-3AD203B41FA5}">
                       <a16:colId xmlns:a16="http://schemas.microsoft.com/office/drawing/2014/main" val="3551905731"/>
                     </a:ext>
                   </a:extLst>
                 </a:gridCol>
-                <a:gridCol w="613479">
+                <a:gridCol w="562709">
                   <a:extLst>
                     <a:ext uri="{9D8B030D-6E8A-4147-A177-3AD203B41FA5}">
                       <a16:colId xmlns:a16="http://schemas.microsoft.com/office/drawing/2014/main" val="3135500250"/>
                     </a:ext>
                   </a:extLst>
                 </a:gridCol>
-                <a:gridCol w="613479">
+                <a:gridCol w="562709">
                   <a:extLst>
                     <a:ext uri="{9D8B030D-6E8A-4147-A177-3AD203B41FA5}">
                       <a16:colId xmlns:a16="http://schemas.microsoft.com/office/drawing/2014/main" val="2526086325"/>
                     </a:ext>
                   </a:extLst>
                 </a:gridCol>
-                <a:gridCol w="613479">
+                <a:gridCol w="562709">
                   <a:extLst>
                     <a:ext uri="{9D8B030D-6E8A-4147-A177-3AD203B41FA5}">
                       <a16:colId xmlns:a16="http://schemas.microsoft.com/office/drawing/2014/main" val="1437496442"/>
@@ -3521,16 +3527,16 @@
                   </a:extLst>
                 </a:gridCol>
               </a:tblGrid>
-              <a:tr h="370840">
+              <a:tr h="340150">
                 <a:tc>
                   <a:txBody>
                     <a:bodyPr/>
                     <a:lstStyle/>
                     <a:p>
-                      <a:endParaRPr lang="en-US" dirty="0"/>
+                      <a:endParaRPr lang="en-US" sz="1200" dirty="0"/>
                     </a:p>
                   </a:txBody>
-                  <a:tcPr>
+                  <a:tcPr marL="83873" marR="83873" marT="41936" marB="41936">
                     <a:solidFill>
                       <a:schemeClr val="tx1">
                         <a:lumMod val="65000"/>
@@ -3544,10 +3550,10 @@
                     <a:bodyPr/>
                     <a:lstStyle/>
                     <a:p>
-                      <a:endParaRPr lang="en-US"/>
+                      <a:endParaRPr lang="en-US" sz="1200"/>
                     </a:p>
                   </a:txBody>
-                  <a:tcPr>
+                  <a:tcPr marL="83873" marR="83873" marT="41936" marB="41936">
                     <a:solidFill>
                       <a:schemeClr val="tx1">
                         <a:lumMod val="65000"/>
@@ -3561,10 +3567,10 @@
                     <a:bodyPr/>
                     <a:lstStyle/>
                     <a:p>
-                      <a:endParaRPr lang="en-US"/>
+                      <a:endParaRPr lang="en-US" sz="1200"/>
                     </a:p>
                   </a:txBody>
-                  <a:tcPr>
+                  <a:tcPr marL="83873" marR="83873" marT="41936" marB="41936">
                     <a:solidFill>
                       <a:schemeClr val="tx1">
                         <a:lumMod val="65000"/>
@@ -3578,10 +3584,10 @@
                     <a:bodyPr/>
                     <a:lstStyle/>
                     <a:p>
-                      <a:endParaRPr lang="en-US" dirty="0"/>
+                      <a:endParaRPr lang="en-US" sz="1200" dirty="0"/>
                     </a:p>
                   </a:txBody>
-                  <a:tcPr>
+                  <a:tcPr marL="83873" marR="83873" marT="41936" marB="41936">
                     <a:solidFill>
                       <a:schemeClr val="tx1">
                         <a:lumMod val="65000"/>
@@ -3595,10 +3601,10 @@
                     <a:bodyPr/>
                     <a:lstStyle/>
                     <a:p>
-                      <a:endParaRPr lang="en-US"/>
+                      <a:endParaRPr lang="en-US" sz="1200"/>
                     </a:p>
                   </a:txBody>
-                  <a:tcPr>
+                  <a:tcPr marL="83873" marR="83873" marT="41936" marB="41936">
                     <a:solidFill>
                       <a:schemeClr val="tx1">
                         <a:lumMod val="65000"/>
@@ -3612,10 +3618,10 @@
                     <a:bodyPr/>
                     <a:lstStyle/>
                     <a:p>
-                      <a:endParaRPr lang="en-US" dirty="0"/>
+                      <a:endParaRPr lang="en-US" sz="1200" dirty="0"/>
                     </a:p>
                   </a:txBody>
-                  <a:tcPr>
+                  <a:tcPr marL="83873" marR="83873" marT="41936" marB="41936">
                     <a:solidFill>
                       <a:schemeClr val="tx1">
                         <a:lumMod val="65000"/>
@@ -3629,10 +3635,10 @@
                     <a:bodyPr/>
                     <a:lstStyle/>
                     <a:p>
-                      <a:endParaRPr lang="en-US" dirty="0"/>
+                      <a:endParaRPr lang="en-US" sz="1200" dirty="0"/>
                     </a:p>
                   </a:txBody>
-                  <a:tcPr>
+                  <a:tcPr marL="83873" marR="83873" marT="41936" marB="41936">
                     <a:solidFill>
                       <a:schemeClr val="tx1">
                         <a:lumMod val="65000"/>
@@ -3646,10 +3652,10 @@
                     <a:bodyPr/>
                     <a:lstStyle/>
                     <a:p>
-                      <a:endParaRPr lang="en-US"/>
+                      <a:endParaRPr lang="en-US" sz="1200"/>
                     </a:p>
                   </a:txBody>
-                  <a:tcPr>
+                  <a:tcPr marL="83873" marR="83873" marT="41936" marB="41936">
                     <a:solidFill>
                       <a:schemeClr val="tx1">
                         <a:lumMod val="65000"/>
@@ -3663,10 +3669,10 @@
                     <a:bodyPr/>
                     <a:lstStyle/>
                     <a:p>
-                      <a:endParaRPr lang="en-US"/>
+                      <a:endParaRPr lang="en-US" sz="1200"/>
                     </a:p>
                   </a:txBody>
-                  <a:tcPr>
+                  <a:tcPr marL="83873" marR="83873" marT="41936" marB="41936">
                     <a:solidFill>
                       <a:schemeClr val="tx1">
                         <a:lumMod val="65000"/>
@@ -3680,10 +3686,10 @@
                     <a:bodyPr/>
                     <a:lstStyle/>
                     <a:p>
-                      <a:endParaRPr lang="en-US" dirty="0"/>
+                      <a:endParaRPr lang="en-US" sz="1200" dirty="0"/>
                     </a:p>
                   </a:txBody>
-                  <a:tcPr>
+                  <a:tcPr marL="83873" marR="83873" marT="41936" marB="41936">
                     <a:solidFill>
                       <a:schemeClr val="tx1">
                         <a:lumMod val="65000"/>
@@ -3716,8 +3722,8 @@
         </p:nvSpPr>
         <p:spPr>
           <a:xfrm>
-            <a:off x="182879" y="5399881"/>
-            <a:ext cx="6134790" cy="349134"/>
+            <a:off x="624799" y="2444440"/>
+            <a:ext cx="5627089" cy="320241"/>
           </a:xfrm>
           <a:prstGeom prst="rect">
             <a:avLst/>
@@ -3760,7 +3766,7 @@
           <a:lstStyle/>
           <a:p>
             <a:pPr algn="ctr"/>
-            <a:endParaRPr lang="en-US" dirty="0"/>
+            <a:endParaRPr lang="en-US" sz="1651" dirty="0"/>
           </a:p>
         </p:txBody>
       </p:sp>
@@ -3778,8 +3784,8 @@
         </p:nvSpPr>
         <p:spPr>
           <a:xfrm>
-            <a:off x="182879" y="4639511"/>
-            <a:ext cx="964276" cy="369332"/>
+            <a:off x="624799" y="1746997"/>
+            <a:ext cx="884475" cy="346377"/>
           </a:xfrm>
           <a:prstGeom prst="rect">
             <a:avLst/>
@@ -3793,7 +3799,7 @@
           <a:lstStyle/>
           <a:p>
             <a:r>
-              <a:rPr lang="en-US" dirty="0"/>
+              <a:rPr lang="en-US" sz="1651" dirty="0"/>
               <a:t>Free</a:t>
             </a:r>
           </a:p>
@@ -3813,8 +3819,8 @@
         </p:nvSpPr>
         <p:spPr>
           <a:xfrm>
-            <a:off x="2949143" y="4639511"/>
-            <a:ext cx="964276" cy="369332"/>
+            <a:off x="3162134" y="1746997"/>
+            <a:ext cx="884475" cy="346377"/>
           </a:xfrm>
           <a:prstGeom prst="rect">
             <a:avLst/>
@@ -3829,7 +3835,7 @@
           <a:p>
             <a:pPr algn="ctr"/>
             <a:r>
-              <a:rPr lang="en-US" dirty="0"/>
+              <a:rPr lang="en-US" sz="1651" dirty="0"/>
               <a:t>Usual</a:t>
             </a:r>
           </a:p>
@@ -3849,8 +3855,8 @@
         </p:nvSpPr>
         <p:spPr>
           <a:xfrm>
-            <a:off x="5613808" y="4639511"/>
-            <a:ext cx="964276" cy="369332"/>
+            <a:off x="5606277" y="1746997"/>
+            <a:ext cx="884475" cy="346377"/>
           </a:xfrm>
           <a:prstGeom prst="rect">
             <a:avLst/>
@@ -3864,7 +3870,7 @@
           <a:lstStyle/>
           <a:p>
             <a:r>
-              <a:rPr lang="en-US" dirty="0"/>
+              <a:rPr lang="en-US" sz="1651" dirty="0"/>
               <a:t>Crowd</a:t>
             </a:r>
           </a:p>
@@ -3884,8 +3890,8 @@
         </p:nvSpPr>
         <p:spPr>
           <a:xfrm>
-            <a:off x="182879" y="5769213"/>
-            <a:ext cx="964276" cy="369332"/>
+            <a:off x="624799" y="2783207"/>
+            <a:ext cx="884475" cy="346377"/>
           </a:xfrm>
           <a:prstGeom prst="rect">
             <a:avLst/>
@@ -3899,7 +3905,7 @@
           <a:lstStyle/>
           <a:p>
             <a:r>
-              <a:rPr lang="en-US" dirty="0"/>
+              <a:rPr lang="en-US" sz="1651" dirty="0"/>
               <a:t>0</a:t>
             </a:r>
           </a:p>
@@ -3919,8 +3925,8 @@
         </p:nvSpPr>
         <p:spPr>
           <a:xfrm>
-            <a:off x="2949143" y="5773658"/>
-            <a:ext cx="964276" cy="369332"/>
+            <a:off x="3162134" y="2787284"/>
+            <a:ext cx="884475" cy="346377"/>
           </a:xfrm>
           <a:prstGeom prst="rect">
             <a:avLst/>
@@ -3935,7 +3941,7 @@
           <a:p>
             <a:pPr algn="ctr"/>
             <a:r>
-              <a:rPr lang="en-US" dirty="0"/>
+              <a:rPr lang="en-US" sz="1651" dirty="0"/>
               <a:t>15</a:t>
             </a:r>
           </a:p>
@@ -3955,8 +3961,8 @@
         </p:nvSpPr>
         <p:spPr>
           <a:xfrm>
-            <a:off x="5931308" y="5769213"/>
-            <a:ext cx="964276" cy="369332"/>
+            <a:off x="5897502" y="2783207"/>
+            <a:ext cx="884475" cy="346377"/>
           </a:xfrm>
           <a:prstGeom prst="rect">
             <a:avLst/>
@@ -3970,7 +3976,7 @@
           <a:lstStyle/>
           <a:p>
             <a:r>
-              <a:rPr lang="en-US" dirty="0"/>
+              <a:rPr lang="en-US" sz="1651" dirty="0"/>
               <a:t>30</a:t>
             </a:r>
           </a:p>
@@ -3991,14 +3997,14 @@
           <p:nvPr>
             <p:extLst>
               <p:ext uri="{D42A27DB-BD31-4B8C-83A1-F6EECF244321}">
-                <p14:modId xmlns:p14="http://schemas.microsoft.com/office/powerpoint/2010/main" val="563551016"/>
+                <p14:modId xmlns:p14="http://schemas.microsoft.com/office/powerpoint/2010/main" val="1587840458"/>
               </p:ext>
             </p:extLst>
           </p:nvPr>
         </p:nvGraphicFramePr>
         <p:xfrm>
-          <a:off x="182879" y="9107170"/>
-          <a:ext cx="6134790" cy="370840"/>
+          <a:off x="624799" y="3832760"/>
+          <a:ext cx="5627090" cy="340150"/>
         </p:xfrm>
         <a:graphic>
           <a:graphicData uri="http://schemas.openxmlformats.org/drawingml/2006/table">
@@ -4007,70 +4013,70 @@
                 <a:tableStyleId>{5C22544A-7EE6-4342-B048-85BDC9FD1C3A}</a:tableStyleId>
               </a:tblPr>
               <a:tblGrid>
-                <a:gridCol w="613479">
+                <a:gridCol w="562709">
                   <a:extLst>
                     <a:ext uri="{9D8B030D-6E8A-4147-A177-3AD203B41FA5}">
                       <a16:colId xmlns:a16="http://schemas.microsoft.com/office/drawing/2014/main" val="884139243"/>
                     </a:ext>
                   </a:extLst>
                 </a:gridCol>
-                <a:gridCol w="613479">
+                <a:gridCol w="562709">
                   <a:extLst>
                     <a:ext uri="{9D8B030D-6E8A-4147-A177-3AD203B41FA5}">
                       <a16:colId xmlns:a16="http://schemas.microsoft.com/office/drawing/2014/main" val="289626378"/>
                     </a:ext>
                   </a:extLst>
                 </a:gridCol>
-                <a:gridCol w="613479">
+                <a:gridCol w="562709">
                   <a:extLst>
                     <a:ext uri="{9D8B030D-6E8A-4147-A177-3AD203B41FA5}">
                       <a16:colId xmlns:a16="http://schemas.microsoft.com/office/drawing/2014/main" val="2312666239"/>
                     </a:ext>
                   </a:extLst>
                 </a:gridCol>
-                <a:gridCol w="613479">
+                <a:gridCol w="562709">
                   <a:extLst>
                     <a:ext uri="{9D8B030D-6E8A-4147-A177-3AD203B41FA5}">
                       <a16:colId xmlns:a16="http://schemas.microsoft.com/office/drawing/2014/main" val="2017459447"/>
                     </a:ext>
                   </a:extLst>
                 </a:gridCol>
-                <a:gridCol w="613479">
+                <a:gridCol w="562709">
                   <a:extLst>
                     <a:ext uri="{9D8B030D-6E8A-4147-A177-3AD203B41FA5}">
                       <a16:colId xmlns:a16="http://schemas.microsoft.com/office/drawing/2014/main" val="1377533510"/>
                     </a:ext>
                   </a:extLst>
                 </a:gridCol>
-                <a:gridCol w="613479">
+                <a:gridCol w="562709">
                   <a:extLst>
                     <a:ext uri="{9D8B030D-6E8A-4147-A177-3AD203B41FA5}">
                       <a16:colId xmlns:a16="http://schemas.microsoft.com/office/drawing/2014/main" val="414672738"/>
                     </a:ext>
                   </a:extLst>
                 </a:gridCol>
-                <a:gridCol w="613479">
+                <a:gridCol w="562709">
                   <a:extLst>
                     <a:ext uri="{9D8B030D-6E8A-4147-A177-3AD203B41FA5}">
                       <a16:colId xmlns:a16="http://schemas.microsoft.com/office/drawing/2014/main" val="3551905731"/>
                     </a:ext>
                   </a:extLst>
                 </a:gridCol>
-                <a:gridCol w="613479">
+                <a:gridCol w="562709">
                   <a:extLst>
                     <a:ext uri="{9D8B030D-6E8A-4147-A177-3AD203B41FA5}">
                       <a16:colId xmlns:a16="http://schemas.microsoft.com/office/drawing/2014/main" val="3135500250"/>
                     </a:ext>
                   </a:extLst>
                 </a:gridCol>
-                <a:gridCol w="613479">
+                <a:gridCol w="562709">
                   <a:extLst>
                     <a:ext uri="{9D8B030D-6E8A-4147-A177-3AD203B41FA5}">
                       <a16:colId xmlns:a16="http://schemas.microsoft.com/office/drawing/2014/main" val="2526086325"/>
                     </a:ext>
                   </a:extLst>
                 </a:gridCol>
-                <a:gridCol w="613479">
+                <a:gridCol w="562709">
                   <a:extLst>
                     <a:ext uri="{9D8B030D-6E8A-4147-A177-3AD203B41FA5}">
                       <a16:colId xmlns:a16="http://schemas.microsoft.com/office/drawing/2014/main" val="1437496442"/>
@@ -4078,16 +4084,16 @@
                   </a:extLst>
                 </a:gridCol>
               </a:tblGrid>
-              <a:tr h="370840">
+              <a:tr h="340150">
                 <a:tc>
                   <a:txBody>
                     <a:bodyPr/>
                     <a:lstStyle/>
                     <a:p>
-                      <a:endParaRPr lang="en-US" dirty="0"/>
+                      <a:endParaRPr lang="en-US" sz="1200" dirty="0"/>
                     </a:p>
                   </a:txBody>
-                  <a:tcPr>
+                  <a:tcPr marL="83873" marR="83873" marT="41936" marB="41936">
                     <a:solidFill>
                       <a:schemeClr val="tx1">
                         <a:lumMod val="65000"/>
@@ -4101,10 +4107,10 @@
                     <a:bodyPr/>
                     <a:lstStyle/>
                     <a:p>
-                      <a:endParaRPr lang="en-US"/>
+                      <a:endParaRPr lang="en-US" sz="1200"/>
                     </a:p>
                   </a:txBody>
-                  <a:tcPr>
+                  <a:tcPr marL="83873" marR="83873" marT="41936" marB="41936">
                     <a:solidFill>
                       <a:schemeClr val="tx1">
                         <a:lumMod val="65000"/>
@@ -4118,10 +4124,10 @@
                     <a:bodyPr/>
                     <a:lstStyle/>
                     <a:p>
-                      <a:endParaRPr lang="en-US"/>
+                      <a:endParaRPr lang="en-US" sz="1200"/>
                     </a:p>
                   </a:txBody>
-                  <a:tcPr>
+                  <a:tcPr marL="83873" marR="83873" marT="41936" marB="41936">
                     <a:solidFill>
                       <a:schemeClr val="tx1">
                         <a:lumMod val="65000"/>
@@ -4135,10 +4141,10 @@
                     <a:bodyPr/>
                     <a:lstStyle/>
                     <a:p>
-                      <a:endParaRPr lang="en-US" dirty="0"/>
+                      <a:endParaRPr lang="en-US" sz="1200" dirty="0"/>
                     </a:p>
                   </a:txBody>
-                  <a:tcPr>
+                  <a:tcPr marL="83873" marR="83873" marT="41936" marB="41936">
                     <a:solidFill>
                       <a:schemeClr val="tx1">
                         <a:lumMod val="65000"/>
@@ -4152,10 +4158,10 @@
                     <a:bodyPr/>
                     <a:lstStyle/>
                     <a:p>
-                      <a:endParaRPr lang="en-US"/>
+                      <a:endParaRPr lang="en-US" sz="1200"/>
                     </a:p>
                   </a:txBody>
-                  <a:tcPr>
+                  <a:tcPr marL="83873" marR="83873" marT="41936" marB="41936">
                     <a:solidFill>
                       <a:schemeClr val="tx1">
                         <a:lumMod val="65000"/>
@@ -4169,10 +4175,10 @@
                     <a:bodyPr/>
                     <a:lstStyle/>
                     <a:p>
-                      <a:endParaRPr lang="en-US" dirty="0"/>
+                      <a:endParaRPr lang="en-US" sz="1200" dirty="0"/>
                     </a:p>
                   </a:txBody>
-                  <a:tcPr>
+                  <a:tcPr marL="83873" marR="83873" marT="41936" marB="41936">
                     <a:solidFill>
                       <a:schemeClr val="tx1">
                         <a:lumMod val="65000"/>
@@ -4186,10 +4192,10 @@
                     <a:bodyPr/>
                     <a:lstStyle/>
                     <a:p>
-                      <a:endParaRPr lang="en-US" dirty="0"/>
+                      <a:endParaRPr lang="en-US" sz="1200" dirty="0"/>
                     </a:p>
                   </a:txBody>
-                  <a:tcPr>
+                  <a:tcPr marL="83873" marR="83873" marT="41936" marB="41936">
                     <a:solidFill>
                       <a:schemeClr val="tx1">
                         <a:lumMod val="65000"/>
@@ -4203,10 +4209,10 @@
                     <a:bodyPr/>
                     <a:lstStyle/>
                     <a:p>
-                      <a:endParaRPr lang="en-US"/>
+                      <a:endParaRPr lang="en-US" sz="1200"/>
                     </a:p>
                   </a:txBody>
-                  <a:tcPr>
+                  <a:tcPr marL="83873" marR="83873" marT="41936" marB="41936">
                     <a:solidFill>
                       <a:schemeClr val="tx1">
                         <a:lumMod val="65000"/>
@@ -4220,10 +4226,10 @@
                     <a:bodyPr/>
                     <a:lstStyle/>
                     <a:p>
-                      <a:endParaRPr lang="en-US"/>
+                      <a:endParaRPr lang="en-US" sz="1200"/>
                     </a:p>
                   </a:txBody>
-                  <a:tcPr>
+                  <a:tcPr marL="83873" marR="83873" marT="41936" marB="41936">
                     <a:solidFill>
                       <a:schemeClr val="tx1">
                         <a:lumMod val="65000"/>
@@ -4237,10 +4243,10 @@
                     <a:bodyPr/>
                     <a:lstStyle/>
                     <a:p>
-                      <a:endParaRPr lang="en-US" dirty="0"/>
+                      <a:endParaRPr lang="en-US" sz="1200" dirty="0"/>
                     </a:p>
                   </a:txBody>
-                  <a:tcPr>
+                  <a:tcPr marL="83873" marR="83873" marT="41936" marB="41936">
                     <a:solidFill>
                       <a:schemeClr val="tx1">
                         <a:lumMod val="65000"/>
@@ -4273,19 +4279,19 @@
         </p:nvSpPr>
         <p:spPr>
           <a:xfrm>
-            <a:off x="182879" y="9498208"/>
-            <a:ext cx="6134790" cy="349134"/>
+            <a:off x="624799" y="4191436"/>
+            <a:ext cx="5627089" cy="320241"/>
           </a:xfrm>
           <a:prstGeom prst="rect">
             <a:avLst/>
           </a:prstGeom>
           <a:gradFill>
             <a:gsLst>
-              <a:gs pos="58000">
+              <a:gs pos="50000">
+                <a:srgbClr val="FFC000"/>
+              </a:gs>
+              <a:gs pos="21000">
                 <a:srgbClr val="00B050"/>
-              </a:gs>
-              <a:gs pos="13000">
-                <a:schemeClr val="accent4"/>
               </a:gs>
               <a:gs pos="97000">
                 <a:srgbClr val="FF0000"/>
@@ -4320,7 +4326,7 @@
           <a:lstStyle/>
           <a:p>
             <a:pPr algn="ctr"/>
-            <a:endParaRPr lang="en-US" dirty="0"/>
+            <a:endParaRPr lang="en-US" sz="1651" dirty="0"/>
           </a:p>
         </p:txBody>
       </p:sp>
@@ -4338,8 +4344,8 @@
         </p:nvSpPr>
         <p:spPr>
           <a:xfrm>
-            <a:off x="182879" y="8737838"/>
-            <a:ext cx="964276" cy="369332"/>
+            <a:off x="624799" y="3493993"/>
+            <a:ext cx="884475" cy="346377"/>
           </a:xfrm>
           <a:prstGeom prst="rect">
             <a:avLst/>
@@ -4353,8 +4359,8 @@
           <a:lstStyle/>
           <a:p>
             <a:r>
-              <a:rPr lang="en-US" dirty="0"/>
-              <a:t>Dry</a:t>
+              <a:rPr lang="en-US" sz="1651" dirty="0"/>
+              <a:t>Good</a:t>
             </a:r>
           </a:p>
         </p:txBody>
@@ -4373,8 +4379,8 @@
         </p:nvSpPr>
         <p:spPr>
           <a:xfrm>
-            <a:off x="2810353" y="8737838"/>
-            <a:ext cx="1140257" cy="369332"/>
+            <a:off x="3034830" y="3493993"/>
+            <a:ext cx="1045892" cy="346377"/>
           </a:xfrm>
           <a:prstGeom prst="rect">
             <a:avLst/>
@@ -4389,8 +4395,8 @@
           <a:p>
             <a:pPr algn="ctr"/>
             <a:r>
-              <a:rPr lang="en-US" dirty="0"/>
-              <a:t>Pleasant</a:t>
+              <a:rPr lang="en-US" sz="1651" dirty="0"/>
+              <a:t>Moderate</a:t>
             </a:r>
           </a:p>
         </p:txBody>
@@ -4409,8 +4415,8 @@
         </p:nvSpPr>
         <p:spPr>
           <a:xfrm>
-            <a:off x="5613808" y="8737838"/>
-            <a:ext cx="964276" cy="369332"/>
+            <a:off x="5746464" y="3507053"/>
+            <a:ext cx="884475" cy="346377"/>
           </a:xfrm>
           <a:prstGeom prst="rect">
             <a:avLst/>
@@ -4424,8 +4430,8 @@
           <a:lstStyle/>
           <a:p>
             <a:r>
-              <a:rPr lang="en-US" dirty="0"/>
-              <a:t>Humid</a:t>
+              <a:rPr lang="en-US" sz="1651" dirty="0"/>
+              <a:t>Poor</a:t>
             </a:r>
           </a:p>
         </p:txBody>
@@ -4444,8 +4450,8 @@
         </p:nvSpPr>
         <p:spPr>
           <a:xfrm>
-            <a:off x="182879" y="9867540"/>
-            <a:ext cx="964276" cy="369332"/>
+            <a:off x="624799" y="4530204"/>
+            <a:ext cx="884475" cy="346377"/>
           </a:xfrm>
           <a:prstGeom prst="rect">
             <a:avLst/>
@@ -4459,7 +4465,7 @@
           <a:lstStyle/>
           <a:p>
             <a:r>
-              <a:rPr lang="en-US" dirty="0"/>
+              <a:rPr lang="en-US" sz="1651" dirty="0"/>
               <a:t>0</a:t>
             </a:r>
           </a:p>
@@ -4479,8 +4485,8 @@
         </p:nvSpPr>
         <p:spPr>
           <a:xfrm>
-            <a:off x="2898343" y="9871985"/>
-            <a:ext cx="964276" cy="369332"/>
+            <a:off x="3115538" y="4534281"/>
+            <a:ext cx="884475" cy="346377"/>
           </a:xfrm>
           <a:prstGeom prst="rect">
             <a:avLst/>
@@ -4495,8 +4501,8 @@
           <a:p>
             <a:pPr algn="ctr"/>
             <a:r>
-              <a:rPr lang="en-US" dirty="0"/>
-              <a:t>50</a:t>
+              <a:rPr lang="en-US" sz="1651" dirty="0"/>
+              <a:t>125</a:t>
             </a:r>
           </a:p>
         </p:txBody>
@@ -4515,8 +4521,8 @@
         </p:nvSpPr>
         <p:spPr>
           <a:xfrm>
-            <a:off x="5860415" y="9867540"/>
-            <a:ext cx="964276" cy="369332"/>
+            <a:off x="5832476" y="4530204"/>
+            <a:ext cx="884475" cy="346377"/>
           </a:xfrm>
           <a:prstGeom prst="rect">
             <a:avLst/>
@@ -4530,8 +4536,8 @@
           <a:lstStyle/>
           <a:p>
             <a:r>
-              <a:rPr lang="en-US" dirty="0"/>
-              <a:t>100</a:t>
+              <a:rPr lang="en-US" sz="1651" dirty="0"/>
+              <a:t>250</a:t>
             </a:r>
           </a:p>
         </p:txBody>
@@ -4550,8 +4556,8 @@
         </p:nvSpPr>
         <p:spPr>
           <a:xfrm>
-            <a:off x="182879" y="737458"/>
-            <a:ext cx="964276" cy="369332"/>
+            <a:off x="624799" y="0"/>
+            <a:ext cx="884475" cy="346377"/>
           </a:xfrm>
           <a:prstGeom prst="rect">
             <a:avLst/>
@@ -4565,7 +4571,7 @@
           <a:lstStyle/>
           <a:p>
             <a:r>
-              <a:rPr lang="en-US" dirty="0"/>
+              <a:rPr lang="en-US" sz="1651" dirty="0"/>
               <a:t>Cold</a:t>
             </a:r>
           </a:p>
@@ -4585,8 +4591,8 @@
         </p:nvSpPr>
         <p:spPr>
           <a:xfrm>
-            <a:off x="2949143" y="737458"/>
-            <a:ext cx="964276" cy="369332"/>
+            <a:off x="3162134" y="0"/>
+            <a:ext cx="884475" cy="346377"/>
           </a:xfrm>
           <a:prstGeom prst="rect">
             <a:avLst/>
@@ -4601,7 +4607,7 @@
           <a:p>
             <a:pPr algn="ctr"/>
             <a:r>
-              <a:rPr lang="en-US" dirty="0"/>
+              <a:rPr lang="en-US" sz="1651" dirty="0"/>
               <a:t>Warm</a:t>
             </a:r>
           </a:p>
@@ -4621,8 +4627,8 @@
         </p:nvSpPr>
         <p:spPr>
           <a:xfrm>
-            <a:off x="5835531" y="737458"/>
-            <a:ext cx="964276" cy="369332"/>
+            <a:off x="5809651" y="0"/>
+            <a:ext cx="884475" cy="346377"/>
           </a:xfrm>
           <a:prstGeom prst="rect">
             <a:avLst/>
@@ -4636,8 +4642,568 @@
           <a:lstStyle/>
           <a:p>
             <a:r>
-              <a:rPr lang="en-US" dirty="0"/>
+              <a:rPr lang="en-US" sz="1651" dirty="0"/>
               <a:t>Hot</a:t>
+            </a:r>
+          </a:p>
+        </p:txBody>
+      </p:sp>
+      <p:graphicFrame>
+        <p:nvGraphicFramePr>
+          <p:cNvPr id="2" name="Table 4">
+            <a:extLst>
+              <a:ext uri="{FF2B5EF4-FFF2-40B4-BE49-F238E27FC236}">
+                <a16:creationId xmlns:a16="http://schemas.microsoft.com/office/drawing/2014/main" id="{50427550-C02A-8FFE-84A7-66334740FFA4}"/>
+              </a:ext>
+            </a:extLst>
+          </p:cNvPr>
+          <p:cNvGraphicFramePr>
+            <a:graphicFrameLocks noGrp="1"/>
+          </p:cNvGraphicFramePr>
+          <p:nvPr>
+            <p:extLst>
+              <p:ext uri="{D42A27DB-BD31-4B8C-83A1-F6EECF244321}">
+                <p14:modId xmlns:p14="http://schemas.microsoft.com/office/powerpoint/2010/main" val="1265331578"/>
+              </p:ext>
+            </p:extLst>
+          </p:nvPr>
+        </p:nvGraphicFramePr>
+        <p:xfrm>
+          <a:off x="624799" y="5592817"/>
+          <a:ext cx="5627090" cy="340150"/>
+        </p:xfrm>
+        <a:graphic>
+          <a:graphicData uri="http://schemas.openxmlformats.org/drawingml/2006/table">
+            <a:tbl>
+              <a:tblPr firstRow="1" bandRow="1">
+                <a:tableStyleId>{5C22544A-7EE6-4342-B048-85BDC9FD1C3A}</a:tableStyleId>
+              </a:tblPr>
+              <a:tblGrid>
+                <a:gridCol w="562709">
+                  <a:extLst>
+                    <a:ext uri="{9D8B030D-6E8A-4147-A177-3AD203B41FA5}">
+                      <a16:colId xmlns:a16="http://schemas.microsoft.com/office/drawing/2014/main" val="884139243"/>
+                    </a:ext>
+                  </a:extLst>
+                </a:gridCol>
+                <a:gridCol w="562709">
+                  <a:extLst>
+                    <a:ext uri="{9D8B030D-6E8A-4147-A177-3AD203B41FA5}">
+                      <a16:colId xmlns:a16="http://schemas.microsoft.com/office/drawing/2014/main" val="289626378"/>
+                    </a:ext>
+                  </a:extLst>
+                </a:gridCol>
+                <a:gridCol w="562709">
+                  <a:extLst>
+                    <a:ext uri="{9D8B030D-6E8A-4147-A177-3AD203B41FA5}">
+                      <a16:colId xmlns:a16="http://schemas.microsoft.com/office/drawing/2014/main" val="2312666239"/>
+                    </a:ext>
+                  </a:extLst>
+                </a:gridCol>
+                <a:gridCol w="562709">
+                  <a:extLst>
+                    <a:ext uri="{9D8B030D-6E8A-4147-A177-3AD203B41FA5}">
+                      <a16:colId xmlns:a16="http://schemas.microsoft.com/office/drawing/2014/main" val="2017459447"/>
+                    </a:ext>
+                  </a:extLst>
+                </a:gridCol>
+                <a:gridCol w="562709">
+                  <a:extLst>
+                    <a:ext uri="{9D8B030D-6E8A-4147-A177-3AD203B41FA5}">
+                      <a16:colId xmlns:a16="http://schemas.microsoft.com/office/drawing/2014/main" val="1377533510"/>
+                    </a:ext>
+                  </a:extLst>
+                </a:gridCol>
+                <a:gridCol w="562709">
+                  <a:extLst>
+                    <a:ext uri="{9D8B030D-6E8A-4147-A177-3AD203B41FA5}">
+                      <a16:colId xmlns:a16="http://schemas.microsoft.com/office/drawing/2014/main" val="414672738"/>
+                    </a:ext>
+                  </a:extLst>
+                </a:gridCol>
+                <a:gridCol w="562709">
+                  <a:extLst>
+                    <a:ext uri="{9D8B030D-6E8A-4147-A177-3AD203B41FA5}">
+                      <a16:colId xmlns:a16="http://schemas.microsoft.com/office/drawing/2014/main" val="3551905731"/>
+                    </a:ext>
+                  </a:extLst>
+                </a:gridCol>
+                <a:gridCol w="562709">
+                  <a:extLst>
+                    <a:ext uri="{9D8B030D-6E8A-4147-A177-3AD203B41FA5}">
+                      <a16:colId xmlns:a16="http://schemas.microsoft.com/office/drawing/2014/main" val="3135500250"/>
+                    </a:ext>
+                  </a:extLst>
+                </a:gridCol>
+                <a:gridCol w="562709">
+                  <a:extLst>
+                    <a:ext uri="{9D8B030D-6E8A-4147-A177-3AD203B41FA5}">
+                      <a16:colId xmlns:a16="http://schemas.microsoft.com/office/drawing/2014/main" val="2526086325"/>
+                    </a:ext>
+                  </a:extLst>
+                </a:gridCol>
+                <a:gridCol w="562709">
+                  <a:extLst>
+                    <a:ext uri="{9D8B030D-6E8A-4147-A177-3AD203B41FA5}">
+                      <a16:colId xmlns:a16="http://schemas.microsoft.com/office/drawing/2014/main" val="1437496442"/>
+                    </a:ext>
+                  </a:extLst>
+                </a:gridCol>
+              </a:tblGrid>
+              <a:tr h="340150">
+                <a:tc>
+                  <a:txBody>
+                    <a:bodyPr/>
+                    <a:lstStyle/>
+                    <a:p>
+                      <a:endParaRPr lang="en-US" sz="1200" dirty="0"/>
+                    </a:p>
+                  </a:txBody>
+                  <a:tcPr marL="83873" marR="83873" marT="41936" marB="41936">
+                    <a:solidFill>
+                      <a:schemeClr val="tx1">
+                        <a:lumMod val="65000"/>
+                        <a:lumOff val="35000"/>
+                      </a:schemeClr>
+                    </a:solidFill>
+                  </a:tcPr>
+                </a:tc>
+                <a:tc>
+                  <a:txBody>
+                    <a:bodyPr/>
+                    <a:lstStyle/>
+                    <a:p>
+                      <a:endParaRPr lang="en-US" sz="1200"/>
+                    </a:p>
+                  </a:txBody>
+                  <a:tcPr marL="83873" marR="83873" marT="41936" marB="41936">
+                    <a:solidFill>
+                      <a:schemeClr val="tx1">
+                        <a:lumMod val="65000"/>
+                        <a:lumOff val="35000"/>
+                      </a:schemeClr>
+                    </a:solidFill>
+                  </a:tcPr>
+                </a:tc>
+                <a:tc>
+                  <a:txBody>
+                    <a:bodyPr/>
+                    <a:lstStyle/>
+                    <a:p>
+                      <a:endParaRPr lang="en-US" sz="1200"/>
+                    </a:p>
+                  </a:txBody>
+                  <a:tcPr marL="83873" marR="83873" marT="41936" marB="41936">
+                    <a:solidFill>
+                      <a:schemeClr val="tx1">
+                        <a:lumMod val="65000"/>
+                        <a:lumOff val="35000"/>
+                      </a:schemeClr>
+                    </a:solidFill>
+                  </a:tcPr>
+                </a:tc>
+                <a:tc>
+                  <a:txBody>
+                    <a:bodyPr/>
+                    <a:lstStyle/>
+                    <a:p>
+                      <a:endParaRPr lang="en-US" sz="1200" dirty="0"/>
+                    </a:p>
+                  </a:txBody>
+                  <a:tcPr marL="83873" marR="83873" marT="41936" marB="41936">
+                    <a:solidFill>
+                      <a:schemeClr val="tx1">
+                        <a:lumMod val="65000"/>
+                        <a:lumOff val="35000"/>
+                      </a:schemeClr>
+                    </a:solidFill>
+                  </a:tcPr>
+                </a:tc>
+                <a:tc>
+                  <a:txBody>
+                    <a:bodyPr/>
+                    <a:lstStyle/>
+                    <a:p>
+                      <a:endParaRPr lang="en-US" sz="1200"/>
+                    </a:p>
+                  </a:txBody>
+                  <a:tcPr marL="83873" marR="83873" marT="41936" marB="41936">
+                    <a:solidFill>
+                      <a:schemeClr val="tx1">
+                        <a:lumMod val="65000"/>
+                        <a:lumOff val="35000"/>
+                      </a:schemeClr>
+                    </a:solidFill>
+                  </a:tcPr>
+                </a:tc>
+                <a:tc>
+                  <a:txBody>
+                    <a:bodyPr/>
+                    <a:lstStyle/>
+                    <a:p>
+                      <a:endParaRPr lang="en-US" sz="1200" dirty="0"/>
+                    </a:p>
+                  </a:txBody>
+                  <a:tcPr marL="83873" marR="83873" marT="41936" marB="41936">
+                    <a:solidFill>
+                      <a:schemeClr val="tx1">
+                        <a:lumMod val="65000"/>
+                        <a:lumOff val="35000"/>
+                      </a:schemeClr>
+                    </a:solidFill>
+                  </a:tcPr>
+                </a:tc>
+                <a:tc>
+                  <a:txBody>
+                    <a:bodyPr/>
+                    <a:lstStyle/>
+                    <a:p>
+                      <a:endParaRPr lang="en-US" sz="1200" dirty="0"/>
+                    </a:p>
+                  </a:txBody>
+                  <a:tcPr marL="83873" marR="83873" marT="41936" marB="41936">
+                    <a:solidFill>
+                      <a:schemeClr val="tx1">
+                        <a:lumMod val="65000"/>
+                        <a:lumOff val="35000"/>
+                      </a:schemeClr>
+                    </a:solidFill>
+                  </a:tcPr>
+                </a:tc>
+                <a:tc>
+                  <a:txBody>
+                    <a:bodyPr/>
+                    <a:lstStyle/>
+                    <a:p>
+                      <a:endParaRPr lang="en-US" sz="1200"/>
+                    </a:p>
+                  </a:txBody>
+                  <a:tcPr marL="83873" marR="83873" marT="41936" marB="41936">
+                    <a:solidFill>
+                      <a:schemeClr val="tx1">
+                        <a:lumMod val="65000"/>
+                        <a:lumOff val="35000"/>
+                      </a:schemeClr>
+                    </a:solidFill>
+                  </a:tcPr>
+                </a:tc>
+                <a:tc>
+                  <a:txBody>
+                    <a:bodyPr/>
+                    <a:lstStyle/>
+                    <a:p>
+                      <a:endParaRPr lang="en-US" sz="1200"/>
+                    </a:p>
+                  </a:txBody>
+                  <a:tcPr marL="83873" marR="83873" marT="41936" marB="41936">
+                    <a:solidFill>
+                      <a:schemeClr val="tx1">
+                        <a:lumMod val="65000"/>
+                        <a:lumOff val="35000"/>
+                      </a:schemeClr>
+                    </a:solidFill>
+                  </a:tcPr>
+                </a:tc>
+                <a:tc>
+                  <a:txBody>
+                    <a:bodyPr/>
+                    <a:lstStyle/>
+                    <a:p>
+                      <a:endParaRPr lang="en-US" sz="1200" dirty="0"/>
+                    </a:p>
+                  </a:txBody>
+                  <a:tcPr marL="83873" marR="83873" marT="41936" marB="41936">
+                    <a:solidFill>
+                      <a:schemeClr val="tx1">
+                        <a:lumMod val="65000"/>
+                        <a:lumOff val="35000"/>
+                      </a:schemeClr>
+                    </a:solidFill>
+                  </a:tcPr>
+                </a:tc>
+                <a:extLst>
+                  <a:ext uri="{0D108BD9-81ED-4DB2-BD59-A6C34878D82A}">
+                    <a16:rowId xmlns:a16="http://schemas.microsoft.com/office/drawing/2014/main" val="2733152935"/>
+                  </a:ext>
+                </a:extLst>
+              </a:tr>
+            </a:tbl>
+          </a:graphicData>
+        </a:graphic>
+      </p:graphicFrame>
+      <p:sp>
+        <p:nvSpPr>
+          <p:cNvPr id="3" name="Rectangle 2">
+            <a:extLst>
+              <a:ext uri="{FF2B5EF4-FFF2-40B4-BE49-F238E27FC236}">
+                <a16:creationId xmlns:a16="http://schemas.microsoft.com/office/drawing/2014/main" id="{6B712021-A9EA-4B6D-FB9B-96A205BBC93E}"/>
+              </a:ext>
+            </a:extLst>
+          </p:cNvPr>
+          <p:cNvSpPr/>
+          <p:nvPr/>
+        </p:nvSpPr>
+        <p:spPr>
+          <a:xfrm>
+            <a:off x="624799" y="5951493"/>
+            <a:ext cx="5627089" cy="320241"/>
+          </a:xfrm>
+          <a:prstGeom prst="rect">
+            <a:avLst/>
+          </a:prstGeom>
+          <a:gradFill>
+            <a:gsLst>
+              <a:gs pos="50000">
+                <a:srgbClr val="FFC000"/>
+              </a:gs>
+              <a:gs pos="21000">
+                <a:srgbClr val="00B050"/>
+              </a:gs>
+              <a:gs pos="97000">
+                <a:srgbClr val="FF0000"/>
+              </a:gs>
+            </a:gsLst>
+            <a:lin ang="0" scaled="0"/>
+          </a:gradFill>
+          <a:ln>
+            <a:solidFill>
+              <a:schemeClr val="tx1"/>
+            </a:solidFill>
+          </a:ln>
+        </p:spPr>
+        <p:style>
+          <a:lnRef idx="2">
+            <a:schemeClr val="accent1">
+              <a:shade val="50000"/>
+            </a:schemeClr>
+          </a:lnRef>
+          <a:fillRef idx="1">
+            <a:schemeClr val="accent1"/>
+          </a:fillRef>
+          <a:effectRef idx="0">
+            <a:schemeClr val="accent1"/>
+          </a:effectRef>
+          <a:fontRef idx="minor">
+            <a:schemeClr val="lt1"/>
+          </a:fontRef>
+        </p:style>
+        <p:txBody>
+          <a:bodyPr rtlCol="0" anchor="ctr"/>
+          <a:lstStyle/>
+          <a:p>
+            <a:pPr algn="ctr"/>
+            <a:endParaRPr lang="en-US" sz="1651" dirty="0"/>
+          </a:p>
+        </p:txBody>
+      </p:sp>
+      <p:sp>
+        <p:nvSpPr>
+          <p:cNvPr id="28" name="TextBox 27">
+            <a:extLst>
+              <a:ext uri="{FF2B5EF4-FFF2-40B4-BE49-F238E27FC236}">
+                <a16:creationId xmlns:a16="http://schemas.microsoft.com/office/drawing/2014/main" id="{82CD771D-EE4F-FE30-8312-8B813F0F02F4}"/>
+              </a:ext>
+            </a:extLst>
+          </p:cNvPr>
+          <p:cNvSpPr txBox="1"/>
+          <p:nvPr/>
+        </p:nvSpPr>
+        <p:spPr>
+          <a:xfrm>
+            <a:off x="624799" y="5254050"/>
+            <a:ext cx="884475" cy="346377"/>
+          </a:xfrm>
+          <a:prstGeom prst="rect">
+            <a:avLst/>
+          </a:prstGeom>
+          <a:noFill/>
+        </p:spPr>
+        <p:txBody>
+          <a:bodyPr wrap="square" rtlCol="0">
+            <a:spAutoFit/>
+          </a:bodyPr>
+          <a:lstStyle/>
+          <a:p>
+            <a:r>
+              <a:rPr lang="en-US" sz="1651" dirty="0"/>
+              <a:t>Calm</a:t>
+            </a:r>
+          </a:p>
+        </p:txBody>
+      </p:sp>
+      <p:sp>
+        <p:nvSpPr>
+          <p:cNvPr id="29" name="TextBox 28">
+            <a:extLst>
+              <a:ext uri="{FF2B5EF4-FFF2-40B4-BE49-F238E27FC236}">
+                <a16:creationId xmlns:a16="http://schemas.microsoft.com/office/drawing/2014/main" id="{EEDFD96F-3113-9900-9F18-45290D1C0197}"/>
+              </a:ext>
+            </a:extLst>
+          </p:cNvPr>
+          <p:cNvSpPr txBox="1"/>
+          <p:nvPr/>
+        </p:nvSpPr>
+        <p:spPr>
+          <a:xfrm>
+            <a:off x="3034830" y="5254050"/>
+            <a:ext cx="1045892" cy="346377"/>
+          </a:xfrm>
+          <a:prstGeom prst="rect">
+            <a:avLst/>
+          </a:prstGeom>
+          <a:noFill/>
+        </p:spPr>
+        <p:txBody>
+          <a:bodyPr wrap="square" rtlCol="0">
+            <a:spAutoFit/>
+          </a:bodyPr>
+          <a:lstStyle/>
+          <a:p>
+            <a:pPr algn="ctr"/>
+            <a:r>
+              <a:rPr lang="en-US" sz="1651" dirty="0"/>
+              <a:t>Loud</a:t>
+            </a:r>
+          </a:p>
+        </p:txBody>
+      </p:sp>
+      <p:sp>
+        <p:nvSpPr>
+          <p:cNvPr id="30" name="TextBox 29">
+            <a:extLst>
+              <a:ext uri="{FF2B5EF4-FFF2-40B4-BE49-F238E27FC236}">
+                <a16:creationId xmlns:a16="http://schemas.microsoft.com/office/drawing/2014/main" id="{0DB8DD0D-ABF0-9F3D-B91D-5C13869F405F}"/>
+              </a:ext>
+            </a:extLst>
+          </p:cNvPr>
+          <p:cNvSpPr txBox="1"/>
+          <p:nvPr/>
+        </p:nvSpPr>
+        <p:spPr>
+          <a:xfrm>
+            <a:off x="5606277" y="5267110"/>
+            <a:ext cx="884475" cy="346377"/>
+          </a:xfrm>
+          <a:prstGeom prst="rect">
+            <a:avLst/>
+          </a:prstGeom>
+          <a:noFill/>
+        </p:spPr>
+        <p:txBody>
+          <a:bodyPr wrap="square" rtlCol="0">
+            <a:spAutoFit/>
+          </a:bodyPr>
+          <a:lstStyle/>
+          <a:p>
+            <a:r>
+              <a:rPr lang="en-US" sz="1651" dirty="0"/>
+              <a:t>Painful</a:t>
+            </a:r>
+          </a:p>
+        </p:txBody>
+      </p:sp>
+      <p:sp>
+        <p:nvSpPr>
+          <p:cNvPr id="31" name="TextBox 30">
+            <a:extLst>
+              <a:ext uri="{FF2B5EF4-FFF2-40B4-BE49-F238E27FC236}">
+                <a16:creationId xmlns:a16="http://schemas.microsoft.com/office/drawing/2014/main" id="{091938BE-CD0C-A775-D84C-2722F6A1FA69}"/>
+              </a:ext>
+            </a:extLst>
+          </p:cNvPr>
+          <p:cNvSpPr txBox="1"/>
+          <p:nvPr/>
+        </p:nvSpPr>
+        <p:spPr>
+          <a:xfrm>
+            <a:off x="624799" y="6290261"/>
+            <a:ext cx="884475" cy="346377"/>
+          </a:xfrm>
+          <a:prstGeom prst="rect">
+            <a:avLst/>
+          </a:prstGeom>
+          <a:noFill/>
+        </p:spPr>
+        <p:txBody>
+          <a:bodyPr wrap="square" rtlCol="0">
+            <a:spAutoFit/>
+          </a:bodyPr>
+          <a:lstStyle/>
+          <a:p>
+            <a:r>
+              <a:rPr lang="en-US" sz="1651" dirty="0"/>
+              <a:t>30</a:t>
+            </a:r>
+          </a:p>
+        </p:txBody>
+      </p:sp>
+      <p:sp>
+        <p:nvSpPr>
+          <p:cNvPr id="32" name="TextBox 31">
+            <a:extLst>
+              <a:ext uri="{FF2B5EF4-FFF2-40B4-BE49-F238E27FC236}">
+                <a16:creationId xmlns:a16="http://schemas.microsoft.com/office/drawing/2014/main" id="{86089865-3117-C6A3-7DB6-DDF60D14D061}"/>
+              </a:ext>
+            </a:extLst>
+          </p:cNvPr>
+          <p:cNvSpPr txBox="1"/>
+          <p:nvPr/>
+        </p:nvSpPr>
+        <p:spPr>
+          <a:xfrm>
+            <a:off x="3115538" y="6294338"/>
+            <a:ext cx="884475" cy="346377"/>
+          </a:xfrm>
+          <a:prstGeom prst="rect">
+            <a:avLst/>
+          </a:prstGeom>
+          <a:noFill/>
+        </p:spPr>
+        <p:txBody>
+          <a:bodyPr wrap="square" rtlCol="0">
+            <a:spAutoFit/>
+          </a:bodyPr>
+          <a:lstStyle/>
+          <a:p>
+            <a:pPr algn="ctr"/>
+            <a:r>
+              <a:rPr lang="en-US" sz="1651" dirty="0"/>
+              <a:t>85</a:t>
+            </a:r>
+          </a:p>
+        </p:txBody>
+      </p:sp>
+      <p:sp>
+        <p:nvSpPr>
+          <p:cNvPr id="33" name="TextBox 32">
+            <a:extLst>
+              <a:ext uri="{FF2B5EF4-FFF2-40B4-BE49-F238E27FC236}">
+                <a16:creationId xmlns:a16="http://schemas.microsoft.com/office/drawing/2014/main" id="{30C257B7-54FE-162E-0773-2C972408DDB6}"/>
+              </a:ext>
+            </a:extLst>
+          </p:cNvPr>
+          <p:cNvSpPr txBox="1"/>
+          <p:nvPr/>
+        </p:nvSpPr>
+        <p:spPr>
+          <a:xfrm>
+            <a:off x="5832476" y="6290261"/>
+            <a:ext cx="884475" cy="346377"/>
+          </a:xfrm>
+          <a:prstGeom prst="rect">
+            <a:avLst/>
+          </a:prstGeom>
+          <a:noFill/>
+        </p:spPr>
+        <p:txBody>
+          <a:bodyPr wrap="square" rtlCol="0">
+            <a:spAutoFit/>
+          </a:bodyPr>
+          <a:lstStyle/>
+          <a:p>
+            <a:r>
+              <a:rPr lang="en-US" sz="1651" dirty="0"/>
+              <a:t>140</a:t>
             </a:r>
           </a:p>
         </p:txBody>
@@ -4646,6 +5212,156 @@
     <p:extLst>
       <p:ext uri="{BB962C8B-B14F-4D97-AF65-F5344CB8AC3E}">
         <p14:creationId xmlns:p14="http://schemas.microsoft.com/office/powerpoint/2010/main" val="801495850"/>
+      </p:ext>
+    </p:extLst>
+  </p:cSld>
+  <p:clrMapOvr>
+    <a:masterClrMapping/>
+  </p:clrMapOvr>
+</p:sld>
+</file>
+
+<file path=ppt/slides/slide2.xml><?xml version="1.0" encoding="utf-8"?>
+<p:sld xmlns:a="http://schemas.openxmlformats.org/drawingml/2006/main" xmlns:r="http://schemas.openxmlformats.org/officeDocument/2006/relationships" xmlns:p="http://schemas.openxmlformats.org/presentationml/2006/main">
+  <p:cSld>
+    <p:spTree>
+      <p:nvGrpSpPr>
+        <p:cNvPr id="1" name=""/>
+        <p:cNvGrpSpPr/>
+        <p:nvPr/>
+      </p:nvGrpSpPr>
+      <p:grpSpPr>
+        <a:xfrm>
+          <a:off x="0" y="0"/>
+          <a:ext cx="0" cy="0"/>
+          <a:chOff x="0" y="0"/>
+          <a:chExt cx="0" cy="0"/>
+        </a:xfrm>
+      </p:grpSpPr>
+      <p:pic>
+        <p:nvPicPr>
+          <p:cNvPr id="12" name="Picture 11">
+            <a:extLst>
+              <a:ext uri="{FF2B5EF4-FFF2-40B4-BE49-F238E27FC236}">
+                <a16:creationId xmlns:a16="http://schemas.microsoft.com/office/drawing/2014/main" id="{5F06750A-7EAD-33AB-2CBE-C7EB5282BFDC}"/>
+              </a:ext>
+            </a:extLst>
+          </p:cNvPr>
+          <p:cNvPicPr>
+            <a:picLocks noChangeAspect="1"/>
+          </p:cNvPicPr>
+          <p:nvPr/>
+        </p:nvPicPr>
+        <p:blipFill>
+          <a:blip r:embed="rId2"/>
+          <a:stretch>
+            <a:fillRect/>
+          </a:stretch>
+        </p:blipFill>
+        <p:spPr>
+          <a:xfrm>
+            <a:off x="564622" y="157163"/>
+            <a:ext cx="6108700" cy="1485900"/>
+          </a:xfrm>
+          <a:prstGeom prst="rect">
+            <a:avLst/>
+          </a:prstGeom>
+        </p:spPr>
+      </p:pic>
+      <p:pic>
+        <p:nvPicPr>
+          <p:cNvPr id="21" name="Picture 20">
+            <a:extLst>
+              <a:ext uri="{FF2B5EF4-FFF2-40B4-BE49-F238E27FC236}">
+                <a16:creationId xmlns:a16="http://schemas.microsoft.com/office/drawing/2014/main" id="{6B533B4F-D25A-A3CE-8232-827B07122CF7}"/>
+              </a:ext>
+            </a:extLst>
+          </p:cNvPr>
+          <p:cNvPicPr>
+            <a:picLocks noChangeAspect="1"/>
+          </p:cNvPicPr>
+          <p:nvPr/>
+        </p:nvPicPr>
+        <p:blipFill>
+          <a:blip r:embed="rId3"/>
+          <a:stretch>
+            <a:fillRect/>
+          </a:stretch>
+        </p:blipFill>
+        <p:spPr>
+          <a:xfrm>
+            <a:off x="518055" y="1731962"/>
+            <a:ext cx="6197600" cy="1485900"/>
+          </a:xfrm>
+          <a:prstGeom prst="rect">
+            <a:avLst/>
+          </a:prstGeom>
+        </p:spPr>
+      </p:pic>
+      <p:pic>
+        <p:nvPicPr>
+          <p:cNvPr id="30" name="Picture 29">
+            <a:extLst>
+              <a:ext uri="{FF2B5EF4-FFF2-40B4-BE49-F238E27FC236}">
+                <a16:creationId xmlns:a16="http://schemas.microsoft.com/office/drawing/2014/main" id="{7FCE39AA-D34B-44D6-3D56-70E882F53E9A}"/>
+              </a:ext>
+            </a:extLst>
+          </p:cNvPr>
+          <p:cNvPicPr>
+            <a:picLocks noChangeAspect="1"/>
+          </p:cNvPicPr>
+          <p:nvPr/>
+        </p:nvPicPr>
+        <p:blipFill>
+          <a:blip r:embed="rId4"/>
+          <a:stretch>
+            <a:fillRect/>
+          </a:stretch>
+        </p:blipFill>
+        <p:spPr>
+          <a:xfrm>
+            <a:off x="564622" y="3306761"/>
+            <a:ext cx="6134100" cy="1485900"/>
+          </a:xfrm>
+          <a:prstGeom prst="rect">
+            <a:avLst/>
+          </a:prstGeom>
+        </p:spPr>
+      </p:pic>
+      <p:pic>
+        <p:nvPicPr>
+          <p:cNvPr id="39" name="Picture 38">
+            <a:extLst>
+              <a:ext uri="{FF2B5EF4-FFF2-40B4-BE49-F238E27FC236}">
+                <a16:creationId xmlns:a16="http://schemas.microsoft.com/office/drawing/2014/main" id="{1258A759-261A-E991-1CBA-6A307F55B8AB}"/>
+              </a:ext>
+            </a:extLst>
+          </p:cNvPr>
+          <p:cNvPicPr>
+            <a:picLocks noChangeAspect="1"/>
+          </p:cNvPicPr>
+          <p:nvPr/>
+        </p:nvPicPr>
+        <p:blipFill>
+          <a:blip r:embed="rId5"/>
+          <a:stretch>
+            <a:fillRect/>
+          </a:stretch>
+        </p:blipFill>
+        <p:spPr>
+          <a:xfrm>
+            <a:off x="547688" y="4881561"/>
+            <a:ext cx="6134100" cy="1485900"/>
+          </a:xfrm>
+          <a:prstGeom prst="rect">
+            <a:avLst/>
+          </a:prstGeom>
+        </p:spPr>
+      </p:pic>
+    </p:spTree>
+    <p:extLst>
+      <p:ext uri="{BB962C8B-B14F-4D97-AF65-F5344CB8AC3E}">
+        <p14:creationId xmlns:p14="http://schemas.microsoft.com/office/powerpoint/2010/main" val="3860785994"/>
       </p:ext>
     </p:extLst>
   </p:cSld>

--- a/Resource/Document/Scale.pptx
+++ b/Resource/Document/Scale.pptx
@@ -6,7 +6,8 @@
   </p:sldMasterIdLst>
   <p:sldIdLst>
     <p:sldId id="256" r:id="rId2"/>
-    <p:sldId id="257" r:id="rId3"/>
+    <p:sldId id="258" r:id="rId3"/>
+    <p:sldId id="257" r:id="rId4"/>
   </p:sldIdLst>
   <p:sldSz cx="6858000" cy="9906000" type="A4"/>
   <p:notesSz cx="6858000" cy="9144000"/>
@@ -2972,289 +2973,6 @@
           <a:chExt cx="0" cy="0"/>
         </a:xfrm>
       </p:grpSpPr>
-      <p:graphicFrame>
-        <p:nvGraphicFramePr>
-          <p:cNvPr id="4" name="Table 4">
-            <a:extLst>
-              <a:ext uri="{FF2B5EF4-FFF2-40B4-BE49-F238E27FC236}">
-                <a16:creationId xmlns:a16="http://schemas.microsoft.com/office/drawing/2014/main" id="{E1500B83-0758-9C78-5BBE-D5FCDE207C25}"/>
-              </a:ext>
-            </a:extLst>
-          </p:cNvPr>
-          <p:cNvGraphicFramePr>
-            <a:graphicFrameLocks noGrp="1"/>
-          </p:cNvGraphicFramePr>
-          <p:nvPr>
-            <p:extLst>
-              <p:ext uri="{D42A27DB-BD31-4B8C-83A1-F6EECF244321}">
-                <p14:modId xmlns:p14="http://schemas.microsoft.com/office/powerpoint/2010/main" val="2658150595"/>
-              </p:ext>
-            </p:extLst>
-          </p:nvPr>
-        </p:nvGraphicFramePr>
-        <p:xfrm>
-          <a:off x="624799" y="348030"/>
-          <a:ext cx="5627090" cy="340150"/>
-        </p:xfrm>
-        <a:graphic>
-          <a:graphicData uri="http://schemas.openxmlformats.org/drawingml/2006/table">
-            <a:tbl>
-              <a:tblPr firstRow="1" bandRow="1">
-                <a:tableStyleId>{5C22544A-7EE6-4342-B048-85BDC9FD1C3A}</a:tableStyleId>
-              </a:tblPr>
-              <a:tblGrid>
-                <a:gridCol w="562709">
-                  <a:extLst>
-                    <a:ext uri="{9D8B030D-6E8A-4147-A177-3AD203B41FA5}">
-                      <a16:colId xmlns:a16="http://schemas.microsoft.com/office/drawing/2014/main" val="884139243"/>
-                    </a:ext>
-                  </a:extLst>
-                </a:gridCol>
-                <a:gridCol w="562709">
-                  <a:extLst>
-                    <a:ext uri="{9D8B030D-6E8A-4147-A177-3AD203B41FA5}">
-                      <a16:colId xmlns:a16="http://schemas.microsoft.com/office/drawing/2014/main" val="289626378"/>
-                    </a:ext>
-                  </a:extLst>
-                </a:gridCol>
-                <a:gridCol w="562709">
-                  <a:extLst>
-                    <a:ext uri="{9D8B030D-6E8A-4147-A177-3AD203B41FA5}">
-                      <a16:colId xmlns:a16="http://schemas.microsoft.com/office/drawing/2014/main" val="2312666239"/>
-                    </a:ext>
-                  </a:extLst>
-                </a:gridCol>
-                <a:gridCol w="562709">
-                  <a:extLst>
-                    <a:ext uri="{9D8B030D-6E8A-4147-A177-3AD203B41FA5}">
-                      <a16:colId xmlns:a16="http://schemas.microsoft.com/office/drawing/2014/main" val="2017459447"/>
-                    </a:ext>
-                  </a:extLst>
-                </a:gridCol>
-                <a:gridCol w="562709">
-                  <a:extLst>
-                    <a:ext uri="{9D8B030D-6E8A-4147-A177-3AD203B41FA5}">
-                      <a16:colId xmlns:a16="http://schemas.microsoft.com/office/drawing/2014/main" val="1377533510"/>
-                    </a:ext>
-                  </a:extLst>
-                </a:gridCol>
-                <a:gridCol w="562709">
-                  <a:extLst>
-                    <a:ext uri="{9D8B030D-6E8A-4147-A177-3AD203B41FA5}">
-                      <a16:colId xmlns:a16="http://schemas.microsoft.com/office/drawing/2014/main" val="414672738"/>
-                    </a:ext>
-                  </a:extLst>
-                </a:gridCol>
-                <a:gridCol w="562709">
-                  <a:extLst>
-                    <a:ext uri="{9D8B030D-6E8A-4147-A177-3AD203B41FA5}">
-                      <a16:colId xmlns:a16="http://schemas.microsoft.com/office/drawing/2014/main" val="3551905731"/>
-                    </a:ext>
-                  </a:extLst>
-                </a:gridCol>
-                <a:gridCol w="562709">
-                  <a:extLst>
-                    <a:ext uri="{9D8B030D-6E8A-4147-A177-3AD203B41FA5}">
-                      <a16:colId xmlns:a16="http://schemas.microsoft.com/office/drawing/2014/main" val="3135500250"/>
-                    </a:ext>
-                  </a:extLst>
-                </a:gridCol>
-                <a:gridCol w="562709">
-                  <a:extLst>
-                    <a:ext uri="{9D8B030D-6E8A-4147-A177-3AD203B41FA5}">
-                      <a16:colId xmlns:a16="http://schemas.microsoft.com/office/drawing/2014/main" val="2526086325"/>
-                    </a:ext>
-                  </a:extLst>
-                </a:gridCol>
-                <a:gridCol w="562709">
-                  <a:extLst>
-                    <a:ext uri="{9D8B030D-6E8A-4147-A177-3AD203B41FA5}">
-                      <a16:colId xmlns:a16="http://schemas.microsoft.com/office/drawing/2014/main" val="1437496442"/>
-                    </a:ext>
-                  </a:extLst>
-                </a:gridCol>
-              </a:tblGrid>
-              <a:tr h="340150">
-                <a:tc>
-                  <a:txBody>
-                    <a:bodyPr/>
-                    <a:lstStyle/>
-                    <a:p>
-                      <a:endParaRPr lang="en-US" sz="1200" dirty="0"/>
-                    </a:p>
-                  </a:txBody>
-                  <a:tcPr marL="83873" marR="83873" marT="41936" marB="41936">
-                    <a:solidFill>
-                      <a:schemeClr val="tx1">
-                        <a:lumMod val="65000"/>
-                        <a:lumOff val="35000"/>
-                      </a:schemeClr>
-                    </a:solidFill>
-                  </a:tcPr>
-                </a:tc>
-                <a:tc>
-                  <a:txBody>
-                    <a:bodyPr/>
-                    <a:lstStyle/>
-                    <a:p>
-                      <a:endParaRPr lang="en-US" sz="1200"/>
-                    </a:p>
-                  </a:txBody>
-                  <a:tcPr marL="83873" marR="83873" marT="41936" marB="41936">
-                    <a:solidFill>
-                      <a:schemeClr val="tx1">
-                        <a:lumMod val="65000"/>
-                        <a:lumOff val="35000"/>
-                      </a:schemeClr>
-                    </a:solidFill>
-                  </a:tcPr>
-                </a:tc>
-                <a:tc>
-                  <a:txBody>
-                    <a:bodyPr/>
-                    <a:lstStyle/>
-                    <a:p>
-                      <a:endParaRPr lang="en-US" sz="1200"/>
-                    </a:p>
-                  </a:txBody>
-                  <a:tcPr marL="83873" marR="83873" marT="41936" marB="41936">
-                    <a:solidFill>
-                      <a:schemeClr val="tx1">
-                        <a:lumMod val="65000"/>
-                        <a:lumOff val="35000"/>
-                      </a:schemeClr>
-                    </a:solidFill>
-                  </a:tcPr>
-                </a:tc>
-                <a:tc>
-                  <a:txBody>
-                    <a:bodyPr/>
-                    <a:lstStyle/>
-                    <a:p>
-                      <a:endParaRPr lang="en-US" sz="1200" dirty="0"/>
-                    </a:p>
-                  </a:txBody>
-                  <a:tcPr marL="83873" marR="83873" marT="41936" marB="41936">
-                    <a:solidFill>
-                      <a:schemeClr val="tx1">
-                        <a:lumMod val="65000"/>
-                        <a:lumOff val="35000"/>
-                      </a:schemeClr>
-                    </a:solidFill>
-                  </a:tcPr>
-                </a:tc>
-                <a:tc>
-                  <a:txBody>
-                    <a:bodyPr/>
-                    <a:lstStyle/>
-                    <a:p>
-                      <a:endParaRPr lang="en-US" sz="1200"/>
-                    </a:p>
-                  </a:txBody>
-                  <a:tcPr marL="83873" marR="83873" marT="41936" marB="41936">
-                    <a:solidFill>
-                      <a:schemeClr val="tx1">
-                        <a:lumMod val="65000"/>
-                        <a:lumOff val="35000"/>
-                      </a:schemeClr>
-                    </a:solidFill>
-                  </a:tcPr>
-                </a:tc>
-                <a:tc>
-                  <a:txBody>
-                    <a:bodyPr/>
-                    <a:lstStyle/>
-                    <a:p>
-                      <a:endParaRPr lang="en-US" sz="1200" dirty="0"/>
-                    </a:p>
-                  </a:txBody>
-                  <a:tcPr marL="83873" marR="83873" marT="41936" marB="41936">
-                    <a:solidFill>
-                      <a:schemeClr val="tx1">
-                        <a:lumMod val="65000"/>
-                        <a:lumOff val="35000"/>
-                      </a:schemeClr>
-                    </a:solidFill>
-                  </a:tcPr>
-                </a:tc>
-                <a:tc>
-                  <a:txBody>
-                    <a:bodyPr/>
-                    <a:lstStyle/>
-                    <a:p>
-                      <a:endParaRPr lang="en-US" sz="1200" dirty="0"/>
-                    </a:p>
-                  </a:txBody>
-                  <a:tcPr marL="83873" marR="83873" marT="41936" marB="41936">
-                    <a:solidFill>
-                      <a:schemeClr val="tx1">
-                        <a:lumMod val="65000"/>
-                        <a:lumOff val="35000"/>
-                      </a:schemeClr>
-                    </a:solidFill>
-                  </a:tcPr>
-                </a:tc>
-                <a:tc>
-                  <a:txBody>
-                    <a:bodyPr/>
-                    <a:lstStyle/>
-                    <a:p>
-                      <a:endParaRPr lang="en-US" sz="1200"/>
-                    </a:p>
-                  </a:txBody>
-                  <a:tcPr marL="83873" marR="83873" marT="41936" marB="41936">
-                    <a:solidFill>
-                      <a:schemeClr val="tx1">
-                        <a:lumMod val="65000"/>
-                        <a:lumOff val="35000"/>
-                      </a:schemeClr>
-                    </a:solidFill>
-                  </a:tcPr>
-                </a:tc>
-                <a:tc>
-                  <a:txBody>
-                    <a:bodyPr/>
-                    <a:lstStyle/>
-                    <a:p>
-                      <a:endParaRPr lang="en-US" sz="1200"/>
-                    </a:p>
-                  </a:txBody>
-                  <a:tcPr marL="83873" marR="83873" marT="41936" marB="41936">
-                    <a:solidFill>
-                      <a:schemeClr val="tx1">
-                        <a:lumMod val="65000"/>
-                        <a:lumOff val="35000"/>
-                      </a:schemeClr>
-                    </a:solidFill>
-                  </a:tcPr>
-                </a:tc>
-                <a:tc>
-                  <a:txBody>
-                    <a:bodyPr/>
-                    <a:lstStyle/>
-                    <a:p>
-                      <a:endParaRPr lang="en-US" sz="1200" dirty="0"/>
-                    </a:p>
-                  </a:txBody>
-                  <a:tcPr marL="83873" marR="83873" marT="41936" marB="41936">
-                    <a:solidFill>
-                      <a:schemeClr val="tx1">
-                        <a:lumMod val="65000"/>
-                        <a:lumOff val="35000"/>
-                      </a:schemeClr>
-                    </a:solidFill>
-                  </a:tcPr>
-                </a:tc>
-                <a:extLst>
-                  <a:ext uri="{0D108BD9-81ED-4DB2-BD59-A6C34878D82A}">
-                    <a16:rowId xmlns:a16="http://schemas.microsoft.com/office/drawing/2014/main" val="2733152935"/>
-                  </a:ext>
-                </a:extLst>
-              </a:tr>
-            </a:tbl>
-          </a:graphicData>
-        </a:graphic>
-      </p:graphicFrame>
       <p:sp>
         <p:nvSpPr>
           <p:cNvPr id="5" name="Rectangle 4">
@@ -3269,7 +2987,7 @@
         </p:nvSpPr>
         <p:spPr>
           <a:xfrm>
-            <a:off x="624799" y="706707"/>
+            <a:off x="624798" y="621886"/>
             <a:ext cx="5627089" cy="320241"/>
           </a:xfrm>
           <a:prstGeom prst="rect">
@@ -3425,289 +3143,6 @@
           </a:p>
         </p:txBody>
       </p:sp>
-      <p:graphicFrame>
-        <p:nvGraphicFramePr>
-          <p:cNvPr id="9" name="Table 4">
-            <a:extLst>
-              <a:ext uri="{FF2B5EF4-FFF2-40B4-BE49-F238E27FC236}">
-                <a16:creationId xmlns:a16="http://schemas.microsoft.com/office/drawing/2014/main" id="{189F9322-6E21-83C3-46B3-A03899B9C35B}"/>
-              </a:ext>
-            </a:extLst>
-          </p:cNvPr>
-          <p:cNvGraphicFramePr>
-            <a:graphicFrameLocks noGrp="1"/>
-          </p:cNvGraphicFramePr>
-          <p:nvPr>
-            <p:extLst>
-              <p:ext uri="{D42A27DB-BD31-4B8C-83A1-F6EECF244321}">
-                <p14:modId xmlns:p14="http://schemas.microsoft.com/office/powerpoint/2010/main" val="1757600033"/>
-              </p:ext>
-            </p:extLst>
-          </p:nvPr>
-        </p:nvGraphicFramePr>
-        <p:xfrm>
-          <a:off x="624799" y="2085763"/>
-          <a:ext cx="5627090" cy="340150"/>
-        </p:xfrm>
-        <a:graphic>
-          <a:graphicData uri="http://schemas.openxmlformats.org/drawingml/2006/table">
-            <a:tbl>
-              <a:tblPr firstRow="1" bandRow="1">
-                <a:tableStyleId>{5C22544A-7EE6-4342-B048-85BDC9FD1C3A}</a:tableStyleId>
-              </a:tblPr>
-              <a:tblGrid>
-                <a:gridCol w="562709">
-                  <a:extLst>
-                    <a:ext uri="{9D8B030D-6E8A-4147-A177-3AD203B41FA5}">
-                      <a16:colId xmlns:a16="http://schemas.microsoft.com/office/drawing/2014/main" val="884139243"/>
-                    </a:ext>
-                  </a:extLst>
-                </a:gridCol>
-                <a:gridCol w="562709">
-                  <a:extLst>
-                    <a:ext uri="{9D8B030D-6E8A-4147-A177-3AD203B41FA5}">
-                      <a16:colId xmlns:a16="http://schemas.microsoft.com/office/drawing/2014/main" val="289626378"/>
-                    </a:ext>
-                  </a:extLst>
-                </a:gridCol>
-                <a:gridCol w="562709">
-                  <a:extLst>
-                    <a:ext uri="{9D8B030D-6E8A-4147-A177-3AD203B41FA5}">
-                      <a16:colId xmlns:a16="http://schemas.microsoft.com/office/drawing/2014/main" val="2312666239"/>
-                    </a:ext>
-                  </a:extLst>
-                </a:gridCol>
-                <a:gridCol w="562709">
-                  <a:extLst>
-                    <a:ext uri="{9D8B030D-6E8A-4147-A177-3AD203B41FA5}">
-                      <a16:colId xmlns:a16="http://schemas.microsoft.com/office/drawing/2014/main" val="2017459447"/>
-                    </a:ext>
-                  </a:extLst>
-                </a:gridCol>
-                <a:gridCol w="562709">
-                  <a:extLst>
-                    <a:ext uri="{9D8B030D-6E8A-4147-A177-3AD203B41FA5}">
-                      <a16:colId xmlns:a16="http://schemas.microsoft.com/office/drawing/2014/main" val="1377533510"/>
-                    </a:ext>
-                  </a:extLst>
-                </a:gridCol>
-                <a:gridCol w="562709">
-                  <a:extLst>
-                    <a:ext uri="{9D8B030D-6E8A-4147-A177-3AD203B41FA5}">
-                      <a16:colId xmlns:a16="http://schemas.microsoft.com/office/drawing/2014/main" val="414672738"/>
-                    </a:ext>
-                  </a:extLst>
-                </a:gridCol>
-                <a:gridCol w="562709">
-                  <a:extLst>
-                    <a:ext uri="{9D8B030D-6E8A-4147-A177-3AD203B41FA5}">
-                      <a16:colId xmlns:a16="http://schemas.microsoft.com/office/drawing/2014/main" val="3551905731"/>
-                    </a:ext>
-                  </a:extLst>
-                </a:gridCol>
-                <a:gridCol w="562709">
-                  <a:extLst>
-                    <a:ext uri="{9D8B030D-6E8A-4147-A177-3AD203B41FA5}">
-                      <a16:colId xmlns:a16="http://schemas.microsoft.com/office/drawing/2014/main" val="3135500250"/>
-                    </a:ext>
-                  </a:extLst>
-                </a:gridCol>
-                <a:gridCol w="562709">
-                  <a:extLst>
-                    <a:ext uri="{9D8B030D-6E8A-4147-A177-3AD203B41FA5}">
-                      <a16:colId xmlns:a16="http://schemas.microsoft.com/office/drawing/2014/main" val="2526086325"/>
-                    </a:ext>
-                  </a:extLst>
-                </a:gridCol>
-                <a:gridCol w="562709">
-                  <a:extLst>
-                    <a:ext uri="{9D8B030D-6E8A-4147-A177-3AD203B41FA5}">
-                      <a16:colId xmlns:a16="http://schemas.microsoft.com/office/drawing/2014/main" val="1437496442"/>
-                    </a:ext>
-                  </a:extLst>
-                </a:gridCol>
-              </a:tblGrid>
-              <a:tr h="340150">
-                <a:tc>
-                  <a:txBody>
-                    <a:bodyPr/>
-                    <a:lstStyle/>
-                    <a:p>
-                      <a:endParaRPr lang="en-US" sz="1200" dirty="0"/>
-                    </a:p>
-                  </a:txBody>
-                  <a:tcPr marL="83873" marR="83873" marT="41936" marB="41936">
-                    <a:solidFill>
-                      <a:schemeClr val="tx1">
-                        <a:lumMod val="65000"/>
-                        <a:lumOff val="35000"/>
-                      </a:schemeClr>
-                    </a:solidFill>
-                  </a:tcPr>
-                </a:tc>
-                <a:tc>
-                  <a:txBody>
-                    <a:bodyPr/>
-                    <a:lstStyle/>
-                    <a:p>
-                      <a:endParaRPr lang="en-US" sz="1200"/>
-                    </a:p>
-                  </a:txBody>
-                  <a:tcPr marL="83873" marR="83873" marT="41936" marB="41936">
-                    <a:solidFill>
-                      <a:schemeClr val="tx1">
-                        <a:lumMod val="65000"/>
-                        <a:lumOff val="35000"/>
-                      </a:schemeClr>
-                    </a:solidFill>
-                  </a:tcPr>
-                </a:tc>
-                <a:tc>
-                  <a:txBody>
-                    <a:bodyPr/>
-                    <a:lstStyle/>
-                    <a:p>
-                      <a:endParaRPr lang="en-US" sz="1200"/>
-                    </a:p>
-                  </a:txBody>
-                  <a:tcPr marL="83873" marR="83873" marT="41936" marB="41936">
-                    <a:solidFill>
-                      <a:schemeClr val="tx1">
-                        <a:lumMod val="65000"/>
-                        <a:lumOff val="35000"/>
-                      </a:schemeClr>
-                    </a:solidFill>
-                  </a:tcPr>
-                </a:tc>
-                <a:tc>
-                  <a:txBody>
-                    <a:bodyPr/>
-                    <a:lstStyle/>
-                    <a:p>
-                      <a:endParaRPr lang="en-US" sz="1200" dirty="0"/>
-                    </a:p>
-                  </a:txBody>
-                  <a:tcPr marL="83873" marR="83873" marT="41936" marB="41936">
-                    <a:solidFill>
-                      <a:schemeClr val="tx1">
-                        <a:lumMod val="65000"/>
-                        <a:lumOff val="35000"/>
-                      </a:schemeClr>
-                    </a:solidFill>
-                  </a:tcPr>
-                </a:tc>
-                <a:tc>
-                  <a:txBody>
-                    <a:bodyPr/>
-                    <a:lstStyle/>
-                    <a:p>
-                      <a:endParaRPr lang="en-US" sz="1200"/>
-                    </a:p>
-                  </a:txBody>
-                  <a:tcPr marL="83873" marR="83873" marT="41936" marB="41936">
-                    <a:solidFill>
-                      <a:schemeClr val="tx1">
-                        <a:lumMod val="65000"/>
-                        <a:lumOff val="35000"/>
-                      </a:schemeClr>
-                    </a:solidFill>
-                  </a:tcPr>
-                </a:tc>
-                <a:tc>
-                  <a:txBody>
-                    <a:bodyPr/>
-                    <a:lstStyle/>
-                    <a:p>
-                      <a:endParaRPr lang="en-US" sz="1200" dirty="0"/>
-                    </a:p>
-                  </a:txBody>
-                  <a:tcPr marL="83873" marR="83873" marT="41936" marB="41936">
-                    <a:solidFill>
-                      <a:schemeClr val="tx1">
-                        <a:lumMod val="65000"/>
-                        <a:lumOff val="35000"/>
-                      </a:schemeClr>
-                    </a:solidFill>
-                  </a:tcPr>
-                </a:tc>
-                <a:tc>
-                  <a:txBody>
-                    <a:bodyPr/>
-                    <a:lstStyle/>
-                    <a:p>
-                      <a:endParaRPr lang="en-US" sz="1200" dirty="0"/>
-                    </a:p>
-                  </a:txBody>
-                  <a:tcPr marL="83873" marR="83873" marT="41936" marB="41936">
-                    <a:solidFill>
-                      <a:schemeClr val="tx1">
-                        <a:lumMod val="65000"/>
-                        <a:lumOff val="35000"/>
-                      </a:schemeClr>
-                    </a:solidFill>
-                  </a:tcPr>
-                </a:tc>
-                <a:tc>
-                  <a:txBody>
-                    <a:bodyPr/>
-                    <a:lstStyle/>
-                    <a:p>
-                      <a:endParaRPr lang="en-US" sz="1200"/>
-                    </a:p>
-                  </a:txBody>
-                  <a:tcPr marL="83873" marR="83873" marT="41936" marB="41936">
-                    <a:solidFill>
-                      <a:schemeClr val="tx1">
-                        <a:lumMod val="65000"/>
-                        <a:lumOff val="35000"/>
-                      </a:schemeClr>
-                    </a:solidFill>
-                  </a:tcPr>
-                </a:tc>
-                <a:tc>
-                  <a:txBody>
-                    <a:bodyPr/>
-                    <a:lstStyle/>
-                    <a:p>
-                      <a:endParaRPr lang="en-US" sz="1200"/>
-                    </a:p>
-                  </a:txBody>
-                  <a:tcPr marL="83873" marR="83873" marT="41936" marB="41936">
-                    <a:solidFill>
-                      <a:schemeClr val="tx1">
-                        <a:lumMod val="65000"/>
-                        <a:lumOff val="35000"/>
-                      </a:schemeClr>
-                    </a:solidFill>
-                  </a:tcPr>
-                </a:tc>
-                <a:tc>
-                  <a:txBody>
-                    <a:bodyPr/>
-                    <a:lstStyle/>
-                    <a:p>
-                      <a:endParaRPr lang="en-US" sz="1200" dirty="0"/>
-                    </a:p>
-                  </a:txBody>
-                  <a:tcPr marL="83873" marR="83873" marT="41936" marB="41936">
-                    <a:solidFill>
-                      <a:schemeClr val="tx1">
-                        <a:lumMod val="65000"/>
-                        <a:lumOff val="35000"/>
-                      </a:schemeClr>
-                    </a:solidFill>
-                  </a:tcPr>
-                </a:tc>
-                <a:extLst>
-                  <a:ext uri="{0D108BD9-81ED-4DB2-BD59-A6C34878D82A}">
-                    <a16:rowId xmlns:a16="http://schemas.microsoft.com/office/drawing/2014/main" val="2733152935"/>
-                  </a:ext>
-                </a:extLst>
-              </a:tr>
-            </a:tbl>
-          </a:graphicData>
-        </a:graphic>
-      </p:graphicFrame>
       <p:sp>
         <p:nvSpPr>
           <p:cNvPr id="10" name="Rectangle 9">
@@ -3722,7 +3157,7 @@
         </p:nvSpPr>
         <p:spPr>
           <a:xfrm>
-            <a:off x="624799" y="2444440"/>
+            <a:off x="647624" y="2274208"/>
             <a:ext cx="5627089" cy="320241"/>
           </a:xfrm>
           <a:prstGeom prst="rect">
@@ -3784,7 +3219,7 @@
         </p:nvSpPr>
         <p:spPr>
           <a:xfrm>
-            <a:off x="624799" y="1746997"/>
+            <a:off x="624795" y="1845859"/>
             <a:ext cx="884475" cy="346377"/>
           </a:xfrm>
           <a:prstGeom prst="rect">
@@ -3819,7 +3254,7 @@
         </p:nvSpPr>
         <p:spPr>
           <a:xfrm>
-            <a:off x="3162134" y="1746997"/>
+            <a:off x="3159007" y="1840947"/>
             <a:ext cx="884475" cy="346377"/>
           </a:xfrm>
           <a:prstGeom prst="rect">
@@ -3855,7 +3290,7 @@
         </p:nvSpPr>
         <p:spPr>
           <a:xfrm>
-            <a:off x="5606277" y="1746997"/>
+            <a:off x="5606276" y="1837912"/>
             <a:ext cx="884475" cy="346377"/>
           </a:xfrm>
           <a:prstGeom prst="rect">
@@ -3890,7 +3325,7 @@
         </p:nvSpPr>
         <p:spPr>
           <a:xfrm>
-            <a:off x="624799" y="2783207"/>
+            <a:off x="624797" y="2675331"/>
             <a:ext cx="884475" cy="346377"/>
           </a:xfrm>
           <a:prstGeom prst="rect">
@@ -3925,7 +3360,7 @@
         </p:nvSpPr>
         <p:spPr>
           <a:xfrm>
-            <a:off x="3162134" y="2787284"/>
+            <a:off x="3159007" y="2676667"/>
             <a:ext cx="884475" cy="346377"/>
           </a:xfrm>
           <a:prstGeom prst="rect">
@@ -3961,7 +3396,7 @@
         </p:nvSpPr>
         <p:spPr>
           <a:xfrm>
-            <a:off x="5897502" y="2783207"/>
+            <a:off x="5832476" y="2672482"/>
             <a:ext cx="884475" cy="346377"/>
           </a:xfrm>
           <a:prstGeom prst="rect">
@@ -3982,289 +3417,6 @@
           </a:p>
         </p:txBody>
       </p:sp>
-      <p:graphicFrame>
-        <p:nvGraphicFramePr>
-          <p:cNvPr id="17" name="Table 4">
-            <a:extLst>
-              <a:ext uri="{FF2B5EF4-FFF2-40B4-BE49-F238E27FC236}">
-                <a16:creationId xmlns:a16="http://schemas.microsoft.com/office/drawing/2014/main" id="{286F314F-F382-0E60-18E1-8E056B004A48}"/>
-              </a:ext>
-            </a:extLst>
-          </p:cNvPr>
-          <p:cNvGraphicFramePr>
-            <a:graphicFrameLocks noGrp="1"/>
-          </p:cNvGraphicFramePr>
-          <p:nvPr>
-            <p:extLst>
-              <p:ext uri="{D42A27DB-BD31-4B8C-83A1-F6EECF244321}">
-                <p14:modId xmlns:p14="http://schemas.microsoft.com/office/powerpoint/2010/main" val="1587840458"/>
-              </p:ext>
-            </p:extLst>
-          </p:nvPr>
-        </p:nvGraphicFramePr>
-        <p:xfrm>
-          <a:off x="624799" y="3832760"/>
-          <a:ext cx="5627090" cy="340150"/>
-        </p:xfrm>
-        <a:graphic>
-          <a:graphicData uri="http://schemas.openxmlformats.org/drawingml/2006/table">
-            <a:tbl>
-              <a:tblPr firstRow="1" bandRow="1">
-                <a:tableStyleId>{5C22544A-7EE6-4342-B048-85BDC9FD1C3A}</a:tableStyleId>
-              </a:tblPr>
-              <a:tblGrid>
-                <a:gridCol w="562709">
-                  <a:extLst>
-                    <a:ext uri="{9D8B030D-6E8A-4147-A177-3AD203B41FA5}">
-                      <a16:colId xmlns:a16="http://schemas.microsoft.com/office/drawing/2014/main" val="884139243"/>
-                    </a:ext>
-                  </a:extLst>
-                </a:gridCol>
-                <a:gridCol w="562709">
-                  <a:extLst>
-                    <a:ext uri="{9D8B030D-6E8A-4147-A177-3AD203B41FA5}">
-                      <a16:colId xmlns:a16="http://schemas.microsoft.com/office/drawing/2014/main" val="289626378"/>
-                    </a:ext>
-                  </a:extLst>
-                </a:gridCol>
-                <a:gridCol w="562709">
-                  <a:extLst>
-                    <a:ext uri="{9D8B030D-6E8A-4147-A177-3AD203B41FA5}">
-                      <a16:colId xmlns:a16="http://schemas.microsoft.com/office/drawing/2014/main" val="2312666239"/>
-                    </a:ext>
-                  </a:extLst>
-                </a:gridCol>
-                <a:gridCol w="562709">
-                  <a:extLst>
-                    <a:ext uri="{9D8B030D-6E8A-4147-A177-3AD203B41FA5}">
-                      <a16:colId xmlns:a16="http://schemas.microsoft.com/office/drawing/2014/main" val="2017459447"/>
-                    </a:ext>
-                  </a:extLst>
-                </a:gridCol>
-                <a:gridCol w="562709">
-                  <a:extLst>
-                    <a:ext uri="{9D8B030D-6E8A-4147-A177-3AD203B41FA5}">
-                      <a16:colId xmlns:a16="http://schemas.microsoft.com/office/drawing/2014/main" val="1377533510"/>
-                    </a:ext>
-                  </a:extLst>
-                </a:gridCol>
-                <a:gridCol w="562709">
-                  <a:extLst>
-                    <a:ext uri="{9D8B030D-6E8A-4147-A177-3AD203B41FA5}">
-                      <a16:colId xmlns:a16="http://schemas.microsoft.com/office/drawing/2014/main" val="414672738"/>
-                    </a:ext>
-                  </a:extLst>
-                </a:gridCol>
-                <a:gridCol w="562709">
-                  <a:extLst>
-                    <a:ext uri="{9D8B030D-6E8A-4147-A177-3AD203B41FA5}">
-                      <a16:colId xmlns:a16="http://schemas.microsoft.com/office/drawing/2014/main" val="3551905731"/>
-                    </a:ext>
-                  </a:extLst>
-                </a:gridCol>
-                <a:gridCol w="562709">
-                  <a:extLst>
-                    <a:ext uri="{9D8B030D-6E8A-4147-A177-3AD203B41FA5}">
-                      <a16:colId xmlns:a16="http://schemas.microsoft.com/office/drawing/2014/main" val="3135500250"/>
-                    </a:ext>
-                  </a:extLst>
-                </a:gridCol>
-                <a:gridCol w="562709">
-                  <a:extLst>
-                    <a:ext uri="{9D8B030D-6E8A-4147-A177-3AD203B41FA5}">
-                      <a16:colId xmlns:a16="http://schemas.microsoft.com/office/drawing/2014/main" val="2526086325"/>
-                    </a:ext>
-                  </a:extLst>
-                </a:gridCol>
-                <a:gridCol w="562709">
-                  <a:extLst>
-                    <a:ext uri="{9D8B030D-6E8A-4147-A177-3AD203B41FA5}">
-                      <a16:colId xmlns:a16="http://schemas.microsoft.com/office/drawing/2014/main" val="1437496442"/>
-                    </a:ext>
-                  </a:extLst>
-                </a:gridCol>
-              </a:tblGrid>
-              <a:tr h="340150">
-                <a:tc>
-                  <a:txBody>
-                    <a:bodyPr/>
-                    <a:lstStyle/>
-                    <a:p>
-                      <a:endParaRPr lang="en-US" sz="1200" dirty="0"/>
-                    </a:p>
-                  </a:txBody>
-                  <a:tcPr marL="83873" marR="83873" marT="41936" marB="41936">
-                    <a:solidFill>
-                      <a:schemeClr val="tx1">
-                        <a:lumMod val="65000"/>
-                        <a:lumOff val="35000"/>
-                      </a:schemeClr>
-                    </a:solidFill>
-                  </a:tcPr>
-                </a:tc>
-                <a:tc>
-                  <a:txBody>
-                    <a:bodyPr/>
-                    <a:lstStyle/>
-                    <a:p>
-                      <a:endParaRPr lang="en-US" sz="1200"/>
-                    </a:p>
-                  </a:txBody>
-                  <a:tcPr marL="83873" marR="83873" marT="41936" marB="41936">
-                    <a:solidFill>
-                      <a:schemeClr val="tx1">
-                        <a:lumMod val="65000"/>
-                        <a:lumOff val="35000"/>
-                      </a:schemeClr>
-                    </a:solidFill>
-                  </a:tcPr>
-                </a:tc>
-                <a:tc>
-                  <a:txBody>
-                    <a:bodyPr/>
-                    <a:lstStyle/>
-                    <a:p>
-                      <a:endParaRPr lang="en-US" sz="1200"/>
-                    </a:p>
-                  </a:txBody>
-                  <a:tcPr marL="83873" marR="83873" marT="41936" marB="41936">
-                    <a:solidFill>
-                      <a:schemeClr val="tx1">
-                        <a:lumMod val="65000"/>
-                        <a:lumOff val="35000"/>
-                      </a:schemeClr>
-                    </a:solidFill>
-                  </a:tcPr>
-                </a:tc>
-                <a:tc>
-                  <a:txBody>
-                    <a:bodyPr/>
-                    <a:lstStyle/>
-                    <a:p>
-                      <a:endParaRPr lang="en-US" sz="1200" dirty="0"/>
-                    </a:p>
-                  </a:txBody>
-                  <a:tcPr marL="83873" marR="83873" marT="41936" marB="41936">
-                    <a:solidFill>
-                      <a:schemeClr val="tx1">
-                        <a:lumMod val="65000"/>
-                        <a:lumOff val="35000"/>
-                      </a:schemeClr>
-                    </a:solidFill>
-                  </a:tcPr>
-                </a:tc>
-                <a:tc>
-                  <a:txBody>
-                    <a:bodyPr/>
-                    <a:lstStyle/>
-                    <a:p>
-                      <a:endParaRPr lang="en-US" sz="1200"/>
-                    </a:p>
-                  </a:txBody>
-                  <a:tcPr marL="83873" marR="83873" marT="41936" marB="41936">
-                    <a:solidFill>
-                      <a:schemeClr val="tx1">
-                        <a:lumMod val="65000"/>
-                        <a:lumOff val="35000"/>
-                      </a:schemeClr>
-                    </a:solidFill>
-                  </a:tcPr>
-                </a:tc>
-                <a:tc>
-                  <a:txBody>
-                    <a:bodyPr/>
-                    <a:lstStyle/>
-                    <a:p>
-                      <a:endParaRPr lang="en-US" sz="1200" dirty="0"/>
-                    </a:p>
-                  </a:txBody>
-                  <a:tcPr marL="83873" marR="83873" marT="41936" marB="41936">
-                    <a:solidFill>
-                      <a:schemeClr val="tx1">
-                        <a:lumMod val="65000"/>
-                        <a:lumOff val="35000"/>
-                      </a:schemeClr>
-                    </a:solidFill>
-                  </a:tcPr>
-                </a:tc>
-                <a:tc>
-                  <a:txBody>
-                    <a:bodyPr/>
-                    <a:lstStyle/>
-                    <a:p>
-                      <a:endParaRPr lang="en-US" sz="1200" dirty="0"/>
-                    </a:p>
-                  </a:txBody>
-                  <a:tcPr marL="83873" marR="83873" marT="41936" marB="41936">
-                    <a:solidFill>
-                      <a:schemeClr val="tx1">
-                        <a:lumMod val="65000"/>
-                        <a:lumOff val="35000"/>
-                      </a:schemeClr>
-                    </a:solidFill>
-                  </a:tcPr>
-                </a:tc>
-                <a:tc>
-                  <a:txBody>
-                    <a:bodyPr/>
-                    <a:lstStyle/>
-                    <a:p>
-                      <a:endParaRPr lang="en-US" sz="1200"/>
-                    </a:p>
-                  </a:txBody>
-                  <a:tcPr marL="83873" marR="83873" marT="41936" marB="41936">
-                    <a:solidFill>
-                      <a:schemeClr val="tx1">
-                        <a:lumMod val="65000"/>
-                        <a:lumOff val="35000"/>
-                      </a:schemeClr>
-                    </a:solidFill>
-                  </a:tcPr>
-                </a:tc>
-                <a:tc>
-                  <a:txBody>
-                    <a:bodyPr/>
-                    <a:lstStyle/>
-                    <a:p>
-                      <a:endParaRPr lang="en-US" sz="1200"/>
-                    </a:p>
-                  </a:txBody>
-                  <a:tcPr marL="83873" marR="83873" marT="41936" marB="41936">
-                    <a:solidFill>
-                      <a:schemeClr val="tx1">
-                        <a:lumMod val="65000"/>
-                        <a:lumOff val="35000"/>
-                      </a:schemeClr>
-                    </a:solidFill>
-                  </a:tcPr>
-                </a:tc>
-                <a:tc>
-                  <a:txBody>
-                    <a:bodyPr/>
-                    <a:lstStyle/>
-                    <a:p>
-                      <a:endParaRPr lang="en-US" sz="1200" dirty="0"/>
-                    </a:p>
-                  </a:txBody>
-                  <a:tcPr marL="83873" marR="83873" marT="41936" marB="41936">
-                    <a:solidFill>
-                      <a:schemeClr val="tx1">
-                        <a:lumMod val="65000"/>
-                        <a:lumOff val="35000"/>
-                      </a:schemeClr>
-                    </a:solidFill>
-                  </a:tcPr>
-                </a:tc>
-                <a:extLst>
-                  <a:ext uri="{0D108BD9-81ED-4DB2-BD59-A6C34878D82A}">
-                    <a16:rowId xmlns:a16="http://schemas.microsoft.com/office/drawing/2014/main" val="2733152935"/>
-                  </a:ext>
-                </a:extLst>
-              </a:tr>
-            </a:tbl>
-          </a:graphicData>
-        </a:graphic>
-      </p:graphicFrame>
       <p:sp>
         <p:nvSpPr>
           <p:cNvPr id="18" name="Rectangle 17">
@@ -4279,7 +3431,7 @@
         </p:nvSpPr>
         <p:spPr>
           <a:xfrm>
-            <a:off x="624799" y="4191436"/>
+            <a:off x="624798" y="3861108"/>
             <a:ext cx="5627089" cy="320241"/>
           </a:xfrm>
           <a:prstGeom prst="rect">
@@ -4344,7 +3496,7 @@
         </p:nvSpPr>
         <p:spPr>
           <a:xfrm>
-            <a:off x="624799" y="3493993"/>
+            <a:off x="624796" y="3405903"/>
             <a:ext cx="884475" cy="346377"/>
           </a:xfrm>
           <a:prstGeom prst="rect">
@@ -4379,7 +3531,7 @@
         </p:nvSpPr>
         <p:spPr>
           <a:xfrm>
-            <a:off x="3034830" y="3493993"/>
+            <a:off x="3031704" y="3405903"/>
             <a:ext cx="1045892" cy="346377"/>
           </a:xfrm>
           <a:prstGeom prst="rect">
@@ -4415,7 +3567,7 @@
         </p:nvSpPr>
         <p:spPr>
           <a:xfrm>
-            <a:off x="5746464" y="3507053"/>
+            <a:off x="5702876" y="3405903"/>
             <a:ext cx="884475" cy="346377"/>
           </a:xfrm>
           <a:prstGeom prst="rect">
@@ -4450,7 +3602,7 @@
         </p:nvSpPr>
         <p:spPr>
           <a:xfrm>
-            <a:off x="624799" y="4530204"/>
+            <a:off x="624794" y="4259987"/>
             <a:ext cx="884475" cy="346377"/>
           </a:xfrm>
           <a:prstGeom prst="rect">
@@ -4485,7 +3637,7 @@
         </p:nvSpPr>
         <p:spPr>
           <a:xfrm>
-            <a:off x="3115538" y="4534281"/>
+            <a:off x="3112412" y="4308628"/>
             <a:ext cx="884475" cy="346377"/>
           </a:xfrm>
           <a:prstGeom prst="rect">
@@ -4521,7 +3673,7 @@
         </p:nvSpPr>
         <p:spPr>
           <a:xfrm>
-            <a:off x="5832476" y="4530204"/>
+            <a:off x="5809650" y="4270571"/>
             <a:ext cx="884475" cy="346377"/>
           </a:xfrm>
           <a:prstGeom prst="rect">
@@ -4556,7 +3708,7 @@
         </p:nvSpPr>
         <p:spPr>
           <a:xfrm>
-            <a:off x="624799" y="0"/>
+            <a:off x="624798" y="197476"/>
             <a:ext cx="884475" cy="346377"/>
           </a:xfrm>
           <a:prstGeom prst="rect">
@@ -4591,7 +3743,7 @@
         </p:nvSpPr>
         <p:spPr>
           <a:xfrm>
-            <a:off x="3162134" y="0"/>
+            <a:off x="3162133" y="181931"/>
             <a:ext cx="884475" cy="346377"/>
           </a:xfrm>
           <a:prstGeom prst="rect">
@@ -4627,7 +3779,7 @@
         </p:nvSpPr>
         <p:spPr>
           <a:xfrm>
-            <a:off x="5809651" y="0"/>
+            <a:off x="5809650" y="199902"/>
             <a:ext cx="884475" cy="346377"/>
           </a:xfrm>
           <a:prstGeom prst="rect">
@@ -4648,289 +3800,6 @@
           </a:p>
         </p:txBody>
       </p:sp>
-      <p:graphicFrame>
-        <p:nvGraphicFramePr>
-          <p:cNvPr id="2" name="Table 4">
-            <a:extLst>
-              <a:ext uri="{FF2B5EF4-FFF2-40B4-BE49-F238E27FC236}">
-                <a16:creationId xmlns:a16="http://schemas.microsoft.com/office/drawing/2014/main" id="{50427550-C02A-8FFE-84A7-66334740FFA4}"/>
-              </a:ext>
-            </a:extLst>
-          </p:cNvPr>
-          <p:cNvGraphicFramePr>
-            <a:graphicFrameLocks noGrp="1"/>
-          </p:cNvGraphicFramePr>
-          <p:nvPr>
-            <p:extLst>
-              <p:ext uri="{D42A27DB-BD31-4B8C-83A1-F6EECF244321}">
-                <p14:modId xmlns:p14="http://schemas.microsoft.com/office/powerpoint/2010/main" val="1265331578"/>
-              </p:ext>
-            </p:extLst>
-          </p:nvPr>
-        </p:nvGraphicFramePr>
-        <p:xfrm>
-          <a:off x="624799" y="5592817"/>
-          <a:ext cx="5627090" cy="340150"/>
-        </p:xfrm>
-        <a:graphic>
-          <a:graphicData uri="http://schemas.openxmlformats.org/drawingml/2006/table">
-            <a:tbl>
-              <a:tblPr firstRow="1" bandRow="1">
-                <a:tableStyleId>{5C22544A-7EE6-4342-B048-85BDC9FD1C3A}</a:tableStyleId>
-              </a:tblPr>
-              <a:tblGrid>
-                <a:gridCol w="562709">
-                  <a:extLst>
-                    <a:ext uri="{9D8B030D-6E8A-4147-A177-3AD203B41FA5}">
-                      <a16:colId xmlns:a16="http://schemas.microsoft.com/office/drawing/2014/main" val="884139243"/>
-                    </a:ext>
-                  </a:extLst>
-                </a:gridCol>
-                <a:gridCol w="562709">
-                  <a:extLst>
-                    <a:ext uri="{9D8B030D-6E8A-4147-A177-3AD203B41FA5}">
-                      <a16:colId xmlns:a16="http://schemas.microsoft.com/office/drawing/2014/main" val="289626378"/>
-                    </a:ext>
-                  </a:extLst>
-                </a:gridCol>
-                <a:gridCol w="562709">
-                  <a:extLst>
-                    <a:ext uri="{9D8B030D-6E8A-4147-A177-3AD203B41FA5}">
-                      <a16:colId xmlns:a16="http://schemas.microsoft.com/office/drawing/2014/main" val="2312666239"/>
-                    </a:ext>
-                  </a:extLst>
-                </a:gridCol>
-                <a:gridCol w="562709">
-                  <a:extLst>
-                    <a:ext uri="{9D8B030D-6E8A-4147-A177-3AD203B41FA5}">
-                      <a16:colId xmlns:a16="http://schemas.microsoft.com/office/drawing/2014/main" val="2017459447"/>
-                    </a:ext>
-                  </a:extLst>
-                </a:gridCol>
-                <a:gridCol w="562709">
-                  <a:extLst>
-                    <a:ext uri="{9D8B030D-6E8A-4147-A177-3AD203B41FA5}">
-                      <a16:colId xmlns:a16="http://schemas.microsoft.com/office/drawing/2014/main" val="1377533510"/>
-                    </a:ext>
-                  </a:extLst>
-                </a:gridCol>
-                <a:gridCol w="562709">
-                  <a:extLst>
-                    <a:ext uri="{9D8B030D-6E8A-4147-A177-3AD203B41FA5}">
-                      <a16:colId xmlns:a16="http://schemas.microsoft.com/office/drawing/2014/main" val="414672738"/>
-                    </a:ext>
-                  </a:extLst>
-                </a:gridCol>
-                <a:gridCol w="562709">
-                  <a:extLst>
-                    <a:ext uri="{9D8B030D-6E8A-4147-A177-3AD203B41FA5}">
-                      <a16:colId xmlns:a16="http://schemas.microsoft.com/office/drawing/2014/main" val="3551905731"/>
-                    </a:ext>
-                  </a:extLst>
-                </a:gridCol>
-                <a:gridCol w="562709">
-                  <a:extLst>
-                    <a:ext uri="{9D8B030D-6E8A-4147-A177-3AD203B41FA5}">
-                      <a16:colId xmlns:a16="http://schemas.microsoft.com/office/drawing/2014/main" val="3135500250"/>
-                    </a:ext>
-                  </a:extLst>
-                </a:gridCol>
-                <a:gridCol w="562709">
-                  <a:extLst>
-                    <a:ext uri="{9D8B030D-6E8A-4147-A177-3AD203B41FA5}">
-                      <a16:colId xmlns:a16="http://schemas.microsoft.com/office/drawing/2014/main" val="2526086325"/>
-                    </a:ext>
-                  </a:extLst>
-                </a:gridCol>
-                <a:gridCol w="562709">
-                  <a:extLst>
-                    <a:ext uri="{9D8B030D-6E8A-4147-A177-3AD203B41FA5}">
-                      <a16:colId xmlns:a16="http://schemas.microsoft.com/office/drawing/2014/main" val="1437496442"/>
-                    </a:ext>
-                  </a:extLst>
-                </a:gridCol>
-              </a:tblGrid>
-              <a:tr h="340150">
-                <a:tc>
-                  <a:txBody>
-                    <a:bodyPr/>
-                    <a:lstStyle/>
-                    <a:p>
-                      <a:endParaRPr lang="en-US" sz="1200" dirty="0"/>
-                    </a:p>
-                  </a:txBody>
-                  <a:tcPr marL="83873" marR="83873" marT="41936" marB="41936">
-                    <a:solidFill>
-                      <a:schemeClr val="tx1">
-                        <a:lumMod val="65000"/>
-                        <a:lumOff val="35000"/>
-                      </a:schemeClr>
-                    </a:solidFill>
-                  </a:tcPr>
-                </a:tc>
-                <a:tc>
-                  <a:txBody>
-                    <a:bodyPr/>
-                    <a:lstStyle/>
-                    <a:p>
-                      <a:endParaRPr lang="en-US" sz="1200"/>
-                    </a:p>
-                  </a:txBody>
-                  <a:tcPr marL="83873" marR="83873" marT="41936" marB="41936">
-                    <a:solidFill>
-                      <a:schemeClr val="tx1">
-                        <a:lumMod val="65000"/>
-                        <a:lumOff val="35000"/>
-                      </a:schemeClr>
-                    </a:solidFill>
-                  </a:tcPr>
-                </a:tc>
-                <a:tc>
-                  <a:txBody>
-                    <a:bodyPr/>
-                    <a:lstStyle/>
-                    <a:p>
-                      <a:endParaRPr lang="en-US" sz="1200"/>
-                    </a:p>
-                  </a:txBody>
-                  <a:tcPr marL="83873" marR="83873" marT="41936" marB="41936">
-                    <a:solidFill>
-                      <a:schemeClr val="tx1">
-                        <a:lumMod val="65000"/>
-                        <a:lumOff val="35000"/>
-                      </a:schemeClr>
-                    </a:solidFill>
-                  </a:tcPr>
-                </a:tc>
-                <a:tc>
-                  <a:txBody>
-                    <a:bodyPr/>
-                    <a:lstStyle/>
-                    <a:p>
-                      <a:endParaRPr lang="en-US" sz="1200" dirty="0"/>
-                    </a:p>
-                  </a:txBody>
-                  <a:tcPr marL="83873" marR="83873" marT="41936" marB="41936">
-                    <a:solidFill>
-                      <a:schemeClr val="tx1">
-                        <a:lumMod val="65000"/>
-                        <a:lumOff val="35000"/>
-                      </a:schemeClr>
-                    </a:solidFill>
-                  </a:tcPr>
-                </a:tc>
-                <a:tc>
-                  <a:txBody>
-                    <a:bodyPr/>
-                    <a:lstStyle/>
-                    <a:p>
-                      <a:endParaRPr lang="en-US" sz="1200"/>
-                    </a:p>
-                  </a:txBody>
-                  <a:tcPr marL="83873" marR="83873" marT="41936" marB="41936">
-                    <a:solidFill>
-                      <a:schemeClr val="tx1">
-                        <a:lumMod val="65000"/>
-                        <a:lumOff val="35000"/>
-                      </a:schemeClr>
-                    </a:solidFill>
-                  </a:tcPr>
-                </a:tc>
-                <a:tc>
-                  <a:txBody>
-                    <a:bodyPr/>
-                    <a:lstStyle/>
-                    <a:p>
-                      <a:endParaRPr lang="en-US" sz="1200" dirty="0"/>
-                    </a:p>
-                  </a:txBody>
-                  <a:tcPr marL="83873" marR="83873" marT="41936" marB="41936">
-                    <a:solidFill>
-                      <a:schemeClr val="tx1">
-                        <a:lumMod val="65000"/>
-                        <a:lumOff val="35000"/>
-                      </a:schemeClr>
-                    </a:solidFill>
-                  </a:tcPr>
-                </a:tc>
-                <a:tc>
-                  <a:txBody>
-                    <a:bodyPr/>
-                    <a:lstStyle/>
-                    <a:p>
-                      <a:endParaRPr lang="en-US" sz="1200" dirty="0"/>
-                    </a:p>
-                  </a:txBody>
-                  <a:tcPr marL="83873" marR="83873" marT="41936" marB="41936">
-                    <a:solidFill>
-                      <a:schemeClr val="tx1">
-                        <a:lumMod val="65000"/>
-                        <a:lumOff val="35000"/>
-                      </a:schemeClr>
-                    </a:solidFill>
-                  </a:tcPr>
-                </a:tc>
-                <a:tc>
-                  <a:txBody>
-                    <a:bodyPr/>
-                    <a:lstStyle/>
-                    <a:p>
-                      <a:endParaRPr lang="en-US" sz="1200"/>
-                    </a:p>
-                  </a:txBody>
-                  <a:tcPr marL="83873" marR="83873" marT="41936" marB="41936">
-                    <a:solidFill>
-                      <a:schemeClr val="tx1">
-                        <a:lumMod val="65000"/>
-                        <a:lumOff val="35000"/>
-                      </a:schemeClr>
-                    </a:solidFill>
-                  </a:tcPr>
-                </a:tc>
-                <a:tc>
-                  <a:txBody>
-                    <a:bodyPr/>
-                    <a:lstStyle/>
-                    <a:p>
-                      <a:endParaRPr lang="en-US" sz="1200"/>
-                    </a:p>
-                  </a:txBody>
-                  <a:tcPr marL="83873" marR="83873" marT="41936" marB="41936">
-                    <a:solidFill>
-                      <a:schemeClr val="tx1">
-                        <a:lumMod val="65000"/>
-                        <a:lumOff val="35000"/>
-                      </a:schemeClr>
-                    </a:solidFill>
-                  </a:tcPr>
-                </a:tc>
-                <a:tc>
-                  <a:txBody>
-                    <a:bodyPr/>
-                    <a:lstStyle/>
-                    <a:p>
-                      <a:endParaRPr lang="en-US" sz="1200" dirty="0"/>
-                    </a:p>
-                  </a:txBody>
-                  <a:tcPr marL="83873" marR="83873" marT="41936" marB="41936">
-                    <a:solidFill>
-                      <a:schemeClr val="tx1">
-                        <a:lumMod val="65000"/>
-                        <a:lumOff val="35000"/>
-                      </a:schemeClr>
-                    </a:solidFill>
-                  </a:tcPr>
-                </a:tc>
-                <a:extLst>
-                  <a:ext uri="{0D108BD9-81ED-4DB2-BD59-A6C34878D82A}">
-                    <a16:rowId xmlns:a16="http://schemas.microsoft.com/office/drawing/2014/main" val="2733152935"/>
-                  </a:ext>
-                </a:extLst>
-              </a:tr>
-            </a:tbl>
-          </a:graphicData>
-        </a:graphic>
-      </p:graphicFrame>
       <p:sp>
         <p:nvSpPr>
           <p:cNvPr id="3" name="Rectangle 2">
@@ -4945,7 +3814,7 @@
         </p:nvSpPr>
         <p:spPr>
           <a:xfrm>
-            <a:off x="624799" y="5951493"/>
+            <a:off x="624798" y="5684522"/>
             <a:ext cx="5627089" cy="320241"/>
           </a:xfrm>
           <a:prstGeom prst="rect">
@@ -5116,7 +3985,7 @@
         </p:nvSpPr>
         <p:spPr>
           <a:xfrm>
-            <a:off x="624799" y="6290261"/>
+            <a:off x="624794" y="6088858"/>
             <a:ext cx="884475" cy="346377"/>
           </a:xfrm>
           <a:prstGeom prst="rect">
@@ -5151,7 +4020,7 @@
         </p:nvSpPr>
         <p:spPr>
           <a:xfrm>
-            <a:off x="3115538" y="6294338"/>
+            <a:off x="3115864" y="6088858"/>
             <a:ext cx="884475" cy="346377"/>
           </a:xfrm>
           <a:prstGeom prst="rect">
@@ -5187,7 +4056,7 @@
         </p:nvSpPr>
         <p:spPr>
           <a:xfrm>
-            <a:off x="5832476" y="6290261"/>
+            <a:off x="5812792" y="6090042"/>
             <a:ext cx="884475" cy="346377"/>
           </a:xfrm>
           <a:prstGeom prst="rect">
@@ -5238,6 +4107,1394 @@
           <a:chExt cx="0" cy="0"/>
         </a:xfrm>
       </p:grpSpPr>
+      <p:sp>
+        <p:nvSpPr>
+          <p:cNvPr id="3" name="Content Placeholder 2">
+            <a:extLst>
+              <a:ext uri="{FF2B5EF4-FFF2-40B4-BE49-F238E27FC236}">
+                <a16:creationId xmlns:a16="http://schemas.microsoft.com/office/drawing/2014/main" id="{DC302DBE-0350-B78B-A62A-3E7AC34CC12C}"/>
+              </a:ext>
+            </a:extLst>
+          </p:cNvPr>
+          <p:cNvSpPr>
+            <a:spLocks noGrp="1"/>
+          </p:cNvSpPr>
+          <p:nvPr>
+            <p:ph idx="1"/>
+          </p:nvPr>
+        </p:nvSpPr>
+        <p:spPr>
+          <a:xfrm>
+            <a:off x="0" y="0"/>
+            <a:ext cx="6858000" cy="9906000"/>
+          </a:xfrm>
+        </p:spPr>
+        <p:txBody>
+          <a:bodyPr>
+            <a:normAutofit/>
+          </a:bodyPr>
+          <a:lstStyle/>
+          <a:p>
+            <a:pPr marL="0" indent="0">
+              <a:buNone/>
+            </a:pPr>
+            <a:r>
+              <a:rPr lang="en-US" dirty="0"/>
+              <a:t>1--------------------------------------------------------------------------------</a:t>
+            </a:r>
+          </a:p>
+          <a:p>
+            <a:pPr marL="0" indent="0">
+              <a:buNone/>
+            </a:pPr>
+            <a:r>
+              <a:rPr lang="en-US" dirty="0"/>
+              <a:t>2--------------------------------------------------------------------------------</a:t>
+            </a:r>
+          </a:p>
+          <a:p>
+            <a:pPr marL="0" indent="0">
+              <a:buNone/>
+            </a:pPr>
+            <a:r>
+              <a:rPr lang="en-US" dirty="0"/>
+              <a:t>3--------------------------------------------------------------------------------</a:t>
+            </a:r>
+          </a:p>
+          <a:p>
+            <a:pPr marL="0" indent="0">
+              <a:buNone/>
+            </a:pPr>
+            <a:r>
+              <a:rPr lang="en-US" dirty="0"/>
+              <a:t>4--------------------------------------------------------------------------------</a:t>
+            </a:r>
+          </a:p>
+          <a:p>
+            <a:pPr marL="0" indent="0">
+              <a:buNone/>
+            </a:pPr>
+            <a:r>
+              <a:rPr lang="en-US" dirty="0"/>
+              <a:t>5--------------------------------------------------------------------------------</a:t>
+            </a:r>
+          </a:p>
+          <a:p>
+            <a:pPr marL="0" indent="0">
+              <a:buNone/>
+            </a:pPr>
+            <a:r>
+              <a:rPr lang="en-US" dirty="0"/>
+              <a:t>6--------------------------------------------------------------------------------</a:t>
+            </a:r>
+          </a:p>
+          <a:p>
+            <a:pPr marL="0" indent="0">
+              <a:buNone/>
+            </a:pPr>
+            <a:r>
+              <a:rPr lang="en-US" dirty="0"/>
+              <a:t>7--------------------------------------------------------------------------------</a:t>
+            </a:r>
+          </a:p>
+          <a:p>
+            <a:pPr marL="0" indent="0">
+              <a:buNone/>
+            </a:pPr>
+            <a:r>
+              <a:rPr lang="en-US" dirty="0"/>
+              <a:t>8--------------------------------------------------------------------------------</a:t>
+            </a:r>
+          </a:p>
+          <a:p>
+            <a:pPr marL="0" indent="0">
+              <a:buNone/>
+            </a:pPr>
+            <a:r>
+              <a:rPr lang="en-US" dirty="0"/>
+              <a:t>9--------------------------------------------------------------------------------</a:t>
+            </a:r>
+          </a:p>
+          <a:p>
+            <a:pPr marL="0" indent="0">
+              <a:buNone/>
+            </a:pPr>
+            <a:r>
+              <a:rPr lang="en-US" dirty="0"/>
+              <a:t>10-------------------------------------------------------------------------------</a:t>
+            </a:r>
+          </a:p>
+          <a:p>
+            <a:pPr marL="0" indent="0">
+              <a:buNone/>
+            </a:pPr>
+            <a:r>
+              <a:rPr lang="en-US" dirty="0"/>
+              <a:t>11-------------------------------------------------------------------------------</a:t>
+            </a:r>
+          </a:p>
+          <a:p>
+            <a:pPr marL="0" indent="0">
+              <a:buNone/>
+            </a:pPr>
+            <a:r>
+              <a:rPr lang="en-US" dirty="0"/>
+              <a:t>12-------------------------------------------------------------------------------</a:t>
+            </a:r>
+          </a:p>
+          <a:p>
+            <a:pPr marL="0" indent="0">
+              <a:buNone/>
+            </a:pPr>
+            <a:r>
+              <a:rPr lang="en-US" dirty="0"/>
+              <a:t>13-------------------------------------------------------------------------------</a:t>
+            </a:r>
+          </a:p>
+          <a:p>
+            <a:pPr marL="0" indent="0">
+              <a:buNone/>
+            </a:pPr>
+            <a:r>
+              <a:rPr lang="en-US" dirty="0"/>
+              <a:t>14-------------------------------------------------------------------------------</a:t>
+            </a:r>
+          </a:p>
+          <a:p>
+            <a:pPr marL="0" indent="0">
+              <a:buNone/>
+            </a:pPr>
+            <a:r>
+              <a:rPr lang="en-US" dirty="0"/>
+              <a:t>15-------------------------------------------------------------------------------</a:t>
+            </a:r>
+          </a:p>
+          <a:p>
+            <a:pPr marL="0" indent="0">
+              <a:buNone/>
+            </a:pPr>
+            <a:r>
+              <a:rPr lang="en-US" dirty="0"/>
+              <a:t>16-------------------------------------------------------------------------------</a:t>
+            </a:r>
+          </a:p>
+          <a:p>
+            <a:pPr marL="0" indent="0">
+              <a:buNone/>
+            </a:pPr>
+            <a:r>
+              <a:rPr lang="en-US" dirty="0"/>
+              <a:t>17-------------------------------------------------------------------------------</a:t>
+            </a:r>
+          </a:p>
+          <a:p>
+            <a:pPr marL="0" indent="0">
+              <a:buNone/>
+            </a:pPr>
+            <a:r>
+              <a:rPr lang="en-US" dirty="0"/>
+              <a:t>18-------------------------------------------------------------------------------</a:t>
+            </a:r>
+          </a:p>
+          <a:p>
+            <a:pPr marL="0" indent="0">
+              <a:buNone/>
+            </a:pPr>
+            <a:r>
+              <a:rPr lang="en-US" dirty="0"/>
+              <a:t>19-------------------------------------------------------------------------------</a:t>
+            </a:r>
+          </a:p>
+          <a:p>
+            <a:pPr marL="0" indent="0">
+              <a:buNone/>
+            </a:pPr>
+            <a:r>
+              <a:rPr lang="en-US" dirty="0"/>
+              <a:t>20-------------------------------------------------------------------------------</a:t>
+            </a:r>
+          </a:p>
+          <a:p>
+            <a:pPr marL="0" indent="0">
+              <a:buNone/>
+            </a:pPr>
+            <a:r>
+              <a:rPr lang="en-US" dirty="0"/>
+              <a:t>21-------------------------------------------------------------------------------</a:t>
+            </a:r>
+          </a:p>
+          <a:p>
+            <a:pPr marL="0" indent="0">
+              <a:buNone/>
+            </a:pPr>
+            <a:r>
+              <a:rPr lang="en-US" dirty="0"/>
+              <a:t>22-------------------------------------------------------------------------------</a:t>
+            </a:r>
+          </a:p>
+          <a:p>
+            <a:pPr marL="0" indent="0">
+              <a:buNone/>
+            </a:pPr>
+            <a:r>
+              <a:rPr lang="en-US" dirty="0"/>
+              <a:t>23-------------------------------------------------------------------------------</a:t>
+            </a:r>
+          </a:p>
+          <a:p>
+            <a:pPr marL="0" indent="0">
+              <a:buNone/>
+            </a:pPr>
+            <a:r>
+              <a:rPr lang="en-US" dirty="0"/>
+              <a:t>24-------------------------------------------------------------------------------</a:t>
+            </a:r>
+          </a:p>
+          <a:p>
+            <a:pPr marL="0" indent="0">
+              <a:buNone/>
+            </a:pPr>
+            <a:r>
+              <a:rPr lang="en-US" dirty="0"/>
+              <a:t>25-------------------------------------------------------------------------------</a:t>
+            </a:r>
+          </a:p>
+        </p:txBody>
+      </p:sp>
+      <p:sp>
+        <p:nvSpPr>
+          <p:cNvPr id="5" name="Rectangle 4">
+            <a:extLst>
+              <a:ext uri="{FF2B5EF4-FFF2-40B4-BE49-F238E27FC236}">
+                <a16:creationId xmlns:a16="http://schemas.microsoft.com/office/drawing/2014/main" id="{E9F8965A-FC98-380D-77FF-9BEFE48CA514}"/>
+              </a:ext>
+            </a:extLst>
+          </p:cNvPr>
+          <p:cNvSpPr/>
+          <p:nvPr/>
+        </p:nvSpPr>
+        <p:spPr>
+          <a:xfrm>
+            <a:off x="615455" y="5900654"/>
+            <a:ext cx="5627089" cy="320241"/>
+          </a:xfrm>
+          <a:prstGeom prst="rect">
+            <a:avLst/>
+          </a:prstGeom>
+          <a:gradFill>
+            <a:gsLst>
+              <a:gs pos="50000">
+                <a:srgbClr val="FFC000"/>
+              </a:gs>
+              <a:gs pos="21000">
+                <a:srgbClr val="00B050"/>
+              </a:gs>
+              <a:gs pos="97000">
+                <a:srgbClr val="FF0000"/>
+              </a:gs>
+            </a:gsLst>
+            <a:lin ang="0" scaled="0"/>
+          </a:gradFill>
+          <a:ln>
+            <a:solidFill>
+              <a:schemeClr val="tx1"/>
+            </a:solidFill>
+          </a:ln>
+        </p:spPr>
+        <p:style>
+          <a:lnRef idx="2">
+            <a:schemeClr val="accent1">
+              <a:shade val="50000"/>
+            </a:schemeClr>
+          </a:lnRef>
+          <a:fillRef idx="1">
+            <a:schemeClr val="accent1"/>
+          </a:fillRef>
+          <a:effectRef idx="0">
+            <a:schemeClr val="accent1"/>
+          </a:effectRef>
+          <a:fontRef idx="minor">
+            <a:schemeClr val="lt1"/>
+          </a:fontRef>
+        </p:style>
+        <p:txBody>
+          <a:bodyPr rtlCol="0" anchor="ctr"/>
+          <a:lstStyle/>
+          <a:p>
+            <a:pPr algn="ctr"/>
+            <a:endParaRPr lang="en-US" sz="1651" dirty="0"/>
+          </a:p>
+        </p:txBody>
+      </p:sp>
+      <p:sp>
+        <p:nvSpPr>
+          <p:cNvPr id="6" name="TextBox 5">
+            <a:extLst>
+              <a:ext uri="{FF2B5EF4-FFF2-40B4-BE49-F238E27FC236}">
+                <a16:creationId xmlns:a16="http://schemas.microsoft.com/office/drawing/2014/main" id="{94B15CAC-174F-4C0B-E399-FF268839FC63}"/>
+              </a:ext>
+            </a:extLst>
+          </p:cNvPr>
+          <p:cNvSpPr txBox="1"/>
+          <p:nvPr/>
+        </p:nvSpPr>
+        <p:spPr>
+          <a:xfrm>
+            <a:off x="615456" y="5470182"/>
+            <a:ext cx="884475" cy="346377"/>
+          </a:xfrm>
+          <a:prstGeom prst="rect">
+            <a:avLst/>
+          </a:prstGeom>
+          <a:noFill/>
+        </p:spPr>
+        <p:txBody>
+          <a:bodyPr wrap="square" rtlCol="0">
+            <a:spAutoFit/>
+          </a:bodyPr>
+          <a:lstStyle/>
+          <a:p>
+            <a:r>
+              <a:rPr lang="en-US" sz="1651" dirty="0"/>
+              <a:t>Calm</a:t>
+            </a:r>
+          </a:p>
+        </p:txBody>
+      </p:sp>
+      <p:sp>
+        <p:nvSpPr>
+          <p:cNvPr id="7" name="TextBox 6">
+            <a:extLst>
+              <a:ext uri="{FF2B5EF4-FFF2-40B4-BE49-F238E27FC236}">
+                <a16:creationId xmlns:a16="http://schemas.microsoft.com/office/drawing/2014/main" id="{51383F23-0653-8627-452C-36BD4DC63F04}"/>
+              </a:ext>
+            </a:extLst>
+          </p:cNvPr>
+          <p:cNvSpPr txBox="1"/>
+          <p:nvPr/>
+        </p:nvSpPr>
+        <p:spPr>
+          <a:xfrm>
+            <a:off x="3025487" y="5470182"/>
+            <a:ext cx="1045892" cy="346377"/>
+          </a:xfrm>
+          <a:prstGeom prst="rect">
+            <a:avLst/>
+          </a:prstGeom>
+          <a:noFill/>
+        </p:spPr>
+        <p:txBody>
+          <a:bodyPr wrap="square" rtlCol="0">
+            <a:spAutoFit/>
+          </a:bodyPr>
+          <a:lstStyle/>
+          <a:p>
+            <a:pPr algn="ctr"/>
+            <a:r>
+              <a:rPr lang="en-US" sz="1651" dirty="0"/>
+              <a:t>Loud</a:t>
+            </a:r>
+          </a:p>
+        </p:txBody>
+      </p:sp>
+      <p:sp>
+        <p:nvSpPr>
+          <p:cNvPr id="8" name="TextBox 7">
+            <a:extLst>
+              <a:ext uri="{FF2B5EF4-FFF2-40B4-BE49-F238E27FC236}">
+                <a16:creationId xmlns:a16="http://schemas.microsoft.com/office/drawing/2014/main" id="{9E81CB01-2AAA-A1D7-D167-4A259C6671DF}"/>
+              </a:ext>
+            </a:extLst>
+          </p:cNvPr>
+          <p:cNvSpPr txBox="1"/>
+          <p:nvPr/>
+        </p:nvSpPr>
+        <p:spPr>
+          <a:xfrm>
+            <a:off x="5596934" y="5483242"/>
+            <a:ext cx="884475" cy="346377"/>
+          </a:xfrm>
+          <a:prstGeom prst="rect">
+            <a:avLst/>
+          </a:prstGeom>
+          <a:noFill/>
+        </p:spPr>
+        <p:txBody>
+          <a:bodyPr wrap="square" rtlCol="0">
+            <a:spAutoFit/>
+          </a:bodyPr>
+          <a:lstStyle/>
+          <a:p>
+            <a:r>
+              <a:rPr lang="en-US" sz="1651" dirty="0"/>
+              <a:t>Painful</a:t>
+            </a:r>
+          </a:p>
+        </p:txBody>
+      </p:sp>
+      <p:sp>
+        <p:nvSpPr>
+          <p:cNvPr id="9" name="TextBox 8">
+            <a:extLst>
+              <a:ext uri="{FF2B5EF4-FFF2-40B4-BE49-F238E27FC236}">
+                <a16:creationId xmlns:a16="http://schemas.microsoft.com/office/drawing/2014/main" id="{21A342B4-F0CD-A01C-6171-CB5461D40ECD}"/>
+              </a:ext>
+            </a:extLst>
+          </p:cNvPr>
+          <p:cNvSpPr txBox="1"/>
+          <p:nvPr/>
+        </p:nvSpPr>
+        <p:spPr>
+          <a:xfrm>
+            <a:off x="615451" y="6304990"/>
+            <a:ext cx="884475" cy="346377"/>
+          </a:xfrm>
+          <a:prstGeom prst="rect">
+            <a:avLst/>
+          </a:prstGeom>
+          <a:noFill/>
+        </p:spPr>
+        <p:txBody>
+          <a:bodyPr wrap="square" rtlCol="0">
+            <a:spAutoFit/>
+          </a:bodyPr>
+          <a:lstStyle/>
+          <a:p>
+            <a:r>
+              <a:rPr lang="en-US" sz="1651" dirty="0"/>
+              <a:t>30</a:t>
+            </a:r>
+          </a:p>
+        </p:txBody>
+      </p:sp>
+      <p:sp>
+        <p:nvSpPr>
+          <p:cNvPr id="10" name="TextBox 9">
+            <a:extLst>
+              <a:ext uri="{FF2B5EF4-FFF2-40B4-BE49-F238E27FC236}">
+                <a16:creationId xmlns:a16="http://schemas.microsoft.com/office/drawing/2014/main" id="{17E6BD6F-0D01-18AB-99BB-964F1671B80F}"/>
+              </a:ext>
+            </a:extLst>
+          </p:cNvPr>
+          <p:cNvSpPr txBox="1"/>
+          <p:nvPr/>
+        </p:nvSpPr>
+        <p:spPr>
+          <a:xfrm>
+            <a:off x="3106521" y="6304990"/>
+            <a:ext cx="884475" cy="346377"/>
+          </a:xfrm>
+          <a:prstGeom prst="rect">
+            <a:avLst/>
+          </a:prstGeom>
+          <a:noFill/>
+        </p:spPr>
+        <p:txBody>
+          <a:bodyPr wrap="square" rtlCol="0">
+            <a:spAutoFit/>
+          </a:bodyPr>
+          <a:lstStyle/>
+          <a:p>
+            <a:pPr algn="ctr"/>
+            <a:r>
+              <a:rPr lang="en-US" sz="1651" dirty="0"/>
+              <a:t>85</a:t>
+            </a:r>
+          </a:p>
+        </p:txBody>
+      </p:sp>
+      <p:sp>
+        <p:nvSpPr>
+          <p:cNvPr id="11" name="TextBox 10">
+            <a:extLst>
+              <a:ext uri="{FF2B5EF4-FFF2-40B4-BE49-F238E27FC236}">
+                <a16:creationId xmlns:a16="http://schemas.microsoft.com/office/drawing/2014/main" id="{61231650-72C5-90AA-DA92-0A187E253937}"/>
+              </a:ext>
+            </a:extLst>
+          </p:cNvPr>
+          <p:cNvSpPr txBox="1"/>
+          <p:nvPr/>
+        </p:nvSpPr>
+        <p:spPr>
+          <a:xfrm>
+            <a:off x="5803449" y="6306174"/>
+            <a:ext cx="884475" cy="346377"/>
+          </a:xfrm>
+          <a:prstGeom prst="rect">
+            <a:avLst/>
+          </a:prstGeom>
+          <a:noFill/>
+        </p:spPr>
+        <p:txBody>
+          <a:bodyPr wrap="square" rtlCol="0">
+            <a:spAutoFit/>
+          </a:bodyPr>
+          <a:lstStyle/>
+          <a:p>
+            <a:r>
+              <a:rPr lang="en-US" sz="1651" dirty="0"/>
+              <a:t>140</a:t>
+            </a:r>
+          </a:p>
+        </p:txBody>
+      </p:sp>
+      <p:sp>
+        <p:nvSpPr>
+          <p:cNvPr id="12" name="Rectangle 11">
+            <a:extLst>
+              <a:ext uri="{FF2B5EF4-FFF2-40B4-BE49-F238E27FC236}">
+                <a16:creationId xmlns:a16="http://schemas.microsoft.com/office/drawing/2014/main" id="{DC10CA48-A793-BCA4-B0C0-35B1515F10B3}"/>
+              </a:ext>
+            </a:extLst>
+          </p:cNvPr>
+          <p:cNvSpPr/>
+          <p:nvPr/>
+        </p:nvSpPr>
+        <p:spPr>
+          <a:xfrm>
+            <a:off x="618597" y="4294235"/>
+            <a:ext cx="5627089" cy="320241"/>
+          </a:xfrm>
+          <a:prstGeom prst="rect">
+            <a:avLst/>
+          </a:prstGeom>
+          <a:gradFill>
+            <a:gsLst>
+              <a:gs pos="50000">
+                <a:srgbClr val="FFC000"/>
+              </a:gs>
+              <a:gs pos="21000">
+                <a:srgbClr val="00B050"/>
+              </a:gs>
+              <a:gs pos="97000">
+                <a:srgbClr val="FF0000"/>
+              </a:gs>
+            </a:gsLst>
+            <a:lin ang="0" scaled="0"/>
+          </a:gradFill>
+          <a:ln>
+            <a:solidFill>
+              <a:schemeClr val="tx1"/>
+            </a:solidFill>
+          </a:ln>
+        </p:spPr>
+        <p:style>
+          <a:lnRef idx="2">
+            <a:schemeClr val="accent1">
+              <a:shade val="50000"/>
+            </a:schemeClr>
+          </a:lnRef>
+          <a:fillRef idx="1">
+            <a:schemeClr val="accent1"/>
+          </a:fillRef>
+          <a:effectRef idx="0">
+            <a:schemeClr val="accent1"/>
+          </a:effectRef>
+          <a:fontRef idx="minor">
+            <a:schemeClr val="lt1"/>
+          </a:fontRef>
+        </p:style>
+        <p:txBody>
+          <a:bodyPr rtlCol="0" anchor="ctr"/>
+          <a:lstStyle/>
+          <a:p>
+            <a:pPr algn="ctr"/>
+            <a:endParaRPr lang="en-US" sz="1651" dirty="0"/>
+          </a:p>
+        </p:txBody>
+      </p:sp>
+      <p:sp>
+        <p:nvSpPr>
+          <p:cNvPr id="13" name="TextBox 12">
+            <a:extLst>
+              <a:ext uri="{FF2B5EF4-FFF2-40B4-BE49-F238E27FC236}">
+                <a16:creationId xmlns:a16="http://schemas.microsoft.com/office/drawing/2014/main" id="{B4EBBB68-9261-7766-8BB0-6D955104ADBF}"/>
+              </a:ext>
+            </a:extLst>
+          </p:cNvPr>
+          <p:cNvSpPr txBox="1"/>
+          <p:nvPr/>
+        </p:nvSpPr>
+        <p:spPr>
+          <a:xfrm>
+            <a:off x="618595" y="3839030"/>
+            <a:ext cx="884475" cy="346377"/>
+          </a:xfrm>
+          <a:prstGeom prst="rect">
+            <a:avLst/>
+          </a:prstGeom>
+          <a:noFill/>
+        </p:spPr>
+        <p:txBody>
+          <a:bodyPr wrap="square" rtlCol="0">
+            <a:spAutoFit/>
+          </a:bodyPr>
+          <a:lstStyle/>
+          <a:p>
+            <a:r>
+              <a:rPr lang="en-US" sz="1651" dirty="0"/>
+              <a:t>Good</a:t>
+            </a:r>
+          </a:p>
+        </p:txBody>
+      </p:sp>
+      <p:sp>
+        <p:nvSpPr>
+          <p:cNvPr id="14" name="TextBox 13">
+            <a:extLst>
+              <a:ext uri="{FF2B5EF4-FFF2-40B4-BE49-F238E27FC236}">
+                <a16:creationId xmlns:a16="http://schemas.microsoft.com/office/drawing/2014/main" id="{3A69A74C-A833-6D7A-E8A0-46EE4396EFDF}"/>
+              </a:ext>
+            </a:extLst>
+          </p:cNvPr>
+          <p:cNvSpPr txBox="1"/>
+          <p:nvPr/>
+        </p:nvSpPr>
+        <p:spPr>
+          <a:xfrm>
+            <a:off x="3025503" y="3839030"/>
+            <a:ext cx="1045892" cy="346377"/>
+          </a:xfrm>
+          <a:prstGeom prst="rect">
+            <a:avLst/>
+          </a:prstGeom>
+          <a:noFill/>
+        </p:spPr>
+        <p:txBody>
+          <a:bodyPr wrap="square" rtlCol="0">
+            <a:spAutoFit/>
+          </a:bodyPr>
+          <a:lstStyle/>
+          <a:p>
+            <a:pPr algn="ctr"/>
+            <a:r>
+              <a:rPr lang="en-US" sz="1651" dirty="0"/>
+              <a:t>Moderate</a:t>
+            </a:r>
+          </a:p>
+        </p:txBody>
+      </p:sp>
+      <p:sp>
+        <p:nvSpPr>
+          <p:cNvPr id="15" name="TextBox 14">
+            <a:extLst>
+              <a:ext uri="{FF2B5EF4-FFF2-40B4-BE49-F238E27FC236}">
+                <a16:creationId xmlns:a16="http://schemas.microsoft.com/office/drawing/2014/main" id="{D2534FC4-02E6-FF8A-8C22-C8C9B5B5D88B}"/>
+              </a:ext>
+            </a:extLst>
+          </p:cNvPr>
+          <p:cNvSpPr txBox="1"/>
+          <p:nvPr/>
+        </p:nvSpPr>
+        <p:spPr>
+          <a:xfrm>
+            <a:off x="5696675" y="3839030"/>
+            <a:ext cx="884475" cy="346377"/>
+          </a:xfrm>
+          <a:prstGeom prst="rect">
+            <a:avLst/>
+          </a:prstGeom>
+          <a:noFill/>
+        </p:spPr>
+        <p:txBody>
+          <a:bodyPr wrap="square" rtlCol="0">
+            <a:spAutoFit/>
+          </a:bodyPr>
+          <a:lstStyle/>
+          <a:p>
+            <a:r>
+              <a:rPr lang="en-US" sz="1651" dirty="0"/>
+              <a:t>Poor</a:t>
+            </a:r>
+          </a:p>
+        </p:txBody>
+      </p:sp>
+      <p:sp>
+        <p:nvSpPr>
+          <p:cNvPr id="16" name="TextBox 15">
+            <a:extLst>
+              <a:ext uri="{FF2B5EF4-FFF2-40B4-BE49-F238E27FC236}">
+                <a16:creationId xmlns:a16="http://schemas.microsoft.com/office/drawing/2014/main" id="{C16E8E64-49E4-B135-FF29-B1C361B19775}"/>
+              </a:ext>
+            </a:extLst>
+          </p:cNvPr>
+          <p:cNvSpPr txBox="1"/>
+          <p:nvPr/>
+        </p:nvSpPr>
+        <p:spPr>
+          <a:xfrm>
+            <a:off x="618593" y="4693114"/>
+            <a:ext cx="884475" cy="346377"/>
+          </a:xfrm>
+          <a:prstGeom prst="rect">
+            <a:avLst/>
+          </a:prstGeom>
+          <a:noFill/>
+        </p:spPr>
+        <p:txBody>
+          <a:bodyPr wrap="square" rtlCol="0">
+            <a:spAutoFit/>
+          </a:bodyPr>
+          <a:lstStyle/>
+          <a:p>
+            <a:r>
+              <a:rPr lang="en-US" sz="1651" dirty="0"/>
+              <a:t>0</a:t>
+            </a:r>
+          </a:p>
+        </p:txBody>
+      </p:sp>
+      <p:sp>
+        <p:nvSpPr>
+          <p:cNvPr id="17" name="TextBox 16">
+            <a:extLst>
+              <a:ext uri="{FF2B5EF4-FFF2-40B4-BE49-F238E27FC236}">
+                <a16:creationId xmlns:a16="http://schemas.microsoft.com/office/drawing/2014/main" id="{61D4FA0F-2BE7-C736-2506-430C7FF5A12A}"/>
+              </a:ext>
+            </a:extLst>
+          </p:cNvPr>
+          <p:cNvSpPr txBox="1"/>
+          <p:nvPr/>
+        </p:nvSpPr>
+        <p:spPr>
+          <a:xfrm>
+            <a:off x="3106211" y="4741755"/>
+            <a:ext cx="884475" cy="346377"/>
+          </a:xfrm>
+          <a:prstGeom prst="rect">
+            <a:avLst/>
+          </a:prstGeom>
+          <a:noFill/>
+        </p:spPr>
+        <p:txBody>
+          <a:bodyPr wrap="square" rtlCol="0">
+            <a:spAutoFit/>
+          </a:bodyPr>
+          <a:lstStyle/>
+          <a:p>
+            <a:pPr algn="ctr"/>
+            <a:r>
+              <a:rPr lang="en-US" sz="1651" dirty="0"/>
+              <a:t>125</a:t>
+            </a:r>
+          </a:p>
+        </p:txBody>
+      </p:sp>
+      <p:sp>
+        <p:nvSpPr>
+          <p:cNvPr id="18" name="TextBox 17">
+            <a:extLst>
+              <a:ext uri="{FF2B5EF4-FFF2-40B4-BE49-F238E27FC236}">
+                <a16:creationId xmlns:a16="http://schemas.microsoft.com/office/drawing/2014/main" id="{8C83CB6F-4F28-201C-FF95-2447115B3B5B}"/>
+              </a:ext>
+            </a:extLst>
+          </p:cNvPr>
+          <p:cNvSpPr txBox="1"/>
+          <p:nvPr/>
+        </p:nvSpPr>
+        <p:spPr>
+          <a:xfrm>
+            <a:off x="5803449" y="4703698"/>
+            <a:ext cx="884475" cy="346377"/>
+          </a:xfrm>
+          <a:prstGeom prst="rect">
+            <a:avLst/>
+          </a:prstGeom>
+          <a:noFill/>
+        </p:spPr>
+        <p:txBody>
+          <a:bodyPr wrap="square" rtlCol="0">
+            <a:spAutoFit/>
+          </a:bodyPr>
+          <a:lstStyle/>
+          <a:p>
+            <a:r>
+              <a:rPr lang="en-US" sz="1651" dirty="0"/>
+              <a:t>250</a:t>
+            </a:r>
+          </a:p>
+        </p:txBody>
+      </p:sp>
+      <p:sp>
+        <p:nvSpPr>
+          <p:cNvPr id="19" name="Rectangle 18">
+            <a:extLst>
+              <a:ext uri="{FF2B5EF4-FFF2-40B4-BE49-F238E27FC236}">
+                <a16:creationId xmlns:a16="http://schemas.microsoft.com/office/drawing/2014/main" id="{42726D01-E0C8-550A-6BBC-C29FC1D7DFD5}"/>
+              </a:ext>
+            </a:extLst>
+          </p:cNvPr>
+          <p:cNvSpPr/>
+          <p:nvPr/>
+        </p:nvSpPr>
+        <p:spPr>
+          <a:xfrm>
+            <a:off x="638280" y="2388841"/>
+            <a:ext cx="5627089" cy="320241"/>
+          </a:xfrm>
+          <a:prstGeom prst="rect">
+            <a:avLst/>
+          </a:prstGeom>
+          <a:gradFill>
+            <a:gsLst>
+              <a:gs pos="27000">
+                <a:srgbClr val="00B050"/>
+              </a:gs>
+              <a:gs pos="90000">
+                <a:srgbClr val="FF0000"/>
+              </a:gs>
+            </a:gsLst>
+            <a:lin ang="0" scaled="0"/>
+          </a:gradFill>
+          <a:ln>
+            <a:solidFill>
+              <a:schemeClr val="tx1"/>
+            </a:solidFill>
+          </a:ln>
+        </p:spPr>
+        <p:style>
+          <a:lnRef idx="2">
+            <a:schemeClr val="accent1">
+              <a:shade val="50000"/>
+            </a:schemeClr>
+          </a:lnRef>
+          <a:fillRef idx="1">
+            <a:schemeClr val="accent1"/>
+          </a:fillRef>
+          <a:effectRef idx="0">
+            <a:schemeClr val="accent1"/>
+          </a:effectRef>
+          <a:fontRef idx="minor">
+            <a:schemeClr val="lt1"/>
+          </a:fontRef>
+        </p:style>
+        <p:txBody>
+          <a:bodyPr rtlCol="0" anchor="ctr"/>
+          <a:lstStyle/>
+          <a:p>
+            <a:pPr algn="ctr"/>
+            <a:endParaRPr lang="en-US" sz="1651" dirty="0"/>
+          </a:p>
+        </p:txBody>
+      </p:sp>
+      <p:sp>
+        <p:nvSpPr>
+          <p:cNvPr id="20" name="TextBox 19">
+            <a:extLst>
+              <a:ext uri="{FF2B5EF4-FFF2-40B4-BE49-F238E27FC236}">
+                <a16:creationId xmlns:a16="http://schemas.microsoft.com/office/drawing/2014/main" id="{D58B220D-DD01-E168-D763-013185305F38}"/>
+              </a:ext>
+            </a:extLst>
+          </p:cNvPr>
+          <p:cNvSpPr txBox="1"/>
+          <p:nvPr/>
+        </p:nvSpPr>
+        <p:spPr>
+          <a:xfrm>
+            <a:off x="615451" y="1960492"/>
+            <a:ext cx="884475" cy="346377"/>
+          </a:xfrm>
+          <a:prstGeom prst="rect">
+            <a:avLst/>
+          </a:prstGeom>
+          <a:noFill/>
+        </p:spPr>
+        <p:txBody>
+          <a:bodyPr wrap="square" rtlCol="0">
+            <a:spAutoFit/>
+          </a:bodyPr>
+          <a:lstStyle/>
+          <a:p>
+            <a:r>
+              <a:rPr lang="en-US" sz="1651" dirty="0"/>
+              <a:t>Free</a:t>
+            </a:r>
+          </a:p>
+        </p:txBody>
+      </p:sp>
+      <p:sp>
+        <p:nvSpPr>
+          <p:cNvPr id="21" name="TextBox 20">
+            <a:extLst>
+              <a:ext uri="{FF2B5EF4-FFF2-40B4-BE49-F238E27FC236}">
+                <a16:creationId xmlns:a16="http://schemas.microsoft.com/office/drawing/2014/main" id="{AA64A801-64E3-38B0-E320-47864F7B6929}"/>
+              </a:ext>
+            </a:extLst>
+          </p:cNvPr>
+          <p:cNvSpPr txBox="1"/>
+          <p:nvPr/>
+        </p:nvSpPr>
+        <p:spPr>
+          <a:xfrm>
+            <a:off x="3149663" y="1955580"/>
+            <a:ext cx="884475" cy="346377"/>
+          </a:xfrm>
+          <a:prstGeom prst="rect">
+            <a:avLst/>
+          </a:prstGeom>
+          <a:noFill/>
+        </p:spPr>
+        <p:txBody>
+          <a:bodyPr wrap="square" rtlCol="0">
+            <a:spAutoFit/>
+          </a:bodyPr>
+          <a:lstStyle/>
+          <a:p>
+            <a:pPr algn="ctr"/>
+            <a:r>
+              <a:rPr lang="en-US" sz="1651" dirty="0"/>
+              <a:t>Usual</a:t>
+            </a:r>
+          </a:p>
+        </p:txBody>
+      </p:sp>
+      <p:sp>
+        <p:nvSpPr>
+          <p:cNvPr id="22" name="TextBox 21">
+            <a:extLst>
+              <a:ext uri="{FF2B5EF4-FFF2-40B4-BE49-F238E27FC236}">
+                <a16:creationId xmlns:a16="http://schemas.microsoft.com/office/drawing/2014/main" id="{7E1077A4-D6A2-2BFB-BEBA-210B2D31275A}"/>
+              </a:ext>
+            </a:extLst>
+          </p:cNvPr>
+          <p:cNvSpPr txBox="1"/>
+          <p:nvPr/>
+        </p:nvSpPr>
+        <p:spPr>
+          <a:xfrm>
+            <a:off x="5596932" y="1952545"/>
+            <a:ext cx="884475" cy="346377"/>
+          </a:xfrm>
+          <a:prstGeom prst="rect">
+            <a:avLst/>
+          </a:prstGeom>
+          <a:noFill/>
+        </p:spPr>
+        <p:txBody>
+          <a:bodyPr wrap="square" rtlCol="0">
+            <a:spAutoFit/>
+          </a:bodyPr>
+          <a:lstStyle/>
+          <a:p>
+            <a:r>
+              <a:rPr lang="en-US" sz="1651" dirty="0"/>
+              <a:t>Crowd</a:t>
+            </a:r>
+          </a:p>
+        </p:txBody>
+      </p:sp>
+      <p:sp>
+        <p:nvSpPr>
+          <p:cNvPr id="23" name="TextBox 22">
+            <a:extLst>
+              <a:ext uri="{FF2B5EF4-FFF2-40B4-BE49-F238E27FC236}">
+                <a16:creationId xmlns:a16="http://schemas.microsoft.com/office/drawing/2014/main" id="{64EFD59E-BA4E-575E-7648-0CEC29D80D4E}"/>
+              </a:ext>
+            </a:extLst>
+          </p:cNvPr>
+          <p:cNvSpPr txBox="1"/>
+          <p:nvPr/>
+        </p:nvSpPr>
+        <p:spPr>
+          <a:xfrm>
+            <a:off x="615453" y="2789964"/>
+            <a:ext cx="884475" cy="346377"/>
+          </a:xfrm>
+          <a:prstGeom prst="rect">
+            <a:avLst/>
+          </a:prstGeom>
+          <a:noFill/>
+        </p:spPr>
+        <p:txBody>
+          <a:bodyPr wrap="square" rtlCol="0">
+            <a:spAutoFit/>
+          </a:bodyPr>
+          <a:lstStyle/>
+          <a:p>
+            <a:r>
+              <a:rPr lang="en-US" sz="1651" dirty="0"/>
+              <a:t>0</a:t>
+            </a:r>
+          </a:p>
+        </p:txBody>
+      </p:sp>
+      <p:sp>
+        <p:nvSpPr>
+          <p:cNvPr id="24" name="TextBox 23">
+            <a:extLst>
+              <a:ext uri="{FF2B5EF4-FFF2-40B4-BE49-F238E27FC236}">
+                <a16:creationId xmlns:a16="http://schemas.microsoft.com/office/drawing/2014/main" id="{FD88FEBE-8A77-D531-37C5-5B18587104ED}"/>
+              </a:ext>
+            </a:extLst>
+          </p:cNvPr>
+          <p:cNvSpPr txBox="1"/>
+          <p:nvPr/>
+        </p:nvSpPr>
+        <p:spPr>
+          <a:xfrm>
+            <a:off x="3149663" y="2791300"/>
+            <a:ext cx="884475" cy="346377"/>
+          </a:xfrm>
+          <a:prstGeom prst="rect">
+            <a:avLst/>
+          </a:prstGeom>
+          <a:noFill/>
+        </p:spPr>
+        <p:txBody>
+          <a:bodyPr wrap="square" rtlCol="0">
+            <a:spAutoFit/>
+          </a:bodyPr>
+          <a:lstStyle/>
+          <a:p>
+            <a:pPr algn="ctr"/>
+            <a:r>
+              <a:rPr lang="en-US" sz="1651" dirty="0"/>
+              <a:t>15</a:t>
+            </a:r>
+          </a:p>
+        </p:txBody>
+      </p:sp>
+      <p:sp>
+        <p:nvSpPr>
+          <p:cNvPr id="25" name="TextBox 24">
+            <a:extLst>
+              <a:ext uri="{FF2B5EF4-FFF2-40B4-BE49-F238E27FC236}">
+                <a16:creationId xmlns:a16="http://schemas.microsoft.com/office/drawing/2014/main" id="{90F47FB3-9815-EB07-0176-D61C59C6DF8E}"/>
+              </a:ext>
+            </a:extLst>
+          </p:cNvPr>
+          <p:cNvSpPr txBox="1"/>
+          <p:nvPr/>
+        </p:nvSpPr>
+        <p:spPr>
+          <a:xfrm>
+            <a:off x="5823132" y="2787115"/>
+            <a:ext cx="884475" cy="346377"/>
+          </a:xfrm>
+          <a:prstGeom prst="rect">
+            <a:avLst/>
+          </a:prstGeom>
+          <a:noFill/>
+        </p:spPr>
+        <p:txBody>
+          <a:bodyPr wrap="square" rtlCol="0">
+            <a:spAutoFit/>
+          </a:bodyPr>
+          <a:lstStyle/>
+          <a:p>
+            <a:r>
+              <a:rPr lang="en-US" sz="1651" dirty="0"/>
+              <a:t>30</a:t>
+            </a:r>
+          </a:p>
+        </p:txBody>
+      </p:sp>
+      <p:sp>
+        <p:nvSpPr>
+          <p:cNvPr id="26" name="Rectangle 25">
+            <a:extLst>
+              <a:ext uri="{FF2B5EF4-FFF2-40B4-BE49-F238E27FC236}">
+                <a16:creationId xmlns:a16="http://schemas.microsoft.com/office/drawing/2014/main" id="{BAEB100D-9699-4A62-4DD5-93ACCDB34953}"/>
+              </a:ext>
+            </a:extLst>
+          </p:cNvPr>
+          <p:cNvSpPr/>
+          <p:nvPr/>
+        </p:nvSpPr>
+        <p:spPr>
+          <a:xfrm>
+            <a:off x="615451" y="439955"/>
+            <a:ext cx="5627089" cy="320241"/>
+          </a:xfrm>
+          <a:prstGeom prst="rect">
+            <a:avLst/>
+          </a:prstGeom>
+          <a:gradFill>
+            <a:gsLst>
+              <a:gs pos="55000">
+                <a:srgbClr val="00B050"/>
+              </a:gs>
+              <a:gs pos="94000">
+                <a:srgbClr val="FF0000"/>
+              </a:gs>
+              <a:gs pos="17000">
+                <a:srgbClr val="0070C0"/>
+              </a:gs>
+            </a:gsLst>
+            <a:lin ang="0" scaled="0"/>
+          </a:gradFill>
+          <a:ln>
+            <a:solidFill>
+              <a:schemeClr val="tx1"/>
+            </a:solidFill>
+          </a:ln>
+        </p:spPr>
+        <p:style>
+          <a:lnRef idx="2">
+            <a:schemeClr val="accent1">
+              <a:shade val="50000"/>
+            </a:schemeClr>
+          </a:lnRef>
+          <a:fillRef idx="1">
+            <a:schemeClr val="accent1"/>
+          </a:fillRef>
+          <a:effectRef idx="0">
+            <a:schemeClr val="accent1"/>
+          </a:effectRef>
+          <a:fontRef idx="minor">
+            <a:schemeClr val="lt1"/>
+          </a:fontRef>
+        </p:style>
+        <p:txBody>
+          <a:bodyPr rtlCol="0" anchor="ctr"/>
+          <a:lstStyle/>
+          <a:p>
+            <a:pPr algn="ctr"/>
+            <a:endParaRPr lang="en-US" sz="1651" dirty="0"/>
+          </a:p>
+        </p:txBody>
+      </p:sp>
+      <p:sp>
+        <p:nvSpPr>
+          <p:cNvPr id="27" name="TextBox 26">
+            <a:extLst>
+              <a:ext uri="{FF2B5EF4-FFF2-40B4-BE49-F238E27FC236}">
+                <a16:creationId xmlns:a16="http://schemas.microsoft.com/office/drawing/2014/main" id="{E6E5CF53-18B6-4FE7-253D-0922C8D0B981}"/>
+              </a:ext>
+            </a:extLst>
+          </p:cNvPr>
+          <p:cNvSpPr txBox="1"/>
+          <p:nvPr/>
+        </p:nvSpPr>
+        <p:spPr>
+          <a:xfrm>
+            <a:off x="615452" y="863543"/>
+            <a:ext cx="884475" cy="346377"/>
+          </a:xfrm>
+          <a:prstGeom prst="rect">
+            <a:avLst/>
+          </a:prstGeom>
+          <a:noFill/>
+        </p:spPr>
+        <p:txBody>
+          <a:bodyPr wrap="square" rtlCol="0">
+            <a:spAutoFit/>
+          </a:bodyPr>
+          <a:lstStyle/>
+          <a:p>
+            <a:r>
+              <a:rPr lang="en-US" sz="1651" dirty="0"/>
+              <a:t>15 °C</a:t>
+            </a:r>
+          </a:p>
+        </p:txBody>
+      </p:sp>
+      <p:sp>
+        <p:nvSpPr>
+          <p:cNvPr id="28" name="TextBox 27">
+            <a:extLst>
+              <a:ext uri="{FF2B5EF4-FFF2-40B4-BE49-F238E27FC236}">
+                <a16:creationId xmlns:a16="http://schemas.microsoft.com/office/drawing/2014/main" id="{01774AC7-8950-AE37-97B0-162C0B004830}"/>
+              </a:ext>
+            </a:extLst>
+          </p:cNvPr>
+          <p:cNvSpPr txBox="1"/>
+          <p:nvPr/>
+        </p:nvSpPr>
+        <p:spPr>
+          <a:xfrm>
+            <a:off x="3192630" y="863543"/>
+            <a:ext cx="884475" cy="346377"/>
+          </a:xfrm>
+          <a:prstGeom prst="rect">
+            <a:avLst/>
+          </a:prstGeom>
+          <a:noFill/>
+        </p:spPr>
+        <p:txBody>
+          <a:bodyPr wrap="square" rtlCol="0">
+            <a:spAutoFit/>
+          </a:bodyPr>
+          <a:lstStyle/>
+          <a:p>
+            <a:r>
+              <a:rPr lang="en-US" sz="1651" dirty="0"/>
+              <a:t>25 °C</a:t>
+            </a:r>
+          </a:p>
+        </p:txBody>
+      </p:sp>
+      <p:sp>
+        <p:nvSpPr>
+          <p:cNvPr id="29" name="TextBox 28">
+            <a:extLst>
+              <a:ext uri="{FF2B5EF4-FFF2-40B4-BE49-F238E27FC236}">
+                <a16:creationId xmlns:a16="http://schemas.microsoft.com/office/drawing/2014/main" id="{DED0959C-6A62-D022-4ABC-23229494E98A}"/>
+              </a:ext>
+            </a:extLst>
+          </p:cNvPr>
+          <p:cNvSpPr txBox="1"/>
+          <p:nvPr/>
+        </p:nvSpPr>
+        <p:spPr>
+          <a:xfrm>
+            <a:off x="5690122" y="863543"/>
+            <a:ext cx="884475" cy="346377"/>
+          </a:xfrm>
+          <a:prstGeom prst="rect">
+            <a:avLst/>
+          </a:prstGeom>
+          <a:noFill/>
+        </p:spPr>
+        <p:txBody>
+          <a:bodyPr wrap="square" rtlCol="0">
+            <a:spAutoFit/>
+          </a:bodyPr>
+          <a:lstStyle/>
+          <a:p>
+            <a:r>
+              <a:rPr lang="en-US" sz="1651" dirty="0"/>
+              <a:t>35 °C</a:t>
+            </a:r>
+          </a:p>
+        </p:txBody>
+      </p:sp>
+      <p:sp>
+        <p:nvSpPr>
+          <p:cNvPr id="30" name="TextBox 29">
+            <a:extLst>
+              <a:ext uri="{FF2B5EF4-FFF2-40B4-BE49-F238E27FC236}">
+                <a16:creationId xmlns:a16="http://schemas.microsoft.com/office/drawing/2014/main" id="{EBE715E8-55B3-C3DE-02E3-13E034E6D25F}"/>
+              </a:ext>
+            </a:extLst>
+          </p:cNvPr>
+          <p:cNvSpPr txBox="1"/>
+          <p:nvPr/>
+        </p:nvSpPr>
+        <p:spPr>
+          <a:xfrm>
+            <a:off x="615451" y="15545"/>
+            <a:ext cx="884475" cy="346377"/>
+          </a:xfrm>
+          <a:prstGeom prst="rect">
+            <a:avLst/>
+          </a:prstGeom>
+          <a:noFill/>
+        </p:spPr>
+        <p:txBody>
+          <a:bodyPr wrap="square" rtlCol="0">
+            <a:spAutoFit/>
+          </a:bodyPr>
+          <a:lstStyle/>
+          <a:p>
+            <a:r>
+              <a:rPr lang="en-US" sz="1651" dirty="0"/>
+              <a:t>Cold</a:t>
+            </a:r>
+          </a:p>
+        </p:txBody>
+      </p:sp>
+      <p:sp>
+        <p:nvSpPr>
+          <p:cNvPr id="31" name="TextBox 30">
+            <a:extLst>
+              <a:ext uri="{FF2B5EF4-FFF2-40B4-BE49-F238E27FC236}">
+                <a16:creationId xmlns:a16="http://schemas.microsoft.com/office/drawing/2014/main" id="{71DC14A0-72C1-E98E-825E-436AA29B2216}"/>
+              </a:ext>
+            </a:extLst>
+          </p:cNvPr>
+          <p:cNvSpPr txBox="1"/>
+          <p:nvPr/>
+        </p:nvSpPr>
+        <p:spPr>
+          <a:xfrm>
+            <a:off x="3152786" y="0"/>
+            <a:ext cx="884475" cy="346377"/>
+          </a:xfrm>
+          <a:prstGeom prst="rect">
+            <a:avLst/>
+          </a:prstGeom>
+          <a:noFill/>
+        </p:spPr>
+        <p:txBody>
+          <a:bodyPr wrap="square" rtlCol="0">
+            <a:spAutoFit/>
+          </a:bodyPr>
+          <a:lstStyle/>
+          <a:p>
+            <a:pPr algn="ctr"/>
+            <a:r>
+              <a:rPr lang="en-US" sz="1651" dirty="0"/>
+              <a:t>Warm</a:t>
+            </a:r>
+          </a:p>
+        </p:txBody>
+      </p:sp>
+      <p:sp>
+        <p:nvSpPr>
+          <p:cNvPr id="32" name="TextBox 31">
+            <a:extLst>
+              <a:ext uri="{FF2B5EF4-FFF2-40B4-BE49-F238E27FC236}">
+                <a16:creationId xmlns:a16="http://schemas.microsoft.com/office/drawing/2014/main" id="{A8D5B1CC-A977-AF18-6768-D838D4362615}"/>
+              </a:ext>
+            </a:extLst>
+          </p:cNvPr>
+          <p:cNvSpPr txBox="1"/>
+          <p:nvPr/>
+        </p:nvSpPr>
+        <p:spPr>
+          <a:xfrm>
+            <a:off x="5800303" y="17971"/>
+            <a:ext cx="884475" cy="346377"/>
+          </a:xfrm>
+          <a:prstGeom prst="rect">
+            <a:avLst/>
+          </a:prstGeom>
+          <a:noFill/>
+        </p:spPr>
+        <p:txBody>
+          <a:bodyPr wrap="square" rtlCol="0">
+            <a:spAutoFit/>
+          </a:bodyPr>
+          <a:lstStyle/>
+          <a:p>
+            <a:r>
+              <a:rPr lang="en-US" sz="1651" dirty="0"/>
+              <a:t>Hot</a:t>
+            </a:r>
+          </a:p>
+        </p:txBody>
+      </p:sp>
+    </p:spTree>
+    <p:extLst>
+      <p:ext uri="{BB962C8B-B14F-4D97-AF65-F5344CB8AC3E}">
+        <p14:creationId xmlns:p14="http://schemas.microsoft.com/office/powerpoint/2010/main" val="3585409721"/>
+      </p:ext>
+    </p:extLst>
+  </p:cSld>
+  <p:clrMapOvr>
+    <a:masterClrMapping/>
+  </p:clrMapOvr>
+</p:sld>
+</file>
+
+<file path=ppt/slides/slide3.xml><?xml version="1.0" encoding="utf-8"?>
+<p:sld xmlns:a="http://schemas.openxmlformats.org/drawingml/2006/main" xmlns:r="http://schemas.openxmlformats.org/officeDocument/2006/relationships" xmlns:p="http://schemas.openxmlformats.org/presentationml/2006/main">
+  <p:cSld>
+    <p:spTree>
+      <p:nvGrpSpPr>
+        <p:cNvPr id="1" name=""/>
+        <p:cNvGrpSpPr/>
+        <p:nvPr/>
+      </p:nvGrpSpPr>
+      <p:grpSpPr>
+        <a:xfrm>
+          <a:off x="0" y="0"/>
+          <a:ext cx="0" cy="0"/>
+          <a:chOff x="0" y="0"/>
+          <a:chExt cx="0" cy="0"/>
+        </a:xfrm>
+      </p:grpSpPr>
       <p:pic>
         <p:nvPicPr>
           <p:cNvPr id="12" name="Picture 11">
@@ -5260,7 +5517,7 @@
         </p:blipFill>
         <p:spPr>
           <a:xfrm>
-            <a:off x="564622" y="157163"/>
+            <a:off x="564622" y="506298"/>
             <a:ext cx="6108700" cy="1485900"/>
           </a:xfrm>
           <a:prstGeom prst="rect">

--- a/Resource/Document/Scale.pptx
+++ b/Resource/Document/Scale.pptx
@@ -4,10 +4,14 @@
   <p:sldMasterIdLst>
     <p:sldMasterId id="2147483684" r:id="rId1"/>
   </p:sldMasterIdLst>
+  <p:notesMasterIdLst>
+    <p:notesMasterId r:id="rId6"/>
+  </p:notesMasterIdLst>
   <p:sldIdLst>
     <p:sldId id="256" r:id="rId2"/>
     <p:sldId id="258" r:id="rId3"/>
     <p:sldId id="257" r:id="rId4"/>
+    <p:sldId id="259" r:id="rId5"/>
   </p:sldIdLst>
   <p:sldSz cx="6858000" cy="9906000" type="A4"/>
   <p:notesSz cx="6858000" cy="9144000"/>
@@ -114,6 +118,443 @@
 </p:presentation>
 </file>
 
+<file path=ppt/notesMasters/notesMaster1.xml><?xml version="1.0" encoding="utf-8"?>
+<p:notesMaster xmlns:a="http://schemas.openxmlformats.org/drawingml/2006/main" xmlns:r="http://schemas.openxmlformats.org/officeDocument/2006/relationships" xmlns:p="http://schemas.openxmlformats.org/presentationml/2006/main">
+  <p:cSld>
+    <p:bg>
+      <p:bgRef idx="1001">
+        <a:schemeClr val="bg1"/>
+      </p:bgRef>
+    </p:bg>
+    <p:spTree>
+      <p:nvGrpSpPr>
+        <p:cNvPr id="1" name=""/>
+        <p:cNvGrpSpPr/>
+        <p:nvPr/>
+      </p:nvGrpSpPr>
+      <p:grpSpPr>
+        <a:xfrm>
+          <a:off x="0" y="0"/>
+          <a:ext cx="0" cy="0"/>
+          <a:chOff x="0" y="0"/>
+          <a:chExt cx="0" cy="0"/>
+        </a:xfrm>
+      </p:grpSpPr>
+      <p:sp>
+        <p:nvSpPr>
+          <p:cNvPr id="2" name="Header Placeholder 1"/>
+          <p:cNvSpPr>
+            <a:spLocks noGrp="1"/>
+          </p:cNvSpPr>
+          <p:nvPr>
+            <p:ph type="hdr" sz="quarter"/>
+          </p:nvPr>
+        </p:nvSpPr>
+        <p:spPr>
+          <a:xfrm>
+            <a:off x="0" y="0"/>
+            <a:ext cx="2971800" cy="458788"/>
+          </a:xfrm>
+          <a:prstGeom prst="rect">
+            <a:avLst/>
+          </a:prstGeom>
+        </p:spPr>
+        <p:txBody>
+          <a:bodyPr vert="horz" lIns="91440" tIns="45720" rIns="91440" bIns="45720" rtlCol="0"/>
+          <a:lstStyle>
+            <a:lvl1pPr algn="l">
+              <a:defRPr sz="1200"/>
+            </a:lvl1pPr>
+          </a:lstStyle>
+          <a:p>
+            <a:endParaRPr lang="en-US"/>
+          </a:p>
+        </p:txBody>
+      </p:sp>
+      <p:sp>
+        <p:nvSpPr>
+          <p:cNvPr id="3" name="Date Placeholder 2"/>
+          <p:cNvSpPr>
+            <a:spLocks noGrp="1"/>
+          </p:cNvSpPr>
+          <p:nvPr>
+            <p:ph type="dt" idx="1"/>
+          </p:nvPr>
+        </p:nvSpPr>
+        <p:spPr>
+          <a:xfrm>
+            <a:off x="3884613" y="0"/>
+            <a:ext cx="2971800" cy="458788"/>
+          </a:xfrm>
+          <a:prstGeom prst="rect">
+            <a:avLst/>
+          </a:prstGeom>
+        </p:spPr>
+        <p:txBody>
+          <a:bodyPr vert="horz" lIns="91440" tIns="45720" rIns="91440" bIns="45720" rtlCol="0"/>
+          <a:lstStyle>
+            <a:lvl1pPr algn="r">
+              <a:defRPr sz="1200"/>
+            </a:lvl1pPr>
+          </a:lstStyle>
+          <a:p>
+            <a:fld id="{C859E116-ED2F-CC44-B26B-65557A3CBBBD}" type="datetimeFigureOut">
+              <a:rPr lang="en-US" smtClean="0"/>
+              <a:t>12/15/22</a:t>
+            </a:fld>
+            <a:endParaRPr lang="en-US"/>
+          </a:p>
+        </p:txBody>
+      </p:sp>
+      <p:sp>
+        <p:nvSpPr>
+          <p:cNvPr id="4" name="Slide Image Placeholder 3"/>
+          <p:cNvSpPr>
+            <a:spLocks noGrp="1" noRot="1" noChangeAspect="1"/>
+          </p:cNvSpPr>
+          <p:nvPr>
+            <p:ph type="sldImg" idx="2"/>
+          </p:nvPr>
+        </p:nvSpPr>
+        <p:spPr>
+          <a:xfrm>
+            <a:off x="2360613" y="1143000"/>
+            <a:ext cx="2136775" cy="3086100"/>
+          </a:xfrm>
+          <a:prstGeom prst="rect">
+            <a:avLst/>
+          </a:prstGeom>
+          <a:noFill/>
+          <a:ln w="12700">
+            <a:solidFill>
+              <a:prstClr val="black"/>
+            </a:solidFill>
+          </a:ln>
+        </p:spPr>
+        <p:txBody>
+          <a:bodyPr vert="horz" lIns="91440" tIns="45720" rIns="91440" bIns="45720" rtlCol="0" anchor="ctr"/>
+          <a:lstStyle/>
+          <a:p>
+            <a:endParaRPr lang="en-US"/>
+          </a:p>
+        </p:txBody>
+      </p:sp>
+      <p:sp>
+        <p:nvSpPr>
+          <p:cNvPr id="5" name="Notes Placeholder 4"/>
+          <p:cNvSpPr>
+            <a:spLocks noGrp="1"/>
+          </p:cNvSpPr>
+          <p:nvPr>
+            <p:ph type="body" sz="quarter" idx="3"/>
+          </p:nvPr>
+        </p:nvSpPr>
+        <p:spPr>
+          <a:xfrm>
+            <a:off x="685800" y="4400550"/>
+            <a:ext cx="5486400" cy="3600450"/>
+          </a:xfrm>
+          <a:prstGeom prst="rect">
+            <a:avLst/>
+          </a:prstGeom>
+        </p:spPr>
+        <p:txBody>
+          <a:bodyPr vert="horz" lIns="91440" tIns="45720" rIns="91440" bIns="45720" rtlCol="0"/>
+          <a:lstStyle/>
+          <a:p>
+            <a:pPr lvl="0"/>
+            <a:r>
+              <a:rPr lang="en-GB"/>
+              <a:t>Click to edit Master text styles</a:t>
+            </a:r>
+          </a:p>
+          <a:p>
+            <a:pPr lvl="1"/>
+            <a:r>
+              <a:rPr lang="en-GB"/>
+              <a:t>Second level</a:t>
+            </a:r>
+          </a:p>
+          <a:p>
+            <a:pPr lvl="2"/>
+            <a:r>
+              <a:rPr lang="en-GB"/>
+              <a:t>Third level</a:t>
+            </a:r>
+          </a:p>
+          <a:p>
+            <a:pPr lvl="3"/>
+            <a:r>
+              <a:rPr lang="en-GB"/>
+              <a:t>Fourth level</a:t>
+            </a:r>
+          </a:p>
+          <a:p>
+            <a:pPr lvl="4"/>
+            <a:r>
+              <a:rPr lang="en-GB"/>
+              <a:t>Fifth level</a:t>
+            </a:r>
+            <a:endParaRPr lang="en-US"/>
+          </a:p>
+        </p:txBody>
+      </p:sp>
+      <p:sp>
+        <p:nvSpPr>
+          <p:cNvPr id="6" name="Footer Placeholder 5"/>
+          <p:cNvSpPr>
+            <a:spLocks noGrp="1"/>
+          </p:cNvSpPr>
+          <p:nvPr>
+            <p:ph type="ftr" sz="quarter" idx="4"/>
+          </p:nvPr>
+        </p:nvSpPr>
+        <p:spPr>
+          <a:xfrm>
+            <a:off x="0" y="8685213"/>
+            <a:ext cx="2971800" cy="458787"/>
+          </a:xfrm>
+          <a:prstGeom prst="rect">
+            <a:avLst/>
+          </a:prstGeom>
+        </p:spPr>
+        <p:txBody>
+          <a:bodyPr vert="horz" lIns="91440" tIns="45720" rIns="91440" bIns="45720" rtlCol="0" anchor="b"/>
+          <a:lstStyle>
+            <a:lvl1pPr algn="l">
+              <a:defRPr sz="1200"/>
+            </a:lvl1pPr>
+          </a:lstStyle>
+          <a:p>
+            <a:endParaRPr lang="en-US"/>
+          </a:p>
+        </p:txBody>
+      </p:sp>
+      <p:sp>
+        <p:nvSpPr>
+          <p:cNvPr id="7" name="Slide Number Placeholder 6"/>
+          <p:cNvSpPr>
+            <a:spLocks noGrp="1"/>
+          </p:cNvSpPr>
+          <p:nvPr>
+            <p:ph type="sldNum" sz="quarter" idx="5"/>
+          </p:nvPr>
+        </p:nvSpPr>
+        <p:spPr>
+          <a:xfrm>
+            <a:off x="3884613" y="8685213"/>
+            <a:ext cx="2971800" cy="458787"/>
+          </a:xfrm>
+          <a:prstGeom prst="rect">
+            <a:avLst/>
+          </a:prstGeom>
+        </p:spPr>
+        <p:txBody>
+          <a:bodyPr vert="horz" lIns="91440" tIns="45720" rIns="91440" bIns="45720" rtlCol="0" anchor="b"/>
+          <a:lstStyle>
+            <a:lvl1pPr algn="r">
+              <a:defRPr sz="1200"/>
+            </a:lvl1pPr>
+          </a:lstStyle>
+          <a:p>
+            <a:fld id="{37BD82F9-5C49-674A-A1FD-3ED48566693A}" type="slidenum">
+              <a:rPr lang="en-US" smtClean="0"/>
+              <a:t>‹#›</a:t>
+            </a:fld>
+            <a:endParaRPr lang="en-US"/>
+          </a:p>
+        </p:txBody>
+      </p:sp>
+    </p:spTree>
+    <p:extLst>
+      <p:ext uri="{BB962C8B-B14F-4D97-AF65-F5344CB8AC3E}">
+        <p14:creationId xmlns:p14="http://schemas.microsoft.com/office/powerpoint/2010/main" val="3961665534"/>
+      </p:ext>
+    </p:extLst>
+  </p:cSld>
+  <p:clrMap bg1="lt1" tx1="dk1" bg2="lt2" tx2="dk2" accent1="accent1" accent2="accent2" accent3="accent3" accent4="accent4" accent5="accent5" accent6="accent6" hlink="hlink" folHlink="folHlink"/>
+  <p:notesStyle>
+    <a:lvl1pPr marL="0" algn="l" defTabSz="914400" rtl="0" eaLnBrk="1" latinLnBrk="0" hangingPunct="1">
+      <a:defRPr sz="1200" kern="1200">
+        <a:solidFill>
+          <a:schemeClr val="tx1"/>
+        </a:solidFill>
+        <a:latin typeface="+mn-lt"/>
+        <a:ea typeface="+mn-ea"/>
+        <a:cs typeface="+mn-cs"/>
+      </a:defRPr>
+    </a:lvl1pPr>
+    <a:lvl2pPr marL="457200" algn="l" defTabSz="914400" rtl="0" eaLnBrk="1" latinLnBrk="0" hangingPunct="1">
+      <a:defRPr sz="1200" kern="1200">
+        <a:solidFill>
+          <a:schemeClr val="tx1"/>
+        </a:solidFill>
+        <a:latin typeface="+mn-lt"/>
+        <a:ea typeface="+mn-ea"/>
+        <a:cs typeface="+mn-cs"/>
+      </a:defRPr>
+    </a:lvl2pPr>
+    <a:lvl3pPr marL="914400" algn="l" defTabSz="914400" rtl="0" eaLnBrk="1" latinLnBrk="0" hangingPunct="1">
+      <a:defRPr sz="1200" kern="1200">
+        <a:solidFill>
+          <a:schemeClr val="tx1"/>
+        </a:solidFill>
+        <a:latin typeface="+mn-lt"/>
+        <a:ea typeface="+mn-ea"/>
+        <a:cs typeface="+mn-cs"/>
+      </a:defRPr>
+    </a:lvl3pPr>
+    <a:lvl4pPr marL="1371600" algn="l" defTabSz="914400" rtl="0" eaLnBrk="1" latinLnBrk="0" hangingPunct="1">
+      <a:defRPr sz="1200" kern="1200">
+        <a:solidFill>
+          <a:schemeClr val="tx1"/>
+        </a:solidFill>
+        <a:latin typeface="+mn-lt"/>
+        <a:ea typeface="+mn-ea"/>
+        <a:cs typeface="+mn-cs"/>
+      </a:defRPr>
+    </a:lvl4pPr>
+    <a:lvl5pPr marL="1828800" algn="l" defTabSz="914400" rtl="0" eaLnBrk="1" latinLnBrk="0" hangingPunct="1">
+      <a:defRPr sz="1200" kern="1200">
+        <a:solidFill>
+          <a:schemeClr val="tx1"/>
+        </a:solidFill>
+        <a:latin typeface="+mn-lt"/>
+        <a:ea typeface="+mn-ea"/>
+        <a:cs typeface="+mn-cs"/>
+      </a:defRPr>
+    </a:lvl5pPr>
+    <a:lvl6pPr marL="2286000" algn="l" defTabSz="914400" rtl="0" eaLnBrk="1" latinLnBrk="0" hangingPunct="1">
+      <a:defRPr sz="1200" kern="1200">
+        <a:solidFill>
+          <a:schemeClr val="tx1"/>
+        </a:solidFill>
+        <a:latin typeface="+mn-lt"/>
+        <a:ea typeface="+mn-ea"/>
+        <a:cs typeface="+mn-cs"/>
+      </a:defRPr>
+    </a:lvl6pPr>
+    <a:lvl7pPr marL="2743200" algn="l" defTabSz="914400" rtl="0" eaLnBrk="1" latinLnBrk="0" hangingPunct="1">
+      <a:defRPr sz="1200" kern="1200">
+        <a:solidFill>
+          <a:schemeClr val="tx1"/>
+        </a:solidFill>
+        <a:latin typeface="+mn-lt"/>
+        <a:ea typeface="+mn-ea"/>
+        <a:cs typeface="+mn-cs"/>
+      </a:defRPr>
+    </a:lvl7pPr>
+    <a:lvl8pPr marL="3200400" algn="l" defTabSz="914400" rtl="0" eaLnBrk="1" latinLnBrk="0" hangingPunct="1">
+      <a:defRPr sz="1200" kern="1200">
+        <a:solidFill>
+          <a:schemeClr val="tx1"/>
+        </a:solidFill>
+        <a:latin typeface="+mn-lt"/>
+        <a:ea typeface="+mn-ea"/>
+        <a:cs typeface="+mn-cs"/>
+      </a:defRPr>
+    </a:lvl8pPr>
+    <a:lvl9pPr marL="3657600" algn="l" defTabSz="914400" rtl="0" eaLnBrk="1" latinLnBrk="0" hangingPunct="1">
+      <a:defRPr sz="1200" kern="1200">
+        <a:solidFill>
+          <a:schemeClr val="tx1"/>
+        </a:solidFill>
+        <a:latin typeface="+mn-lt"/>
+        <a:ea typeface="+mn-ea"/>
+        <a:cs typeface="+mn-cs"/>
+      </a:defRPr>
+    </a:lvl9pPr>
+  </p:notesStyle>
+</p:notesMaster>
+</file>
+
+<file path=ppt/notesSlides/notesSlide1.xml><?xml version="1.0" encoding="utf-8"?>
+<p:notes xmlns:a="http://schemas.openxmlformats.org/drawingml/2006/main" xmlns:r="http://schemas.openxmlformats.org/officeDocument/2006/relationships" xmlns:p="http://schemas.openxmlformats.org/presentationml/2006/main">
+  <p:cSld>
+    <p:spTree>
+      <p:nvGrpSpPr>
+        <p:cNvPr id="1" name=""/>
+        <p:cNvGrpSpPr/>
+        <p:nvPr/>
+      </p:nvGrpSpPr>
+      <p:grpSpPr>
+        <a:xfrm>
+          <a:off x="0" y="0"/>
+          <a:ext cx="0" cy="0"/>
+          <a:chOff x="0" y="0"/>
+          <a:chExt cx="0" cy="0"/>
+        </a:xfrm>
+      </p:grpSpPr>
+      <p:sp>
+        <p:nvSpPr>
+          <p:cNvPr id="2" name="Slide Image Placeholder 1"/>
+          <p:cNvSpPr>
+            <a:spLocks noGrp="1" noRot="1" noChangeAspect="1"/>
+          </p:cNvSpPr>
+          <p:nvPr>
+            <p:ph type="sldImg"/>
+          </p:nvPr>
+        </p:nvSpPr>
+        <p:spPr/>
+      </p:sp>
+      <p:sp>
+        <p:nvSpPr>
+          <p:cNvPr id="3" name="Notes Placeholder 2"/>
+          <p:cNvSpPr>
+            <a:spLocks noGrp="1"/>
+          </p:cNvSpPr>
+          <p:nvPr>
+            <p:ph type="body" idx="1"/>
+          </p:nvPr>
+        </p:nvSpPr>
+        <p:spPr/>
+        <p:txBody>
+          <a:bodyPr/>
+          <a:lstStyle/>
+          <a:p>
+            <a:r>
+              <a:rPr lang="en-US" dirty="0"/>
+              <a:t>For Unity Texture not for real scale</a:t>
+            </a:r>
+          </a:p>
+        </p:txBody>
+      </p:sp>
+      <p:sp>
+        <p:nvSpPr>
+          <p:cNvPr id="4" name="Slide Number Placeholder 3"/>
+          <p:cNvSpPr>
+            <a:spLocks noGrp="1"/>
+          </p:cNvSpPr>
+          <p:nvPr>
+            <p:ph type="sldNum" sz="quarter" idx="5"/>
+          </p:nvPr>
+        </p:nvSpPr>
+        <p:spPr/>
+        <p:txBody>
+          <a:bodyPr/>
+          <a:lstStyle/>
+          <a:p>
+            <a:fld id="{37BD82F9-5C49-674A-A1FD-3ED48566693A}" type="slidenum">
+              <a:rPr lang="en-US" smtClean="0"/>
+              <a:t>4</a:t>
+            </a:fld>
+            <a:endParaRPr lang="en-US"/>
+          </a:p>
+        </p:txBody>
+      </p:sp>
+    </p:spTree>
+    <p:extLst>
+      <p:ext uri="{BB962C8B-B14F-4D97-AF65-F5344CB8AC3E}">
+        <p14:creationId xmlns:p14="http://schemas.microsoft.com/office/powerpoint/2010/main" val="1061705901"/>
+      </p:ext>
+    </p:extLst>
+  </p:cSld>
+  <p:clrMapOvr>
+    <a:masterClrMapping/>
+  </p:clrMapOvr>
+</p:notes>
+</file>
+
 <file path=ppt/slideLayouts/slideLayout1.xml><?xml version="1.0" encoding="utf-8"?>
 <p:sldLayout xmlns:a="http://schemas.openxmlformats.org/drawingml/2006/main" xmlns:r="http://schemas.openxmlformats.org/officeDocument/2006/relationships" xmlns:p="http://schemas.openxmlformats.org/presentationml/2006/main" type="title" preserve="1">
   <p:cSld name="Title Slide">
@@ -245,7 +686,7 @@
           <a:p>
             <a:fld id="{B617430B-4D99-334F-A211-8803C0767C82}" type="datetimeFigureOut">
               <a:rPr lang="en-US" smtClean="0"/>
-              <a:t>12/14/22</a:t>
+              <a:t>12/15/22</a:t>
             </a:fld>
             <a:endParaRPr lang="en-US"/>
           </a:p>
@@ -415,7 +856,7 @@
           <a:p>
             <a:fld id="{B617430B-4D99-334F-A211-8803C0767C82}" type="datetimeFigureOut">
               <a:rPr lang="en-US" smtClean="0"/>
-              <a:t>12/14/22</a:t>
+              <a:t>12/15/22</a:t>
             </a:fld>
             <a:endParaRPr lang="en-US"/>
           </a:p>
@@ -595,7 +1036,7 @@
           <a:p>
             <a:fld id="{B617430B-4D99-334F-A211-8803C0767C82}" type="datetimeFigureOut">
               <a:rPr lang="en-US" smtClean="0"/>
-              <a:t>12/14/22</a:t>
+              <a:t>12/15/22</a:t>
             </a:fld>
             <a:endParaRPr lang="en-US"/>
           </a:p>
@@ -765,7 +1206,7 @@
           <a:p>
             <a:fld id="{B617430B-4D99-334F-A211-8803C0767C82}" type="datetimeFigureOut">
               <a:rPr lang="en-US" smtClean="0"/>
-              <a:t>12/14/22</a:t>
+              <a:t>12/15/22</a:t>
             </a:fld>
             <a:endParaRPr lang="en-US"/>
           </a:p>
@@ -1009,7 +1450,7 @@
           <a:p>
             <a:fld id="{B617430B-4D99-334F-A211-8803C0767C82}" type="datetimeFigureOut">
               <a:rPr lang="en-US" smtClean="0"/>
-              <a:t>12/14/22</a:t>
+              <a:t>12/15/22</a:t>
             </a:fld>
             <a:endParaRPr lang="en-US"/>
           </a:p>
@@ -1241,7 +1682,7 @@
           <a:p>
             <a:fld id="{B617430B-4D99-334F-A211-8803C0767C82}" type="datetimeFigureOut">
               <a:rPr lang="en-US" smtClean="0"/>
-              <a:t>12/14/22</a:t>
+              <a:t>12/15/22</a:t>
             </a:fld>
             <a:endParaRPr lang="en-US"/>
           </a:p>
@@ -1608,7 +2049,7 @@
           <a:p>
             <a:fld id="{B617430B-4D99-334F-A211-8803C0767C82}" type="datetimeFigureOut">
               <a:rPr lang="en-US" smtClean="0"/>
-              <a:t>12/14/22</a:t>
+              <a:t>12/15/22</a:t>
             </a:fld>
             <a:endParaRPr lang="en-US"/>
           </a:p>
@@ -1726,7 +2167,7 @@
           <a:p>
             <a:fld id="{B617430B-4D99-334F-A211-8803C0767C82}" type="datetimeFigureOut">
               <a:rPr lang="en-US" smtClean="0"/>
-              <a:t>12/14/22</a:t>
+              <a:t>12/15/22</a:t>
             </a:fld>
             <a:endParaRPr lang="en-US"/>
           </a:p>
@@ -1821,7 +2262,7 @@
           <a:p>
             <a:fld id="{B617430B-4D99-334F-A211-8803C0767C82}" type="datetimeFigureOut">
               <a:rPr lang="en-US" smtClean="0"/>
-              <a:t>12/14/22</a:t>
+              <a:t>12/15/22</a:t>
             </a:fld>
             <a:endParaRPr lang="en-US"/>
           </a:p>
@@ -2098,7 +2539,7 @@
           <a:p>
             <a:fld id="{B617430B-4D99-334F-A211-8803C0767C82}" type="datetimeFigureOut">
               <a:rPr lang="en-US" smtClean="0"/>
-              <a:t>12/14/22</a:t>
+              <a:t>12/15/22</a:t>
             </a:fld>
             <a:endParaRPr lang="en-US"/>
           </a:p>
@@ -2355,7 +2796,7 @@
           <a:p>
             <a:fld id="{B617430B-4D99-334F-A211-8803C0767C82}" type="datetimeFigureOut">
               <a:rPr lang="en-US" smtClean="0"/>
-              <a:t>12/14/22</a:t>
+              <a:t>12/15/22</a:t>
             </a:fld>
             <a:endParaRPr lang="en-US"/>
           </a:p>
@@ -2568,7 +3009,7 @@
           <a:p>
             <a:fld id="{B617430B-4D99-334F-A211-8803C0767C82}" type="datetimeFigureOut">
               <a:rPr lang="en-US" smtClean="0"/>
-              <a:t>12/14/22</a:t>
+              <a:t>12/15/22</a:t>
             </a:fld>
             <a:endParaRPr lang="en-US"/>
           </a:p>
@@ -5628,6 +6069,1224 @@
 </p:sld>
 </file>
 
+<file path=ppt/slides/slide4.xml><?xml version="1.0" encoding="utf-8"?>
+<p:sld xmlns:a="http://schemas.openxmlformats.org/drawingml/2006/main" xmlns:r="http://schemas.openxmlformats.org/officeDocument/2006/relationships" xmlns:p="http://schemas.openxmlformats.org/presentationml/2006/main">
+  <p:cSld>
+    <p:spTree>
+      <p:nvGrpSpPr>
+        <p:cNvPr id="1" name=""/>
+        <p:cNvGrpSpPr/>
+        <p:nvPr/>
+      </p:nvGrpSpPr>
+      <p:grpSpPr>
+        <a:xfrm>
+          <a:off x="0" y="0"/>
+          <a:ext cx="0" cy="0"/>
+          <a:chOff x="0" y="0"/>
+          <a:chExt cx="0" cy="0"/>
+        </a:xfrm>
+      </p:grpSpPr>
+      <p:grpSp>
+        <p:nvGrpSpPr>
+          <p:cNvPr id="4" name="Group 3">
+            <a:extLst>
+              <a:ext uri="{FF2B5EF4-FFF2-40B4-BE49-F238E27FC236}">
+                <a16:creationId xmlns:a16="http://schemas.microsoft.com/office/drawing/2014/main" id="{96FC8244-6845-9E35-B9F4-D741B40FE354}"/>
+              </a:ext>
+            </a:extLst>
+          </p:cNvPr>
+          <p:cNvGrpSpPr/>
+          <p:nvPr/>
+        </p:nvGrpSpPr>
+        <p:grpSpPr>
+          <a:xfrm>
+            <a:off x="624795" y="3128762"/>
+            <a:ext cx="6092156" cy="1185132"/>
+            <a:chOff x="624795" y="1837912"/>
+            <a:chExt cx="6092156" cy="1185132"/>
+          </a:xfrm>
+        </p:grpSpPr>
+        <p:sp>
+          <p:nvSpPr>
+            <p:cNvPr id="5" name="Rectangle 4">
+              <a:extLst>
+                <a:ext uri="{FF2B5EF4-FFF2-40B4-BE49-F238E27FC236}">
+                  <a16:creationId xmlns:a16="http://schemas.microsoft.com/office/drawing/2014/main" id="{5066B2B1-1E4B-F70C-A12A-55CA605881D5}"/>
+                </a:ext>
+              </a:extLst>
+            </p:cNvPr>
+            <p:cNvSpPr/>
+            <p:nvPr/>
+          </p:nvSpPr>
+          <p:spPr>
+            <a:xfrm>
+              <a:off x="647624" y="2274208"/>
+              <a:ext cx="5627089" cy="320241"/>
+            </a:xfrm>
+            <a:prstGeom prst="rect">
+              <a:avLst/>
+            </a:prstGeom>
+            <a:gradFill>
+              <a:gsLst>
+                <a:gs pos="27000">
+                  <a:srgbClr val="00B050"/>
+                </a:gs>
+                <a:gs pos="90000">
+                  <a:srgbClr val="FF0000"/>
+                </a:gs>
+              </a:gsLst>
+              <a:lin ang="0" scaled="0"/>
+            </a:gradFill>
+            <a:ln>
+              <a:solidFill>
+                <a:schemeClr val="tx1"/>
+              </a:solidFill>
+            </a:ln>
+          </p:spPr>
+          <p:style>
+            <a:lnRef idx="2">
+              <a:schemeClr val="accent1">
+                <a:shade val="50000"/>
+              </a:schemeClr>
+            </a:lnRef>
+            <a:fillRef idx="1">
+              <a:schemeClr val="accent1"/>
+            </a:fillRef>
+            <a:effectRef idx="0">
+              <a:schemeClr val="accent1"/>
+            </a:effectRef>
+            <a:fontRef idx="minor">
+              <a:schemeClr val="lt1"/>
+            </a:fontRef>
+          </p:style>
+          <p:txBody>
+            <a:bodyPr rtlCol="0" anchor="ctr"/>
+            <a:lstStyle/>
+            <a:p>
+              <a:pPr algn="ctr"/>
+              <a:endParaRPr lang="en-US" sz="1651" dirty="0"/>
+            </a:p>
+          </p:txBody>
+        </p:sp>
+        <p:sp>
+          <p:nvSpPr>
+            <p:cNvPr id="6" name="TextBox 5">
+              <a:extLst>
+                <a:ext uri="{FF2B5EF4-FFF2-40B4-BE49-F238E27FC236}">
+                  <a16:creationId xmlns:a16="http://schemas.microsoft.com/office/drawing/2014/main" id="{E01750D2-3A7D-2422-B014-7E29EFB11066}"/>
+                </a:ext>
+              </a:extLst>
+            </p:cNvPr>
+            <p:cNvSpPr txBox="1"/>
+            <p:nvPr/>
+          </p:nvSpPr>
+          <p:spPr>
+            <a:xfrm>
+              <a:off x="624795" y="1845859"/>
+              <a:ext cx="884475" cy="346377"/>
+            </a:xfrm>
+            <a:prstGeom prst="rect">
+              <a:avLst/>
+            </a:prstGeom>
+            <a:noFill/>
+          </p:spPr>
+          <p:txBody>
+            <a:bodyPr wrap="square" rtlCol="0">
+              <a:spAutoFit/>
+            </a:bodyPr>
+            <a:lstStyle/>
+            <a:p>
+              <a:r>
+                <a:rPr lang="en-US" sz="1651" dirty="0"/>
+                <a:t>Free</a:t>
+              </a:r>
+            </a:p>
+          </p:txBody>
+        </p:sp>
+        <p:sp>
+          <p:nvSpPr>
+            <p:cNvPr id="7" name="TextBox 6">
+              <a:extLst>
+                <a:ext uri="{FF2B5EF4-FFF2-40B4-BE49-F238E27FC236}">
+                  <a16:creationId xmlns:a16="http://schemas.microsoft.com/office/drawing/2014/main" id="{BFE285F3-F145-B389-273D-BD33129DD88F}"/>
+                </a:ext>
+              </a:extLst>
+            </p:cNvPr>
+            <p:cNvSpPr txBox="1"/>
+            <p:nvPr/>
+          </p:nvSpPr>
+          <p:spPr>
+            <a:xfrm>
+              <a:off x="3159007" y="1840947"/>
+              <a:ext cx="884475" cy="346377"/>
+            </a:xfrm>
+            <a:prstGeom prst="rect">
+              <a:avLst/>
+            </a:prstGeom>
+            <a:noFill/>
+          </p:spPr>
+          <p:txBody>
+            <a:bodyPr wrap="square" rtlCol="0">
+              <a:spAutoFit/>
+            </a:bodyPr>
+            <a:lstStyle/>
+            <a:p>
+              <a:pPr algn="ctr"/>
+              <a:r>
+                <a:rPr lang="en-US" sz="1651" dirty="0"/>
+                <a:t>Usual</a:t>
+              </a:r>
+            </a:p>
+          </p:txBody>
+        </p:sp>
+        <p:sp>
+          <p:nvSpPr>
+            <p:cNvPr id="8" name="TextBox 7">
+              <a:extLst>
+                <a:ext uri="{FF2B5EF4-FFF2-40B4-BE49-F238E27FC236}">
+                  <a16:creationId xmlns:a16="http://schemas.microsoft.com/office/drawing/2014/main" id="{E0CA9ADA-4E55-33E7-67DA-419FF0239165}"/>
+                </a:ext>
+              </a:extLst>
+            </p:cNvPr>
+            <p:cNvSpPr txBox="1"/>
+            <p:nvPr/>
+          </p:nvSpPr>
+          <p:spPr>
+            <a:xfrm>
+              <a:off x="5606276" y="1837912"/>
+              <a:ext cx="884475" cy="346377"/>
+            </a:xfrm>
+            <a:prstGeom prst="rect">
+              <a:avLst/>
+            </a:prstGeom>
+            <a:noFill/>
+          </p:spPr>
+          <p:txBody>
+            <a:bodyPr wrap="square" rtlCol="0">
+              <a:spAutoFit/>
+            </a:bodyPr>
+            <a:lstStyle/>
+            <a:p>
+              <a:r>
+                <a:rPr lang="en-US" sz="1651" dirty="0"/>
+                <a:t>Crowd</a:t>
+              </a:r>
+            </a:p>
+          </p:txBody>
+        </p:sp>
+        <p:sp>
+          <p:nvSpPr>
+            <p:cNvPr id="9" name="TextBox 8">
+              <a:extLst>
+                <a:ext uri="{FF2B5EF4-FFF2-40B4-BE49-F238E27FC236}">
+                  <a16:creationId xmlns:a16="http://schemas.microsoft.com/office/drawing/2014/main" id="{3CA90638-4C64-AD87-6E98-96502BD614E9}"/>
+                </a:ext>
+              </a:extLst>
+            </p:cNvPr>
+            <p:cNvSpPr txBox="1"/>
+            <p:nvPr/>
+          </p:nvSpPr>
+          <p:spPr>
+            <a:xfrm>
+              <a:off x="624797" y="2675331"/>
+              <a:ext cx="884475" cy="346377"/>
+            </a:xfrm>
+            <a:prstGeom prst="rect">
+              <a:avLst/>
+            </a:prstGeom>
+            <a:noFill/>
+          </p:spPr>
+          <p:txBody>
+            <a:bodyPr wrap="square" rtlCol="0">
+              <a:spAutoFit/>
+            </a:bodyPr>
+            <a:lstStyle/>
+            <a:p>
+              <a:r>
+                <a:rPr lang="en-US" sz="1651" dirty="0"/>
+                <a:t>0</a:t>
+              </a:r>
+            </a:p>
+          </p:txBody>
+        </p:sp>
+        <p:sp>
+          <p:nvSpPr>
+            <p:cNvPr id="10" name="TextBox 9">
+              <a:extLst>
+                <a:ext uri="{FF2B5EF4-FFF2-40B4-BE49-F238E27FC236}">
+                  <a16:creationId xmlns:a16="http://schemas.microsoft.com/office/drawing/2014/main" id="{EC608500-E687-86CE-E91C-26CD5B331743}"/>
+                </a:ext>
+              </a:extLst>
+            </p:cNvPr>
+            <p:cNvSpPr txBox="1"/>
+            <p:nvPr/>
+          </p:nvSpPr>
+          <p:spPr>
+            <a:xfrm>
+              <a:off x="3159007" y="2676667"/>
+              <a:ext cx="884475" cy="346377"/>
+            </a:xfrm>
+            <a:prstGeom prst="rect">
+              <a:avLst/>
+            </a:prstGeom>
+            <a:noFill/>
+          </p:spPr>
+          <p:txBody>
+            <a:bodyPr wrap="square" rtlCol="0">
+              <a:spAutoFit/>
+            </a:bodyPr>
+            <a:lstStyle/>
+            <a:p>
+              <a:pPr algn="ctr"/>
+              <a:r>
+                <a:rPr lang="en-US" sz="1651" dirty="0"/>
+                <a:t>15</a:t>
+              </a:r>
+            </a:p>
+          </p:txBody>
+        </p:sp>
+        <p:sp>
+          <p:nvSpPr>
+            <p:cNvPr id="11" name="TextBox 10">
+              <a:extLst>
+                <a:ext uri="{FF2B5EF4-FFF2-40B4-BE49-F238E27FC236}">
+                  <a16:creationId xmlns:a16="http://schemas.microsoft.com/office/drawing/2014/main" id="{262147DD-3A75-3DE9-E4BA-92E52D5E0211}"/>
+                </a:ext>
+              </a:extLst>
+            </p:cNvPr>
+            <p:cNvSpPr txBox="1"/>
+            <p:nvPr/>
+          </p:nvSpPr>
+          <p:spPr>
+            <a:xfrm>
+              <a:off x="5832476" y="2672482"/>
+              <a:ext cx="884475" cy="346377"/>
+            </a:xfrm>
+            <a:prstGeom prst="rect">
+              <a:avLst/>
+            </a:prstGeom>
+            <a:noFill/>
+          </p:spPr>
+          <p:txBody>
+            <a:bodyPr wrap="square" rtlCol="0">
+              <a:spAutoFit/>
+            </a:bodyPr>
+            <a:lstStyle/>
+            <a:p>
+              <a:r>
+                <a:rPr lang="en-US" sz="1651" dirty="0"/>
+                <a:t>30</a:t>
+              </a:r>
+            </a:p>
+          </p:txBody>
+        </p:sp>
+      </p:grpSp>
+      <p:grpSp>
+        <p:nvGrpSpPr>
+          <p:cNvPr id="12" name="Group 11">
+            <a:extLst>
+              <a:ext uri="{FF2B5EF4-FFF2-40B4-BE49-F238E27FC236}">
+                <a16:creationId xmlns:a16="http://schemas.microsoft.com/office/drawing/2014/main" id="{519D8EE9-0E89-EAD8-47DD-D93556ED6474}"/>
+              </a:ext>
+            </a:extLst>
+          </p:cNvPr>
+          <p:cNvGrpSpPr/>
+          <p:nvPr/>
+        </p:nvGrpSpPr>
+        <p:grpSpPr>
+          <a:xfrm>
+            <a:off x="624794" y="5367859"/>
+            <a:ext cx="6069331" cy="1249102"/>
+            <a:chOff x="624794" y="3405903"/>
+            <a:chExt cx="6069331" cy="1249102"/>
+          </a:xfrm>
+        </p:grpSpPr>
+        <p:sp>
+          <p:nvSpPr>
+            <p:cNvPr id="13" name="Rectangle 12">
+              <a:extLst>
+                <a:ext uri="{FF2B5EF4-FFF2-40B4-BE49-F238E27FC236}">
+                  <a16:creationId xmlns:a16="http://schemas.microsoft.com/office/drawing/2014/main" id="{ED519859-99DD-0A90-7BAE-D702991CB0BB}"/>
+                </a:ext>
+              </a:extLst>
+            </p:cNvPr>
+            <p:cNvSpPr/>
+            <p:nvPr/>
+          </p:nvSpPr>
+          <p:spPr>
+            <a:xfrm>
+              <a:off x="624798" y="3861108"/>
+              <a:ext cx="5627089" cy="320241"/>
+            </a:xfrm>
+            <a:prstGeom prst="rect">
+              <a:avLst/>
+            </a:prstGeom>
+            <a:gradFill>
+              <a:gsLst>
+                <a:gs pos="50000">
+                  <a:srgbClr val="FFC000"/>
+                </a:gs>
+                <a:gs pos="21000">
+                  <a:srgbClr val="00B050"/>
+                </a:gs>
+                <a:gs pos="97000">
+                  <a:srgbClr val="FF0000"/>
+                </a:gs>
+              </a:gsLst>
+              <a:lin ang="0" scaled="0"/>
+            </a:gradFill>
+            <a:ln>
+              <a:solidFill>
+                <a:schemeClr val="tx1"/>
+              </a:solidFill>
+            </a:ln>
+          </p:spPr>
+          <p:style>
+            <a:lnRef idx="2">
+              <a:schemeClr val="accent1">
+                <a:shade val="50000"/>
+              </a:schemeClr>
+            </a:lnRef>
+            <a:fillRef idx="1">
+              <a:schemeClr val="accent1"/>
+            </a:fillRef>
+            <a:effectRef idx="0">
+              <a:schemeClr val="accent1"/>
+            </a:effectRef>
+            <a:fontRef idx="minor">
+              <a:schemeClr val="lt1"/>
+            </a:fontRef>
+          </p:style>
+          <p:txBody>
+            <a:bodyPr rtlCol="0" anchor="ctr"/>
+            <a:lstStyle/>
+            <a:p>
+              <a:pPr algn="ctr"/>
+              <a:endParaRPr lang="en-US" sz="1651" dirty="0"/>
+            </a:p>
+          </p:txBody>
+        </p:sp>
+        <p:sp>
+          <p:nvSpPr>
+            <p:cNvPr id="14" name="TextBox 13">
+              <a:extLst>
+                <a:ext uri="{FF2B5EF4-FFF2-40B4-BE49-F238E27FC236}">
+                  <a16:creationId xmlns:a16="http://schemas.microsoft.com/office/drawing/2014/main" id="{1E29AC38-645E-056D-A658-AD7645C054DD}"/>
+                </a:ext>
+              </a:extLst>
+            </p:cNvPr>
+            <p:cNvSpPr txBox="1"/>
+            <p:nvPr/>
+          </p:nvSpPr>
+          <p:spPr>
+            <a:xfrm>
+              <a:off x="624796" y="3405903"/>
+              <a:ext cx="884475" cy="346377"/>
+            </a:xfrm>
+            <a:prstGeom prst="rect">
+              <a:avLst/>
+            </a:prstGeom>
+            <a:noFill/>
+          </p:spPr>
+          <p:txBody>
+            <a:bodyPr wrap="square" rtlCol="0">
+              <a:spAutoFit/>
+            </a:bodyPr>
+            <a:lstStyle/>
+            <a:p>
+              <a:r>
+                <a:rPr lang="en-US" sz="1651" dirty="0"/>
+                <a:t>Good</a:t>
+              </a:r>
+            </a:p>
+          </p:txBody>
+        </p:sp>
+        <p:sp>
+          <p:nvSpPr>
+            <p:cNvPr id="15" name="TextBox 14">
+              <a:extLst>
+                <a:ext uri="{FF2B5EF4-FFF2-40B4-BE49-F238E27FC236}">
+                  <a16:creationId xmlns:a16="http://schemas.microsoft.com/office/drawing/2014/main" id="{A10AF63D-FCBF-0304-1784-6A8CA8D8C865}"/>
+                </a:ext>
+              </a:extLst>
+            </p:cNvPr>
+            <p:cNvSpPr txBox="1"/>
+            <p:nvPr/>
+          </p:nvSpPr>
+          <p:spPr>
+            <a:xfrm>
+              <a:off x="3031704" y="3405903"/>
+              <a:ext cx="1045892" cy="346377"/>
+            </a:xfrm>
+            <a:prstGeom prst="rect">
+              <a:avLst/>
+            </a:prstGeom>
+            <a:noFill/>
+          </p:spPr>
+          <p:txBody>
+            <a:bodyPr wrap="square" rtlCol="0">
+              <a:spAutoFit/>
+            </a:bodyPr>
+            <a:lstStyle/>
+            <a:p>
+              <a:pPr algn="ctr"/>
+              <a:r>
+                <a:rPr lang="en-US" sz="1651" dirty="0"/>
+                <a:t>Moderate</a:t>
+              </a:r>
+            </a:p>
+          </p:txBody>
+        </p:sp>
+        <p:sp>
+          <p:nvSpPr>
+            <p:cNvPr id="16" name="TextBox 15">
+              <a:extLst>
+                <a:ext uri="{FF2B5EF4-FFF2-40B4-BE49-F238E27FC236}">
+                  <a16:creationId xmlns:a16="http://schemas.microsoft.com/office/drawing/2014/main" id="{8EDD103F-9065-8712-F6E4-C03E59CD6F78}"/>
+                </a:ext>
+              </a:extLst>
+            </p:cNvPr>
+            <p:cNvSpPr txBox="1"/>
+            <p:nvPr/>
+          </p:nvSpPr>
+          <p:spPr>
+            <a:xfrm>
+              <a:off x="5702876" y="3405903"/>
+              <a:ext cx="884475" cy="346377"/>
+            </a:xfrm>
+            <a:prstGeom prst="rect">
+              <a:avLst/>
+            </a:prstGeom>
+            <a:noFill/>
+          </p:spPr>
+          <p:txBody>
+            <a:bodyPr wrap="square" rtlCol="0">
+              <a:spAutoFit/>
+            </a:bodyPr>
+            <a:lstStyle/>
+            <a:p>
+              <a:r>
+                <a:rPr lang="en-US" sz="1651" dirty="0"/>
+                <a:t>Poor</a:t>
+              </a:r>
+            </a:p>
+          </p:txBody>
+        </p:sp>
+        <p:sp>
+          <p:nvSpPr>
+            <p:cNvPr id="17" name="TextBox 16">
+              <a:extLst>
+                <a:ext uri="{FF2B5EF4-FFF2-40B4-BE49-F238E27FC236}">
+                  <a16:creationId xmlns:a16="http://schemas.microsoft.com/office/drawing/2014/main" id="{E82DDF97-989F-A21D-23F8-5013DD2C5441}"/>
+                </a:ext>
+              </a:extLst>
+            </p:cNvPr>
+            <p:cNvSpPr txBox="1"/>
+            <p:nvPr/>
+          </p:nvSpPr>
+          <p:spPr>
+            <a:xfrm>
+              <a:off x="624794" y="4259987"/>
+              <a:ext cx="884475" cy="346377"/>
+            </a:xfrm>
+            <a:prstGeom prst="rect">
+              <a:avLst/>
+            </a:prstGeom>
+            <a:noFill/>
+          </p:spPr>
+          <p:txBody>
+            <a:bodyPr wrap="square" rtlCol="0">
+              <a:spAutoFit/>
+            </a:bodyPr>
+            <a:lstStyle/>
+            <a:p>
+              <a:r>
+                <a:rPr lang="en-US" sz="1651" dirty="0"/>
+                <a:t>0</a:t>
+              </a:r>
+            </a:p>
+          </p:txBody>
+        </p:sp>
+        <p:sp>
+          <p:nvSpPr>
+            <p:cNvPr id="18" name="TextBox 17">
+              <a:extLst>
+                <a:ext uri="{FF2B5EF4-FFF2-40B4-BE49-F238E27FC236}">
+                  <a16:creationId xmlns:a16="http://schemas.microsoft.com/office/drawing/2014/main" id="{B1E59989-DC1F-EE6A-FDD1-AC8043A6C924}"/>
+                </a:ext>
+              </a:extLst>
+            </p:cNvPr>
+            <p:cNvSpPr txBox="1"/>
+            <p:nvPr/>
+          </p:nvSpPr>
+          <p:spPr>
+            <a:xfrm>
+              <a:off x="3112412" y="4308628"/>
+              <a:ext cx="884475" cy="346377"/>
+            </a:xfrm>
+            <a:prstGeom prst="rect">
+              <a:avLst/>
+            </a:prstGeom>
+            <a:noFill/>
+          </p:spPr>
+          <p:txBody>
+            <a:bodyPr wrap="square" rtlCol="0">
+              <a:spAutoFit/>
+            </a:bodyPr>
+            <a:lstStyle/>
+            <a:p>
+              <a:pPr algn="ctr"/>
+              <a:r>
+                <a:rPr lang="en-US" sz="1651" dirty="0"/>
+                <a:t>125</a:t>
+              </a:r>
+            </a:p>
+          </p:txBody>
+        </p:sp>
+        <p:sp>
+          <p:nvSpPr>
+            <p:cNvPr id="19" name="TextBox 18">
+              <a:extLst>
+                <a:ext uri="{FF2B5EF4-FFF2-40B4-BE49-F238E27FC236}">
+                  <a16:creationId xmlns:a16="http://schemas.microsoft.com/office/drawing/2014/main" id="{C483D4BE-2ADF-2E35-ACE4-E7709926A8E5}"/>
+                </a:ext>
+              </a:extLst>
+            </p:cNvPr>
+            <p:cNvSpPr txBox="1"/>
+            <p:nvPr/>
+          </p:nvSpPr>
+          <p:spPr>
+            <a:xfrm>
+              <a:off x="5809650" y="4270571"/>
+              <a:ext cx="884475" cy="346377"/>
+            </a:xfrm>
+            <a:prstGeom prst="rect">
+              <a:avLst/>
+            </a:prstGeom>
+            <a:noFill/>
+          </p:spPr>
+          <p:txBody>
+            <a:bodyPr wrap="square" rtlCol="0">
+              <a:spAutoFit/>
+            </a:bodyPr>
+            <a:lstStyle/>
+            <a:p>
+              <a:r>
+                <a:rPr lang="en-US" sz="1651" dirty="0"/>
+                <a:t>250</a:t>
+              </a:r>
+            </a:p>
+          </p:txBody>
+        </p:sp>
+      </p:grpSp>
+      <p:grpSp>
+        <p:nvGrpSpPr>
+          <p:cNvPr id="20" name="Group 19">
+            <a:extLst>
+              <a:ext uri="{FF2B5EF4-FFF2-40B4-BE49-F238E27FC236}">
+                <a16:creationId xmlns:a16="http://schemas.microsoft.com/office/drawing/2014/main" id="{FC73C662-3535-3B0E-5586-04ACD0A6DDAC}"/>
+              </a:ext>
+            </a:extLst>
+          </p:cNvPr>
+          <p:cNvGrpSpPr/>
+          <p:nvPr/>
+        </p:nvGrpSpPr>
+        <p:grpSpPr>
+          <a:xfrm>
+            <a:off x="624798" y="864877"/>
+            <a:ext cx="6069327" cy="1209920"/>
+            <a:chOff x="624798" y="181931"/>
+            <a:chExt cx="6069327" cy="1209920"/>
+          </a:xfrm>
+        </p:grpSpPr>
+        <p:sp>
+          <p:nvSpPr>
+            <p:cNvPr id="21" name="Rectangle 20">
+              <a:extLst>
+                <a:ext uri="{FF2B5EF4-FFF2-40B4-BE49-F238E27FC236}">
+                  <a16:creationId xmlns:a16="http://schemas.microsoft.com/office/drawing/2014/main" id="{2820356F-7BB8-3A57-FDE2-89AA0200428A}"/>
+                </a:ext>
+              </a:extLst>
+            </p:cNvPr>
+            <p:cNvSpPr/>
+            <p:nvPr/>
+          </p:nvSpPr>
+          <p:spPr>
+            <a:xfrm>
+              <a:off x="624798" y="621886"/>
+              <a:ext cx="5627089" cy="320241"/>
+            </a:xfrm>
+            <a:prstGeom prst="rect">
+              <a:avLst/>
+            </a:prstGeom>
+            <a:gradFill>
+              <a:gsLst>
+                <a:gs pos="55000">
+                  <a:srgbClr val="00B050"/>
+                </a:gs>
+                <a:gs pos="94000">
+                  <a:srgbClr val="FF0000"/>
+                </a:gs>
+                <a:gs pos="17000">
+                  <a:srgbClr val="0070C0"/>
+                </a:gs>
+              </a:gsLst>
+              <a:lin ang="0" scaled="0"/>
+            </a:gradFill>
+            <a:ln>
+              <a:solidFill>
+                <a:schemeClr val="tx1"/>
+              </a:solidFill>
+            </a:ln>
+          </p:spPr>
+          <p:style>
+            <a:lnRef idx="2">
+              <a:schemeClr val="accent1">
+                <a:shade val="50000"/>
+              </a:schemeClr>
+            </a:lnRef>
+            <a:fillRef idx="1">
+              <a:schemeClr val="accent1"/>
+            </a:fillRef>
+            <a:effectRef idx="0">
+              <a:schemeClr val="accent1"/>
+            </a:effectRef>
+            <a:fontRef idx="minor">
+              <a:schemeClr val="lt1"/>
+            </a:fontRef>
+          </p:style>
+          <p:txBody>
+            <a:bodyPr rtlCol="0" anchor="ctr"/>
+            <a:lstStyle/>
+            <a:p>
+              <a:pPr algn="ctr"/>
+              <a:endParaRPr lang="en-US" sz="1651" dirty="0"/>
+            </a:p>
+          </p:txBody>
+        </p:sp>
+        <p:sp>
+          <p:nvSpPr>
+            <p:cNvPr id="22" name="TextBox 21">
+              <a:extLst>
+                <a:ext uri="{FF2B5EF4-FFF2-40B4-BE49-F238E27FC236}">
+                  <a16:creationId xmlns:a16="http://schemas.microsoft.com/office/drawing/2014/main" id="{9F8DB7B8-4C95-60CB-90C3-1D468C12F526}"/>
+                </a:ext>
+              </a:extLst>
+            </p:cNvPr>
+            <p:cNvSpPr txBox="1"/>
+            <p:nvPr/>
+          </p:nvSpPr>
+          <p:spPr>
+            <a:xfrm>
+              <a:off x="624799" y="1045474"/>
+              <a:ext cx="884475" cy="346377"/>
+            </a:xfrm>
+            <a:prstGeom prst="rect">
+              <a:avLst/>
+            </a:prstGeom>
+            <a:noFill/>
+          </p:spPr>
+          <p:txBody>
+            <a:bodyPr wrap="square" rtlCol="0">
+              <a:spAutoFit/>
+            </a:bodyPr>
+            <a:lstStyle/>
+            <a:p>
+              <a:r>
+                <a:rPr lang="en-US" sz="1651" dirty="0"/>
+                <a:t>15 °C</a:t>
+              </a:r>
+            </a:p>
+          </p:txBody>
+        </p:sp>
+        <p:sp>
+          <p:nvSpPr>
+            <p:cNvPr id="23" name="TextBox 22">
+              <a:extLst>
+                <a:ext uri="{FF2B5EF4-FFF2-40B4-BE49-F238E27FC236}">
+                  <a16:creationId xmlns:a16="http://schemas.microsoft.com/office/drawing/2014/main" id="{4EE8E46C-B504-303C-2CEA-8FFEB58744CC}"/>
+                </a:ext>
+              </a:extLst>
+            </p:cNvPr>
+            <p:cNvSpPr txBox="1"/>
+            <p:nvPr/>
+          </p:nvSpPr>
+          <p:spPr>
+            <a:xfrm>
+              <a:off x="3201977" y="1045474"/>
+              <a:ext cx="884475" cy="346377"/>
+            </a:xfrm>
+            <a:prstGeom prst="rect">
+              <a:avLst/>
+            </a:prstGeom>
+            <a:noFill/>
+          </p:spPr>
+          <p:txBody>
+            <a:bodyPr wrap="square" rtlCol="0">
+              <a:spAutoFit/>
+            </a:bodyPr>
+            <a:lstStyle/>
+            <a:p>
+              <a:r>
+                <a:rPr lang="en-US" sz="1651" dirty="0"/>
+                <a:t>25 °C</a:t>
+              </a:r>
+            </a:p>
+          </p:txBody>
+        </p:sp>
+        <p:sp>
+          <p:nvSpPr>
+            <p:cNvPr id="24" name="TextBox 23">
+              <a:extLst>
+                <a:ext uri="{FF2B5EF4-FFF2-40B4-BE49-F238E27FC236}">
+                  <a16:creationId xmlns:a16="http://schemas.microsoft.com/office/drawing/2014/main" id="{6C0D8285-338B-60EE-B668-09589FF6B3E9}"/>
+                </a:ext>
+              </a:extLst>
+            </p:cNvPr>
+            <p:cNvSpPr txBox="1"/>
+            <p:nvPr/>
+          </p:nvSpPr>
+          <p:spPr>
+            <a:xfrm>
+              <a:off x="5699469" y="1045474"/>
+              <a:ext cx="884475" cy="346377"/>
+            </a:xfrm>
+            <a:prstGeom prst="rect">
+              <a:avLst/>
+            </a:prstGeom>
+            <a:noFill/>
+          </p:spPr>
+          <p:txBody>
+            <a:bodyPr wrap="square" rtlCol="0">
+              <a:spAutoFit/>
+            </a:bodyPr>
+            <a:lstStyle/>
+            <a:p>
+              <a:r>
+                <a:rPr lang="en-US" sz="1651" dirty="0"/>
+                <a:t>35 °C</a:t>
+              </a:r>
+            </a:p>
+          </p:txBody>
+        </p:sp>
+        <p:sp>
+          <p:nvSpPr>
+            <p:cNvPr id="25" name="TextBox 24">
+              <a:extLst>
+                <a:ext uri="{FF2B5EF4-FFF2-40B4-BE49-F238E27FC236}">
+                  <a16:creationId xmlns:a16="http://schemas.microsoft.com/office/drawing/2014/main" id="{028F81F3-C9C8-3BAD-8458-4E5BD7399E49}"/>
+                </a:ext>
+              </a:extLst>
+            </p:cNvPr>
+            <p:cNvSpPr txBox="1"/>
+            <p:nvPr/>
+          </p:nvSpPr>
+          <p:spPr>
+            <a:xfrm>
+              <a:off x="624798" y="197476"/>
+              <a:ext cx="884475" cy="346377"/>
+            </a:xfrm>
+            <a:prstGeom prst="rect">
+              <a:avLst/>
+            </a:prstGeom>
+            <a:noFill/>
+          </p:spPr>
+          <p:txBody>
+            <a:bodyPr wrap="square" rtlCol="0">
+              <a:spAutoFit/>
+            </a:bodyPr>
+            <a:lstStyle/>
+            <a:p>
+              <a:r>
+                <a:rPr lang="en-US" sz="1651" dirty="0"/>
+                <a:t>Cold</a:t>
+              </a:r>
+            </a:p>
+          </p:txBody>
+        </p:sp>
+        <p:sp>
+          <p:nvSpPr>
+            <p:cNvPr id="26" name="TextBox 25">
+              <a:extLst>
+                <a:ext uri="{FF2B5EF4-FFF2-40B4-BE49-F238E27FC236}">
+                  <a16:creationId xmlns:a16="http://schemas.microsoft.com/office/drawing/2014/main" id="{CDCD60F1-C5C0-B492-EBE7-50FEA6FAB2C7}"/>
+                </a:ext>
+              </a:extLst>
+            </p:cNvPr>
+            <p:cNvSpPr txBox="1"/>
+            <p:nvPr/>
+          </p:nvSpPr>
+          <p:spPr>
+            <a:xfrm>
+              <a:off x="3162133" y="181931"/>
+              <a:ext cx="884475" cy="346377"/>
+            </a:xfrm>
+            <a:prstGeom prst="rect">
+              <a:avLst/>
+            </a:prstGeom>
+            <a:noFill/>
+          </p:spPr>
+          <p:txBody>
+            <a:bodyPr wrap="square" rtlCol="0">
+              <a:spAutoFit/>
+            </a:bodyPr>
+            <a:lstStyle/>
+            <a:p>
+              <a:pPr algn="ctr"/>
+              <a:r>
+                <a:rPr lang="en-US" sz="1651" dirty="0"/>
+                <a:t>Warm</a:t>
+              </a:r>
+            </a:p>
+          </p:txBody>
+        </p:sp>
+        <p:sp>
+          <p:nvSpPr>
+            <p:cNvPr id="27" name="TextBox 26">
+              <a:extLst>
+                <a:ext uri="{FF2B5EF4-FFF2-40B4-BE49-F238E27FC236}">
+                  <a16:creationId xmlns:a16="http://schemas.microsoft.com/office/drawing/2014/main" id="{3375E45E-33C2-5064-360A-3A013C953275}"/>
+                </a:ext>
+              </a:extLst>
+            </p:cNvPr>
+            <p:cNvSpPr txBox="1"/>
+            <p:nvPr/>
+          </p:nvSpPr>
+          <p:spPr>
+            <a:xfrm>
+              <a:off x="5809650" y="199902"/>
+              <a:ext cx="884475" cy="346377"/>
+            </a:xfrm>
+            <a:prstGeom prst="rect">
+              <a:avLst/>
+            </a:prstGeom>
+            <a:noFill/>
+          </p:spPr>
+          <p:txBody>
+            <a:bodyPr wrap="square" rtlCol="0">
+              <a:spAutoFit/>
+            </a:bodyPr>
+            <a:lstStyle/>
+            <a:p>
+              <a:r>
+                <a:rPr lang="en-US" sz="1651" dirty="0"/>
+                <a:t>Hot</a:t>
+              </a:r>
+            </a:p>
+          </p:txBody>
+        </p:sp>
+      </p:grpSp>
+      <p:grpSp>
+        <p:nvGrpSpPr>
+          <p:cNvPr id="28" name="Group 27">
+            <a:extLst>
+              <a:ext uri="{FF2B5EF4-FFF2-40B4-BE49-F238E27FC236}">
+                <a16:creationId xmlns:a16="http://schemas.microsoft.com/office/drawing/2014/main" id="{D858854F-2BCF-7531-9635-74D4B82DE804}"/>
+              </a:ext>
+            </a:extLst>
+          </p:cNvPr>
+          <p:cNvGrpSpPr/>
+          <p:nvPr/>
+        </p:nvGrpSpPr>
+        <p:grpSpPr>
+          <a:xfrm>
+            <a:off x="624794" y="7670926"/>
+            <a:ext cx="6072473" cy="1182369"/>
+            <a:chOff x="624794" y="8102929"/>
+            <a:chExt cx="6072473" cy="1182369"/>
+          </a:xfrm>
+        </p:grpSpPr>
+        <p:sp>
+          <p:nvSpPr>
+            <p:cNvPr id="29" name="Rectangle 28">
+              <a:extLst>
+                <a:ext uri="{FF2B5EF4-FFF2-40B4-BE49-F238E27FC236}">
+                  <a16:creationId xmlns:a16="http://schemas.microsoft.com/office/drawing/2014/main" id="{56470130-E7F6-86A3-882A-761D8ED294FA}"/>
+                </a:ext>
+              </a:extLst>
+            </p:cNvPr>
+            <p:cNvSpPr/>
+            <p:nvPr/>
+          </p:nvSpPr>
+          <p:spPr>
+            <a:xfrm>
+              <a:off x="624798" y="8533401"/>
+              <a:ext cx="5627089" cy="320241"/>
+            </a:xfrm>
+            <a:prstGeom prst="rect">
+              <a:avLst/>
+            </a:prstGeom>
+            <a:gradFill>
+              <a:gsLst>
+                <a:gs pos="50000">
+                  <a:srgbClr val="FFC000"/>
+                </a:gs>
+                <a:gs pos="21000">
+                  <a:srgbClr val="00B050"/>
+                </a:gs>
+                <a:gs pos="97000">
+                  <a:srgbClr val="FF0000"/>
+                </a:gs>
+              </a:gsLst>
+              <a:lin ang="0" scaled="0"/>
+            </a:gradFill>
+            <a:ln>
+              <a:solidFill>
+                <a:schemeClr val="tx1"/>
+              </a:solidFill>
+            </a:ln>
+          </p:spPr>
+          <p:style>
+            <a:lnRef idx="2">
+              <a:schemeClr val="accent1">
+                <a:shade val="50000"/>
+              </a:schemeClr>
+            </a:lnRef>
+            <a:fillRef idx="1">
+              <a:schemeClr val="accent1"/>
+            </a:fillRef>
+            <a:effectRef idx="0">
+              <a:schemeClr val="accent1"/>
+            </a:effectRef>
+            <a:fontRef idx="minor">
+              <a:schemeClr val="lt1"/>
+            </a:fontRef>
+          </p:style>
+          <p:txBody>
+            <a:bodyPr rtlCol="0" anchor="ctr"/>
+            <a:lstStyle/>
+            <a:p>
+              <a:pPr algn="ctr"/>
+              <a:endParaRPr lang="en-US" sz="1651" dirty="0"/>
+            </a:p>
+          </p:txBody>
+        </p:sp>
+        <p:sp>
+          <p:nvSpPr>
+            <p:cNvPr id="30" name="TextBox 29">
+              <a:extLst>
+                <a:ext uri="{FF2B5EF4-FFF2-40B4-BE49-F238E27FC236}">
+                  <a16:creationId xmlns:a16="http://schemas.microsoft.com/office/drawing/2014/main" id="{4852C7AD-8F7C-8CE9-2438-3274B46B0725}"/>
+                </a:ext>
+              </a:extLst>
+            </p:cNvPr>
+            <p:cNvSpPr txBox="1"/>
+            <p:nvPr/>
+          </p:nvSpPr>
+          <p:spPr>
+            <a:xfrm>
+              <a:off x="624799" y="8102929"/>
+              <a:ext cx="884475" cy="346377"/>
+            </a:xfrm>
+            <a:prstGeom prst="rect">
+              <a:avLst/>
+            </a:prstGeom>
+            <a:noFill/>
+          </p:spPr>
+          <p:txBody>
+            <a:bodyPr wrap="square" rtlCol="0">
+              <a:spAutoFit/>
+            </a:bodyPr>
+            <a:lstStyle/>
+            <a:p>
+              <a:r>
+                <a:rPr lang="en-US" sz="1651" dirty="0"/>
+                <a:t>Calm</a:t>
+              </a:r>
+            </a:p>
+          </p:txBody>
+        </p:sp>
+        <p:sp>
+          <p:nvSpPr>
+            <p:cNvPr id="31" name="TextBox 30">
+              <a:extLst>
+                <a:ext uri="{FF2B5EF4-FFF2-40B4-BE49-F238E27FC236}">
+                  <a16:creationId xmlns:a16="http://schemas.microsoft.com/office/drawing/2014/main" id="{7CA2C127-425B-8D7A-2D65-BCED7724C5D0}"/>
+                </a:ext>
+              </a:extLst>
+            </p:cNvPr>
+            <p:cNvSpPr txBox="1"/>
+            <p:nvPr/>
+          </p:nvSpPr>
+          <p:spPr>
+            <a:xfrm>
+              <a:off x="3034830" y="8102929"/>
+              <a:ext cx="1045892" cy="346377"/>
+            </a:xfrm>
+            <a:prstGeom prst="rect">
+              <a:avLst/>
+            </a:prstGeom>
+            <a:noFill/>
+          </p:spPr>
+          <p:txBody>
+            <a:bodyPr wrap="square" rtlCol="0">
+              <a:spAutoFit/>
+            </a:bodyPr>
+            <a:lstStyle/>
+            <a:p>
+              <a:pPr algn="ctr"/>
+              <a:r>
+                <a:rPr lang="en-US" sz="1651" dirty="0"/>
+                <a:t>Loud</a:t>
+              </a:r>
+            </a:p>
+          </p:txBody>
+        </p:sp>
+        <p:sp>
+          <p:nvSpPr>
+            <p:cNvPr id="32" name="TextBox 31">
+              <a:extLst>
+                <a:ext uri="{FF2B5EF4-FFF2-40B4-BE49-F238E27FC236}">
+                  <a16:creationId xmlns:a16="http://schemas.microsoft.com/office/drawing/2014/main" id="{0850E428-4E0D-6992-E2A6-90FF945442C4}"/>
+                </a:ext>
+              </a:extLst>
+            </p:cNvPr>
+            <p:cNvSpPr txBox="1"/>
+            <p:nvPr/>
+          </p:nvSpPr>
+          <p:spPr>
+            <a:xfrm>
+              <a:off x="5606277" y="8115989"/>
+              <a:ext cx="884475" cy="346377"/>
+            </a:xfrm>
+            <a:prstGeom prst="rect">
+              <a:avLst/>
+            </a:prstGeom>
+            <a:noFill/>
+          </p:spPr>
+          <p:txBody>
+            <a:bodyPr wrap="square" rtlCol="0">
+              <a:spAutoFit/>
+            </a:bodyPr>
+            <a:lstStyle/>
+            <a:p>
+              <a:r>
+                <a:rPr lang="en-US" sz="1651" dirty="0"/>
+                <a:t>Painful</a:t>
+              </a:r>
+            </a:p>
+          </p:txBody>
+        </p:sp>
+        <p:sp>
+          <p:nvSpPr>
+            <p:cNvPr id="33" name="TextBox 32">
+              <a:extLst>
+                <a:ext uri="{FF2B5EF4-FFF2-40B4-BE49-F238E27FC236}">
+                  <a16:creationId xmlns:a16="http://schemas.microsoft.com/office/drawing/2014/main" id="{ED0972EF-13C6-FC3D-87CD-1C662FF8D535}"/>
+                </a:ext>
+              </a:extLst>
+            </p:cNvPr>
+            <p:cNvSpPr txBox="1"/>
+            <p:nvPr/>
+          </p:nvSpPr>
+          <p:spPr>
+            <a:xfrm>
+              <a:off x="624794" y="8937737"/>
+              <a:ext cx="884475" cy="346377"/>
+            </a:xfrm>
+            <a:prstGeom prst="rect">
+              <a:avLst/>
+            </a:prstGeom>
+            <a:noFill/>
+          </p:spPr>
+          <p:txBody>
+            <a:bodyPr wrap="square" rtlCol="0">
+              <a:spAutoFit/>
+            </a:bodyPr>
+            <a:lstStyle/>
+            <a:p>
+              <a:r>
+                <a:rPr lang="en-US" sz="1651" dirty="0"/>
+                <a:t>30</a:t>
+              </a:r>
+            </a:p>
+          </p:txBody>
+        </p:sp>
+        <p:sp>
+          <p:nvSpPr>
+            <p:cNvPr id="34" name="TextBox 33">
+              <a:extLst>
+                <a:ext uri="{FF2B5EF4-FFF2-40B4-BE49-F238E27FC236}">
+                  <a16:creationId xmlns:a16="http://schemas.microsoft.com/office/drawing/2014/main" id="{1EEDFE41-56FD-C026-7B60-46353139332B}"/>
+                </a:ext>
+              </a:extLst>
+            </p:cNvPr>
+            <p:cNvSpPr txBox="1"/>
+            <p:nvPr/>
+          </p:nvSpPr>
+          <p:spPr>
+            <a:xfrm>
+              <a:off x="3115864" y="8937737"/>
+              <a:ext cx="884475" cy="346377"/>
+            </a:xfrm>
+            <a:prstGeom prst="rect">
+              <a:avLst/>
+            </a:prstGeom>
+            <a:noFill/>
+          </p:spPr>
+          <p:txBody>
+            <a:bodyPr wrap="square" rtlCol="0">
+              <a:spAutoFit/>
+            </a:bodyPr>
+            <a:lstStyle/>
+            <a:p>
+              <a:pPr algn="ctr"/>
+              <a:r>
+                <a:rPr lang="en-US" sz="1651" dirty="0"/>
+                <a:t>85</a:t>
+              </a:r>
+            </a:p>
+          </p:txBody>
+        </p:sp>
+        <p:sp>
+          <p:nvSpPr>
+            <p:cNvPr id="35" name="TextBox 34">
+              <a:extLst>
+                <a:ext uri="{FF2B5EF4-FFF2-40B4-BE49-F238E27FC236}">
+                  <a16:creationId xmlns:a16="http://schemas.microsoft.com/office/drawing/2014/main" id="{7597404E-0467-A5D7-42B7-0B78DB5E6935}"/>
+                </a:ext>
+              </a:extLst>
+            </p:cNvPr>
+            <p:cNvSpPr txBox="1"/>
+            <p:nvPr/>
+          </p:nvSpPr>
+          <p:spPr>
+            <a:xfrm>
+              <a:off x="5812792" y="8938921"/>
+              <a:ext cx="884475" cy="346377"/>
+            </a:xfrm>
+            <a:prstGeom prst="rect">
+              <a:avLst/>
+            </a:prstGeom>
+            <a:noFill/>
+          </p:spPr>
+          <p:txBody>
+            <a:bodyPr wrap="square" rtlCol="0">
+              <a:spAutoFit/>
+            </a:bodyPr>
+            <a:lstStyle/>
+            <a:p>
+              <a:r>
+                <a:rPr lang="en-US" sz="1651" dirty="0"/>
+                <a:t>140</a:t>
+              </a:r>
+            </a:p>
+          </p:txBody>
+        </p:sp>
+      </p:grpSp>
+    </p:spTree>
+    <p:extLst>
+      <p:ext uri="{BB962C8B-B14F-4D97-AF65-F5344CB8AC3E}">
+        <p14:creationId xmlns:p14="http://schemas.microsoft.com/office/powerpoint/2010/main" val="243889920"/>
+      </p:ext>
+    </p:extLst>
+  </p:cSld>
+  <p:clrMapOvr>
+    <a:masterClrMapping/>
+  </p:clrMapOvr>
+</p:sld>
+</file>
+
 <file path=ppt/theme/theme1.xml><?xml version="1.0" encoding="utf-8"?>
 <a:theme xmlns:a="http://schemas.openxmlformats.org/drawingml/2006/main" name="Office Theme">
   <a:themeElements>
@@ -5887,4 +7546,299 @@
     </a:ext>
   </a:extLst>
 </a:theme>
+</file>
+
+<file path=ppt/theme/theme2.xml><?xml version="1.0" encoding="utf-8"?>
+<a:theme xmlns:a="http://schemas.openxmlformats.org/drawingml/2006/main" name="Office Theme 2013 - 2022">
+  <a:themeElements>
+    <a:clrScheme name="Office">
+      <a:dk1>
+        <a:sysClr val="windowText" lastClr="000000"/>
+      </a:dk1>
+      <a:lt1>
+        <a:sysClr val="window" lastClr="FFFFFF"/>
+      </a:lt1>
+      <a:dk2>
+        <a:srgbClr val="44546A"/>
+      </a:dk2>
+      <a:lt2>
+        <a:srgbClr val="E7E6E6"/>
+      </a:lt2>
+      <a:accent1>
+        <a:srgbClr val="4472C4"/>
+      </a:accent1>
+      <a:accent2>
+        <a:srgbClr val="ED7D31"/>
+      </a:accent2>
+      <a:accent3>
+        <a:srgbClr val="A5A5A5"/>
+      </a:accent3>
+      <a:accent4>
+        <a:srgbClr val="FFC000"/>
+      </a:accent4>
+      <a:accent5>
+        <a:srgbClr val="5B9BD5"/>
+      </a:accent5>
+      <a:accent6>
+        <a:srgbClr val="70AD47"/>
+      </a:accent6>
+      <a:hlink>
+        <a:srgbClr val="0563C1"/>
+      </a:hlink>
+      <a:folHlink>
+        <a:srgbClr val="954F72"/>
+      </a:folHlink>
+    </a:clrScheme>
+    <a:fontScheme name="Office">
+      <a:majorFont>
+        <a:latin typeface="Calibri Light" panose="020F0302020204030204"/>
+        <a:ea typeface=""/>
+        <a:cs typeface=""/>
+        <a:font script="Jpan" typeface="游ゴシック Light"/>
+        <a:font script="Hang" typeface="맑은 고딕"/>
+        <a:font script="Hans" typeface="等线 Light"/>
+        <a:font script="Hant" typeface="新細明體"/>
+        <a:font script="Arab" typeface="Times New Roman"/>
+        <a:font script="Hebr" typeface="Times New Roman"/>
+        <a:font script="Thai" typeface="Angsana New"/>
+        <a:font script="Ethi" typeface="Nyala"/>
+        <a:font script="Beng" typeface="Vrinda"/>
+        <a:font script="Gujr" typeface="Shruti"/>
+        <a:font script="Khmr" typeface="MoolBoran"/>
+        <a:font script="Knda" typeface="Tunga"/>
+        <a:font script="Guru" typeface="Raavi"/>
+        <a:font script="Cans" typeface="Euphemia"/>
+        <a:font script="Cher" typeface="Plantagenet Cherokee"/>
+        <a:font script="Yiii" typeface="Microsoft Yi Baiti"/>
+        <a:font script="Tibt" typeface="Microsoft Himalaya"/>
+        <a:font script="Thaa" typeface="MV Boli"/>
+        <a:font script="Deva" typeface="Mangal"/>
+        <a:font script="Telu" typeface="Gautami"/>
+        <a:font script="Taml" typeface="Latha"/>
+        <a:font script="Syrc" typeface="Estrangelo Edessa"/>
+        <a:font script="Orya" typeface="Kalinga"/>
+        <a:font script="Mlym" typeface="Kartika"/>
+        <a:font script="Laoo" typeface="DokChampa"/>
+        <a:font script="Sinh" typeface="Iskoola Pota"/>
+        <a:font script="Mong" typeface="Mongolian Baiti"/>
+        <a:font script="Viet" typeface="Times New Roman"/>
+        <a:font script="Uigh" typeface="Microsoft Uighur"/>
+        <a:font script="Geor" typeface="Sylfaen"/>
+        <a:font script="Armn" typeface="Arial"/>
+        <a:font script="Bugi" typeface="Leelawadee UI"/>
+        <a:font script="Bopo" typeface="Microsoft JhengHei"/>
+        <a:font script="Java" typeface="Javanese Text"/>
+        <a:font script="Lisu" typeface="Segoe UI"/>
+        <a:font script="Mymr" typeface="Myanmar Text"/>
+        <a:font script="Nkoo" typeface="Ebrima"/>
+        <a:font script="Olck" typeface="Nirmala UI"/>
+        <a:font script="Osma" typeface="Ebrima"/>
+        <a:font script="Phag" typeface="Phagspa"/>
+        <a:font script="Syrn" typeface="Estrangelo Edessa"/>
+        <a:font script="Syrj" typeface="Estrangelo Edessa"/>
+        <a:font script="Syre" typeface="Estrangelo Edessa"/>
+        <a:font script="Sora" typeface="Nirmala UI"/>
+        <a:font script="Tale" typeface="Microsoft Tai Le"/>
+        <a:font script="Talu" typeface="Microsoft New Tai Lue"/>
+        <a:font script="Tfng" typeface="Ebrima"/>
+      </a:majorFont>
+      <a:minorFont>
+        <a:latin typeface="Calibri" panose="020F0502020204030204"/>
+        <a:ea typeface=""/>
+        <a:cs typeface=""/>
+        <a:font script="Jpan" typeface="游ゴシック"/>
+        <a:font script="Hang" typeface="맑은 고딕"/>
+        <a:font script="Hans" typeface="等线"/>
+        <a:font script="Hant" typeface="新細明體"/>
+        <a:font script="Arab" typeface="Arial"/>
+        <a:font script="Hebr" typeface="Arial"/>
+        <a:font script="Thai" typeface="Cordia New"/>
+        <a:font script="Ethi" typeface="Nyala"/>
+        <a:font script="Beng" typeface="Vrinda"/>
+        <a:font script="Gujr" typeface="Shruti"/>
+        <a:font script="Khmr" typeface="DaunPenh"/>
+        <a:font script="Knda" typeface="Tunga"/>
+        <a:font script="Guru" typeface="Raavi"/>
+        <a:font script="Cans" typeface="Euphemia"/>
+        <a:font script="Cher" typeface="Plantagenet Cherokee"/>
+        <a:font script="Yiii" typeface="Microsoft Yi Baiti"/>
+        <a:font script="Tibt" typeface="Microsoft Himalaya"/>
+        <a:font script="Thaa" typeface="MV Boli"/>
+        <a:font script="Deva" typeface="Mangal"/>
+        <a:font script="Telu" typeface="Gautami"/>
+        <a:font script="Taml" typeface="Latha"/>
+        <a:font script="Syrc" typeface="Estrangelo Edessa"/>
+        <a:font script="Orya" typeface="Kalinga"/>
+        <a:font script="Mlym" typeface="Kartika"/>
+        <a:font script="Laoo" typeface="DokChampa"/>
+        <a:font script="Sinh" typeface="Iskoola Pota"/>
+        <a:font script="Mong" typeface="Mongolian Baiti"/>
+        <a:font script="Viet" typeface="Arial"/>
+        <a:font script="Uigh" typeface="Microsoft Uighur"/>
+        <a:font script="Geor" typeface="Sylfaen"/>
+        <a:font script="Armn" typeface="Arial"/>
+        <a:font script="Bugi" typeface="Leelawadee UI"/>
+        <a:font script="Bopo" typeface="Microsoft JhengHei"/>
+        <a:font script="Java" typeface="Javanese Text"/>
+        <a:font script="Lisu" typeface="Segoe UI"/>
+        <a:font script="Mymr" typeface="Myanmar Text"/>
+        <a:font script="Nkoo" typeface="Ebrima"/>
+        <a:font script="Olck" typeface="Nirmala UI"/>
+        <a:font script="Osma" typeface="Ebrima"/>
+        <a:font script="Phag" typeface="Phagspa"/>
+        <a:font script="Syrn" typeface="Estrangelo Edessa"/>
+        <a:font script="Syrj" typeface="Estrangelo Edessa"/>
+        <a:font script="Syre" typeface="Estrangelo Edessa"/>
+        <a:font script="Sora" typeface="Nirmala UI"/>
+        <a:font script="Tale" typeface="Microsoft Tai Le"/>
+        <a:font script="Talu" typeface="Microsoft New Tai Lue"/>
+        <a:font script="Tfng" typeface="Ebrima"/>
+      </a:minorFont>
+    </a:fontScheme>
+    <a:fmtScheme name="Office">
+      <a:fillStyleLst>
+        <a:solidFill>
+          <a:schemeClr val="phClr"/>
+        </a:solidFill>
+        <a:gradFill rotWithShape="1">
+          <a:gsLst>
+            <a:gs pos="0">
+              <a:schemeClr val="phClr">
+                <a:lumMod val="110000"/>
+                <a:satMod val="105000"/>
+                <a:tint val="67000"/>
+              </a:schemeClr>
+            </a:gs>
+            <a:gs pos="50000">
+              <a:schemeClr val="phClr">
+                <a:lumMod val="105000"/>
+                <a:satMod val="103000"/>
+                <a:tint val="73000"/>
+              </a:schemeClr>
+            </a:gs>
+            <a:gs pos="100000">
+              <a:schemeClr val="phClr">
+                <a:lumMod val="105000"/>
+                <a:satMod val="109000"/>
+                <a:tint val="81000"/>
+              </a:schemeClr>
+            </a:gs>
+          </a:gsLst>
+          <a:lin ang="5400000" scaled="0"/>
+        </a:gradFill>
+        <a:gradFill rotWithShape="1">
+          <a:gsLst>
+            <a:gs pos="0">
+              <a:schemeClr val="phClr">
+                <a:satMod val="103000"/>
+                <a:lumMod val="102000"/>
+                <a:tint val="94000"/>
+              </a:schemeClr>
+            </a:gs>
+            <a:gs pos="50000">
+              <a:schemeClr val="phClr">
+                <a:satMod val="110000"/>
+                <a:lumMod val="100000"/>
+                <a:shade val="100000"/>
+              </a:schemeClr>
+            </a:gs>
+            <a:gs pos="100000">
+              <a:schemeClr val="phClr">
+                <a:lumMod val="99000"/>
+                <a:satMod val="120000"/>
+                <a:shade val="78000"/>
+              </a:schemeClr>
+            </a:gs>
+          </a:gsLst>
+          <a:lin ang="5400000" scaled="0"/>
+        </a:gradFill>
+      </a:fillStyleLst>
+      <a:lnStyleLst>
+        <a:ln w="6350" cap="flat" cmpd="sng" algn="ctr">
+          <a:solidFill>
+            <a:schemeClr val="phClr"/>
+          </a:solidFill>
+          <a:prstDash val="solid"/>
+          <a:miter lim="800000"/>
+        </a:ln>
+        <a:ln w="12700" cap="flat" cmpd="sng" algn="ctr">
+          <a:solidFill>
+            <a:schemeClr val="phClr"/>
+          </a:solidFill>
+          <a:prstDash val="solid"/>
+          <a:miter lim="800000"/>
+        </a:ln>
+        <a:ln w="19050" cap="flat" cmpd="sng" algn="ctr">
+          <a:solidFill>
+            <a:schemeClr val="phClr"/>
+          </a:solidFill>
+          <a:prstDash val="solid"/>
+          <a:miter lim="800000"/>
+        </a:ln>
+      </a:lnStyleLst>
+      <a:effectStyleLst>
+        <a:effectStyle>
+          <a:effectLst/>
+        </a:effectStyle>
+        <a:effectStyle>
+          <a:effectLst/>
+        </a:effectStyle>
+        <a:effectStyle>
+          <a:effectLst>
+            <a:outerShdw blurRad="57150" dist="19050" dir="5400000" algn="ctr" rotWithShape="0">
+              <a:srgbClr val="000000">
+                <a:alpha val="63000"/>
+              </a:srgbClr>
+            </a:outerShdw>
+          </a:effectLst>
+        </a:effectStyle>
+      </a:effectStyleLst>
+      <a:bgFillStyleLst>
+        <a:solidFill>
+          <a:schemeClr val="phClr"/>
+        </a:solidFill>
+        <a:solidFill>
+          <a:schemeClr val="phClr">
+            <a:tint val="95000"/>
+            <a:satMod val="170000"/>
+          </a:schemeClr>
+        </a:solidFill>
+        <a:gradFill rotWithShape="1">
+          <a:gsLst>
+            <a:gs pos="0">
+              <a:schemeClr val="phClr">
+                <a:tint val="93000"/>
+                <a:satMod val="150000"/>
+                <a:shade val="98000"/>
+                <a:lumMod val="102000"/>
+              </a:schemeClr>
+            </a:gs>
+            <a:gs pos="50000">
+              <a:schemeClr val="phClr">
+                <a:tint val="98000"/>
+                <a:satMod val="130000"/>
+                <a:shade val="90000"/>
+                <a:lumMod val="103000"/>
+              </a:schemeClr>
+            </a:gs>
+            <a:gs pos="100000">
+              <a:schemeClr val="phClr">
+                <a:shade val="63000"/>
+                <a:satMod val="120000"/>
+              </a:schemeClr>
+            </a:gs>
+          </a:gsLst>
+          <a:lin ang="5400000" scaled="0"/>
+        </a:gradFill>
+      </a:bgFillStyleLst>
+    </a:fmtScheme>
+  </a:themeElements>
+  <a:objectDefaults/>
+  <a:extraClrSchemeLst/>
+  <a:extLst>
+    <a:ext uri="{05A4C25C-085E-4340-85A3-A5531E510DB2}">
+      <thm15:themeFamily xmlns:thm15="http://schemas.microsoft.com/office/thememl/2012/main" name="Office Theme 2013 - 2022" id="{62F939B6-93AF-4DB8-9C6B-D6C7DFDC589F}" vid="{4A3C46E8-61CC-4603-A589-7422A47A8E4A}"/>
+    </a:ext>
+  </a:extLst>
+</a:theme>
 </file>